--- a/PPTHCiBudgeting.pptx
+++ b/PPTHCiBudgeting.pptx
@@ -5,31 +5,45 @@
     <p:sldMasterId id="2147483660" r:id="rId1"/>
   </p:sldMasterIdLst>
   <p:notesMasterIdLst>
-    <p:notesMasterId r:id="rId24"/>
+    <p:notesMasterId r:id="rId38"/>
   </p:notesMasterIdLst>
   <p:sldIdLst>
     <p:sldId id="257" r:id="rId2"/>
-    <p:sldId id="258" r:id="rId3"/>
-    <p:sldId id="259" r:id="rId4"/>
-    <p:sldId id="263" r:id="rId5"/>
-    <p:sldId id="264" r:id="rId6"/>
-    <p:sldId id="271" r:id="rId7"/>
-    <p:sldId id="265" r:id="rId8"/>
-    <p:sldId id="266" r:id="rId9"/>
-    <p:sldId id="267" r:id="rId10"/>
-    <p:sldId id="268" r:id="rId11"/>
-    <p:sldId id="269" r:id="rId12"/>
-    <p:sldId id="270" r:id="rId13"/>
-    <p:sldId id="272" r:id="rId14"/>
-    <p:sldId id="273" r:id="rId15"/>
-    <p:sldId id="275" r:id="rId16"/>
-    <p:sldId id="274" r:id="rId17"/>
-    <p:sldId id="276" r:id="rId18"/>
-    <p:sldId id="277" r:id="rId19"/>
-    <p:sldId id="278" r:id="rId20"/>
-    <p:sldId id="279" r:id="rId21"/>
-    <p:sldId id="280" r:id="rId22"/>
-    <p:sldId id="281" r:id="rId23"/>
+    <p:sldId id="283" r:id="rId3"/>
+    <p:sldId id="258" r:id="rId4"/>
+    <p:sldId id="259" r:id="rId5"/>
+    <p:sldId id="285" r:id="rId6"/>
+    <p:sldId id="286" r:id="rId7"/>
+    <p:sldId id="287" r:id="rId8"/>
+    <p:sldId id="292" r:id="rId9"/>
+    <p:sldId id="263" r:id="rId10"/>
+    <p:sldId id="264" r:id="rId11"/>
+    <p:sldId id="271" r:id="rId12"/>
+    <p:sldId id="265" r:id="rId13"/>
+    <p:sldId id="266" r:id="rId14"/>
+    <p:sldId id="267" r:id="rId15"/>
+    <p:sldId id="268" r:id="rId16"/>
+    <p:sldId id="269" r:id="rId17"/>
+    <p:sldId id="270" r:id="rId18"/>
+    <p:sldId id="282" r:id="rId19"/>
+    <p:sldId id="290" r:id="rId20"/>
+    <p:sldId id="291" r:id="rId21"/>
+    <p:sldId id="288" r:id="rId22"/>
+    <p:sldId id="289" r:id="rId23"/>
+    <p:sldId id="272" r:id="rId24"/>
+    <p:sldId id="273" r:id="rId25"/>
+    <p:sldId id="275" r:id="rId26"/>
+    <p:sldId id="274" r:id="rId27"/>
+    <p:sldId id="276" r:id="rId28"/>
+    <p:sldId id="277" r:id="rId29"/>
+    <p:sldId id="278" r:id="rId30"/>
+    <p:sldId id="279" r:id="rId31"/>
+    <p:sldId id="280" r:id="rId32"/>
+    <p:sldId id="295" r:id="rId33"/>
+    <p:sldId id="284" r:id="rId34"/>
+    <p:sldId id="293" r:id="rId35"/>
+    <p:sldId id="294" r:id="rId36"/>
+    <p:sldId id="281" r:id="rId37"/>
   </p:sldIdLst>
   <p:sldSz cx="12192000" cy="6858000"/>
   <p:notesSz cx="6858000" cy="9144000"/>
@@ -130,7 +144,18 @@
   </p:defaultTextStyle>
   <p:extLst>
     <p:ext uri="{EFAFB233-063F-42B5-8137-9DF3F51BA10A}">
-      <p15:sldGuideLst xmlns:p15="http://schemas.microsoft.com/office/powerpoint/2012/main" xmlns=""/>
+      <p15:sldGuideLst xmlns:p15="http://schemas.microsoft.com/office/powerpoint/2012/main">
+        <p15:guide id="1" orient="horz" pos="2160">
+          <p15:clr>
+            <a:srgbClr val="A4A3A4"/>
+          </p15:clr>
+        </p15:guide>
+        <p15:guide id="2" pos="3840">
+          <p15:clr>
+            <a:srgbClr val="A4A3A4"/>
+          </p15:clr>
+        </p15:guide>
+      </p15:sldGuideLst>
     </p:ext>
   </p:extLst>
 </p:presentation>
@@ -223,7 +248,7 @@
             <a:fld id="{A0600D4A-39CD-4070-8AD9-24544E6B6716}" type="datetimeFigureOut">
               <a:rPr lang="id-ID" smtClean="0"/>
               <a:pPr/>
-              <a:t>03/12/2017</a:t>
+              <a:t>05/12/2017</a:t>
             </a:fld>
             <a:endParaRPr lang="id-ID"/>
           </a:p>
@@ -392,7 +417,7 @@
     </p:spTree>
     <p:extLst>
       <p:ext uri="{BB962C8B-B14F-4D97-AF65-F5344CB8AC3E}">
-        <p14:creationId xmlns:p14="http://schemas.microsoft.com/office/powerpoint/2010/main" xmlns="" val="2665296129"/>
+        <p14:creationId xmlns:p14="http://schemas.microsoft.com/office/powerpoint/2010/main" val="2665296129"/>
       </p:ext>
     </p:extLst>
   </p:cSld>
@@ -588,7 +613,7 @@
     </p:spTree>
     <p:extLst>
       <p:ext uri="{BB962C8B-B14F-4D97-AF65-F5344CB8AC3E}">
-        <p14:creationId xmlns:p14="http://schemas.microsoft.com/office/powerpoint/2010/main" xmlns="" val="2800410993"/>
+        <p14:creationId xmlns:p14="http://schemas.microsoft.com/office/powerpoint/2010/main" val="2800410993"/>
       </p:ext>
     </p:extLst>
   </p:cSld>
@@ -934,7 +959,7 @@
             <a:fld id="{765B6CD7-15A7-4938-81D8-2683FA3B424A}" type="datetimeFigureOut">
               <a:rPr lang="id-ID" smtClean="0"/>
               <a:pPr/>
-              <a:t>03/12/2017</a:t>
+              <a:t>05/12/2017</a:t>
             </a:fld>
             <a:endParaRPr lang="id-ID"/>
           </a:p>
@@ -1042,7 +1067,7 @@
     </p:spTree>
     <p:extLst>
       <p:ext uri="{BB962C8B-B14F-4D97-AF65-F5344CB8AC3E}">
-        <p14:creationId xmlns:p14="http://schemas.microsoft.com/office/powerpoint/2010/main" xmlns="" val="1719438926"/>
+        <p14:creationId xmlns:p14="http://schemas.microsoft.com/office/powerpoint/2010/main" val="1719438926"/>
       </p:ext>
     </p:extLst>
   </p:cSld>
@@ -2024,7 +2049,7 @@
             <a:fld id="{765B6CD7-15A7-4938-81D8-2683FA3B424A}" type="datetimeFigureOut">
               <a:rPr lang="id-ID" smtClean="0"/>
               <a:pPr/>
-              <a:t>03/12/2017</a:t>
+              <a:t>05/12/2017</a:t>
             </a:fld>
             <a:endParaRPr lang="id-ID"/>
           </a:p>
@@ -2112,7 +2137,7 @@
     </p:spTree>
     <p:extLst>
       <p:ext uri="{BB962C8B-B14F-4D97-AF65-F5344CB8AC3E}">
-        <p14:creationId xmlns:p14="http://schemas.microsoft.com/office/powerpoint/2010/main" xmlns="" val="1874469727"/>
+        <p14:creationId xmlns:p14="http://schemas.microsoft.com/office/powerpoint/2010/main" val="1874469727"/>
       </p:ext>
     </p:extLst>
   </p:cSld>
@@ -3006,7 +3031,7 @@
             <a:fld id="{765B6CD7-15A7-4938-81D8-2683FA3B424A}" type="datetimeFigureOut">
               <a:rPr lang="id-ID" smtClean="0"/>
               <a:pPr/>
-              <a:t>03/12/2017</a:t>
+              <a:t>05/12/2017</a:t>
             </a:fld>
             <a:endParaRPr lang="id-ID"/>
           </a:p>
@@ -3094,7 +3119,7 @@
     </p:spTree>
     <p:extLst>
       <p:ext uri="{BB962C8B-B14F-4D97-AF65-F5344CB8AC3E}">
-        <p14:creationId xmlns:p14="http://schemas.microsoft.com/office/powerpoint/2010/main" xmlns="" val="1507415886"/>
+        <p14:creationId xmlns:p14="http://schemas.microsoft.com/office/powerpoint/2010/main" val="1507415886"/>
       </p:ext>
     </p:extLst>
   </p:cSld>
@@ -4142,7 +4167,7 @@
             <a:fld id="{765B6CD7-15A7-4938-81D8-2683FA3B424A}" type="datetimeFigureOut">
               <a:rPr lang="id-ID" smtClean="0"/>
               <a:pPr/>
-              <a:t>03/12/2017</a:t>
+              <a:t>05/12/2017</a:t>
             </a:fld>
             <a:endParaRPr lang="id-ID"/>
           </a:p>
@@ -4230,7 +4255,7 @@
     </p:spTree>
     <p:extLst>
       <p:ext uri="{BB962C8B-B14F-4D97-AF65-F5344CB8AC3E}">
-        <p14:creationId xmlns:p14="http://schemas.microsoft.com/office/powerpoint/2010/main" xmlns="" val="397730803"/>
+        <p14:creationId xmlns:p14="http://schemas.microsoft.com/office/powerpoint/2010/main" val="397730803"/>
       </p:ext>
     </p:extLst>
   </p:cSld>
@@ -5177,7 +5202,7 @@
             <a:fld id="{765B6CD7-15A7-4938-81D8-2683FA3B424A}" type="datetimeFigureOut">
               <a:rPr lang="id-ID" smtClean="0"/>
               <a:pPr/>
-              <a:t>03/12/2017</a:t>
+              <a:t>05/12/2017</a:t>
             </a:fld>
             <a:endParaRPr lang="id-ID"/>
           </a:p>
@@ -5265,7 +5290,7 @@
     </p:spTree>
     <p:extLst>
       <p:ext uri="{BB962C8B-B14F-4D97-AF65-F5344CB8AC3E}">
-        <p14:creationId xmlns:p14="http://schemas.microsoft.com/office/powerpoint/2010/main" xmlns="" val="3640121866"/>
+        <p14:creationId xmlns:p14="http://schemas.microsoft.com/office/powerpoint/2010/main" val="3640121866"/>
       </p:ext>
     </p:extLst>
   </p:cSld>
@@ -5839,7 +5864,7 @@
             <a:fld id="{765B6CD7-15A7-4938-81D8-2683FA3B424A}" type="datetimeFigureOut">
               <a:rPr lang="id-ID" smtClean="0"/>
               <a:pPr/>
-              <a:t>03/12/2017</a:t>
+              <a:t>05/12/2017</a:t>
             </a:fld>
             <a:endParaRPr lang="id-ID"/>
           </a:p>
@@ -5891,7 +5916,7 @@
     </p:spTree>
     <p:extLst>
       <p:ext uri="{BB962C8B-B14F-4D97-AF65-F5344CB8AC3E}">
-        <p14:creationId xmlns:p14="http://schemas.microsoft.com/office/powerpoint/2010/main" xmlns="" val="2996634857"/>
+        <p14:creationId xmlns:p14="http://schemas.microsoft.com/office/powerpoint/2010/main" val="2996634857"/>
       </p:ext>
     </p:extLst>
   </p:cSld>
@@ -6702,7 +6727,7 @@
             <a:fld id="{765B6CD7-15A7-4938-81D8-2683FA3B424A}" type="datetimeFigureOut">
               <a:rPr lang="id-ID" smtClean="0"/>
               <a:pPr/>
-              <a:t>03/12/2017</a:t>
+              <a:t>05/12/2017</a:t>
             </a:fld>
             <a:endParaRPr lang="id-ID"/>
           </a:p>
@@ -6759,7 +6784,7 @@
     </p:spTree>
     <p:extLst>
       <p:ext uri="{BB962C8B-B14F-4D97-AF65-F5344CB8AC3E}">
-        <p14:creationId xmlns:p14="http://schemas.microsoft.com/office/powerpoint/2010/main" xmlns="" val="148717889"/>
+        <p14:creationId xmlns:p14="http://schemas.microsoft.com/office/powerpoint/2010/main" val="148717889"/>
       </p:ext>
     </p:extLst>
   </p:cSld>
@@ -6894,7 +6919,7 @@
             <a:fld id="{765B6CD7-15A7-4938-81D8-2683FA3B424A}" type="datetimeFigureOut">
               <a:rPr lang="id-ID" smtClean="0"/>
               <a:pPr/>
-              <a:t>03/12/2017</a:t>
+              <a:t>05/12/2017</a:t>
             </a:fld>
             <a:endParaRPr lang="id-ID"/>
           </a:p>
@@ -6946,7 +6971,7 @@
     </p:spTree>
     <p:extLst>
       <p:ext uri="{BB962C8B-B14F-4D97-AF65-F5344CB8AC3E}">
-        <p14:creationId xmlns:p14="http://schemas.microsoft.com/office/powerpoint/2010/main" xmlns="" val="4225911877"/>
+        <p14:creationId xmlns:p14="http://schemas.microsoft.com/office/powerpoint/2010/main" val="4225911877"/>
       </p:ext>
     </p:extLst>
   </p:cSld>
@@ -7868,7 +7893,7 @@
             <a:fld id="{765B6CD7-15A7-4938-81D8-2683FA3B424A}" type="datetimeFigureOut">
               <a:rPr lang="id-ID" smtClean="0"/>
               <a:pPr/>
-              <a:t>03/12/2017</a:t>
+              <a:t>05/12/2017</a:t>
             </a:fld>
             <a:endParaRPr lang="id-ID"/>
           </a:p>
@@ -7956,7 +7981,7 @@
     </p:spTree>
     <p:extLst>
       <p:ext uri="{BB962C8B-B14F-4D97-AF65-F5344CB8AC3E}">
-        <p14:creationId xmlns:p14="http://schemas.microsoft.com/office/powerpoint/2010/main" xmlns="" val="1813612706"/>
+        <p14:creationId xmlns:p14="http://schemas.microsoft.com/office/powerpoint/2010/main" val="1813612706"/>
       </p:ext>
     </p:extLst>
   </p:cSld>
@@ -8081,7 +8106,7 @@
             <a:fld id="{765B6CD7-15A7-4938-81D8-2683FA3B424A}" type="datetimeFigureOut">
               <a:rPr lang="id-ID" smtClean="0"/>
               <a:pPr/>
-              <a:t>03/12/2017</a:t>
+              <a:t>05/12/2017</a:t>
             </a:fld>
             <a:endParaRPr lang="id-ID"/>
           </a:p>
@@ -8133,7 +8158,7 @@
     </p:spTree>
     <p:extLst>
       <p:ext uri="{BB962C8B-B14F-4D97-AF65-F5344CB8AC3E}">
-        <p14:creationId xmlns:p14="http://schemas.microsoft.com/office/powerpoint/2010/main" xmlns="" val="1622396993"/>
+        <p14:creationId xmlns:p14="http://schemas.microsoft.com/office/powerpoint/2010/main" val="1622396993"/>
       </p:ext>
     </p:extLst>
   </p:cSld>
@@ -9117,7 +9142,7 @@
             <a:fld id="{765B6CD7-15A7-4938-81D8-2683FA3B424A}" type="datetimeFigureOut">
               <a:rPr lang="id-ID" smtClean="0"/>
               <a:pPr/>
-              <a:t>03/12/2017</a:t>
+              <a:t>05/12/2017</a:t>
             </a:fld>
             <a:endParaRPr lang="id-ID"/>
           </a:p>
@@ -9205,7 +9230,7 @@
     </p:spTree>
     <p:extLst>
       <p:ext uri="{BB962C8B-B14F-4D97-AF65-F5344CB8AC3E}">
-        <p14:creationId xmlns:p14="http://schemas.microsoft.com/office/powerpoint/2010/main" xmlns="" val="2931860368"/>
+        <p14:creationId xmlns:p14="http://schemas.microsoft.com/office/powerpoint/2010/main" val="2931860368"/>
       </p:ext>
     </p:extLst>
   </p:cSld>
@@ -9391,7 +9416,7 @@
             <a:fld id="{765B6CD7-15A7-4938-81D8-2683FA3B424A}" type="datetimeFigureOut">
               <a:rPr lang="id-ID" smtClean="0"/>
               <a:pPr/>
-              <a:t>03/12/2017</a:t>
+              <a:t>05/12/2017</a:t>
             </a:fld>
             <a:endParaRPr lang="id-ID"/>
           </a:p>
@@ -9443,7 +9468,7 @@
     </p:spTree>
     <p:extLst>
       <p:ext uri="{BB962C8B-B14F-4D97-AF65-F5344CB8AC3E}">
-        <p14:creationId xmlns:p14="http://schemas.microsoft.com/office/powerpoint/2010/main" xmlns="" val="2744474872"/>
+        <p14:creationId xmlns:p14="http://schemas.microsoft.com/office/powerpoint/2010/main" val="2744474872"/>
       </p:ext>
     </p:extLst>
   </p:cSld>
@@ -9803,7 +9828,7 @@
             <a:fld id="{765B6CD7-15A7-4938-81D8-2683FA3B424A}" type="datetimeFigureOut">
               <a:rPr lang="id-ID" smtClean="0"/>
               <a:pPr/>
-              <a:t>03/12/2017</a:t>
+              <a:t>05/12/2017</a:t>
             </a:fld>
             <a:endParaRPr lang="id-ID"/>
           </a:p>
@@ -9855,7 +9880,7 @@
     </p:spTree>
     <p:extLst>
       <p:ext uri="{BB962C8B-B14F-4D97-AF65-F5344CB8AC3E}">
-        <p14:creationId xmlns:p14="http://schemas.microsoft.com/office/powerpoint/2010/main" xmlns="" val="3906866528"/>
+        <p14:creationId xmlns:p14="http://schemas.microsoft.com/office/powerpoint/2010/main" val="3906866528"/>
       </p:ext>
     </p:extLst>
   </p:cSld>
@@ -9932,7 +9957,7 @@
             <a:fld id="{765B6CD7-15A7-4938-81D8-2683FA3B424A}" type="datetimeFigureOut">
               <a:rPr lang="id-ID" smtClean="0"/>
               <a:pPr/>
-              <a:t>03/12/2017</a:t>
+              <a:t>05/12/2017</a:t>
             </a:fld>
             <a:endParaRPr lang="id-ID"/>
           </a:p>
@@ -9984,7 +10009,7 @@
     </p:spTree>
     <p:extLst>
       <p:ext uri="{BB962C8B-B14F-4D97-AF65-F5344CB8AC3E}">
-        <p14:creationId xmlns:p14="http://schemas.microsoft.com/office/powerpoint/2010/main" xmlns="" val="77872092"/>
+        <p14:creationId xmlns:p14="http://schemas.microsoft.com/office/powerpoint/2010/main" val="77872092"/>
       </p:ext>
     </p:extLst>
   </p:cSld>
@@ -10029,7 +10054,7 @@
             <a:fld id="{765B6CD7-15A7-4938-81D8-2683FA3B424A}" type="datetimeFigureOut">
               <a:rPr lang="id-ID" smtClean="0"/>
               <a:pPr/>
-              <a:t>03/12/2017</a:t>
+              <a:t>05/12/2017</a:t>
             </a:fld>
             <a:endParaRPr lang="id-ID"/>
           </a:p>
@@ -10117,7 +10142,7 @@
     </p:spTree>
     <p:extLst>
       <p:ext uri="{BB962C8B-B14F-4D97-AF65-F5344CB8AC3E}">
-        <p14:creationId xmlns:p14="http://schemas.microsoft.com/office/powerpoint/2010/main" xmlns="" val="2835621604"/>
+        <p14:creationId xmlns:p14="http://schemas.microsoft.com/office/powerpoint/2010/main" val="2835621604"/>
       </p:ext>
     </p:extLst>
   </p:cSld>
@@ -11112,7 +11137,7 @@
             <a:fld id="{765B6CD7-15A7-4938-81D8-2683FA3B424A}" type="datetimeFigureOut">
               <a:rPr lang="id-ID" smtClean="0"/>
               <a:pPr/>
-              <a:t>03/12/2017</a:t>
+              <a:t>05/12/2017</a:t>
             </a:fld>
             <a:endParaRPr lang="id-ID"/>
           </a:p>
@@ -11200,7 +11225,7 @@
     </p:spTree>
     <p:extLst>
       <p:ext uri="{BB962C8B-B14F-4D97-AF65-F5344CB8AC3E}">
-        <p14:creationId xmlns:p14="http://schemas.microsoft.com/office/powerpoint/2010/main" xmlns="" val="3441432844"/>
+        <p14:creationId xmlns:p14="http://schemas.microsoft.com/office/powerpoint/2010/main" val="3441432844"/>
       </p:ext>
     </p:extLst>
   </p:cSld>
@@ -12222,7 +12247,7 @@
             <a:fld id="{765B6CD7-15A7-4938-81D8-2683FA3B424A}" type="datetimeFigureOut">
               <a:rPr lang="id-ID" smtClean="0"/>
               <a:pPr/>
-              <a:t>03/12/2017</a:t>
+              <a:t>05/12/2017</a:t>
             </a:fld>
             <a:endParaRPr lang="id-ID"/>
           </a:p>
@@ -12310,7 +12335,7 @@
     </p:spTree>
     <p:extLst>
       <p:ext uri="{BB962C8B-B14F-4D97-AF65-F5344CB8AC3E}">
-        <p14:creationId xmlns:p14="http://schemas.microsoft.com/office/powerpoint/2010/main" xmlns="" val="3949166448"/>
+        <p14:creationId xmlns:p14="http://schemas.microsoft.com/office/powerpoint/2010/main" val="3949166448"/>
       </p:ext>
     </p:extLst>
   </p:cSld>
@@ -13221,7 +13246,7 @@
             <a:fld id="{765B6CD7-15A7-4938-81D8-2683FA3B424A}" type="datetimeFigureOut">
               <a:rPr lang="id-ID" smtClean="0"/>
               <a:pPr/>
-              <a:t>03/12/2017</a:t>
+              <a:t>05/12/2017</a:t>
             </a:fld>
             <a:endParaRPr lang="id-ID"/>
           </a:p>
@@ -13341,7 +13366,7 @@
     </p:spTree>
     <p:extLst>
       <p:ext uri="{BB962C8B-B14F-4D97-AF65-F5344CB8AC3E}">
-        <p14:creationId xmlns:p14="http://schemas.microsoft.com/office/powerpoint/2010/main" xmlns="" val="863703235"/>
+        <p14:creationId xmlns:p14="http://schemas.microsoft.com/office/powerpoint/2010/main" val="863703235"/>
       </p:ext>
     </p:extLst>
   </p:cSld>
@@ -13978,18 +14003,6 @@
               </a:rPr>
               <a:t>William Citralin - 00000014292</a:t>
             </a:r>
-            <a:r>
-              <a:rPr lang="id-ID" sz="2800" dirty="0">
-                <a:solidFill>
-                  <a:srgbClr val="986E06"/>
-                </a:solidFill>
-                <a:latin typeface="Times New Roman"/>
-                <a:ea typeface="Times New Roman"/>
-                <a:cs typeface="Times New Roman"/>
-                <a:sym typeface="Times New Roman"/>
-              </a:rPr>
-              <a:t/>
-            </a:r>
             <a:br>
               <a:rPr lang="id-ID" sz="2800" dirty="0">
                 <a:solidFill>
@@ -14016,7 +14029,7 @@
     </p:spTree>
     <p:extLst>
       <p:ext uri="{BB962C8B-B14F-4D97-AF65-F5344CB8AC3E}">
-        <p14:creationId xmlns:p14="http://schemas.microsoft.com/office/powerpoint/2010/main" xmlns="" val="564739299"/>
+        <p14:creationId xmlns:p14="http://schemas.microsoft.com/office/powerpoint/2010/main" val="564739299"/>
       </p:ext>
     </p:extLst>
   </p:cSld>
@@ -14051,7 +14064,7 @@
           <p:cNvPr id="2" name="Title 1">
             <a:extLst>
               <a:ext uri="{FF2B5EF4-FFF2-40B4-BE49-F238E27FC236}">
-                <a16:creationId xmlns:a16="http://schemas.microsoft.com/office/drawing/2014/main" xmlns="" id="{105D57AE-2BDD-4FDC-B83A-81A230EB8EB8}"/>
+                <a16:creationId xmlns:a16="http://schemas.microsoft.com/office/drawing/2014/main" id="{A692CE3A-FCA7-431D-959A-A70E2213C0DD}"/>
               </a:ext>
             </a:extLst>
           </p:cNvPr>
@@ -14069,6 +14082,1125 @@
           <a:p>
             <a:r>
               <a:rPr lang="en-US" dirty="0"/>
+              <a:t>Layout</a:t>
+            </a:r>
+          </a:p>
+        </p:txBody>
+      </p:sp>
+      <p:sp>
+        <p:nvSpPr>
+          <p:cNvPr id="3" name="Content Placeholder 2">
+            <a:extLst>
+              <a:ext uri="{FF2B5EF4-FFF2-40B4-BE49-F238E27FC236}">
+                <a16:creationId xmlns:a16="http://schemas.microsoft.com/office/drawing/2014/main" id="{AFC0B55B-9DFF-486A-8E0F-13933D89C651}"/>
+              </a:ext>
+            </a:extLst>
+          </p:cNvPr>
+          <p:cNvSpPr>
+            <a:spLocks noGrp="1"/>
+          </p:cNvSpPr>
+          <p:nvPr>
+            <p:ph idx="1"/>
+          </p:nvPr>
+        </p:nvSpPr>
+        <p:spPr>
+          <a:xfrm>
+            <a:off x="4409430" y="2318365"/>
+            <a:ext cx="6042259" cy="3416300"/>
+          </a:xfrm>
+        </p:spPr>
+        <p:txBody>
+          <a:bodyPr>
+            <a:normAutofit lnSpcReduction="10000"/>
+          </a:bodyPr>
+          <a:lstStyle/>
+          <a:p>
+            <a:pPr marL="0" indent="0">
+              <a:buNone/>
+            </a:pPr>
+            <a:r>
+              <a:rPr lang="id-ID" dirty="0"/>
+              <a:t>In general, the layout for main activity Budgeting is given below:</a:t>
+            </a:r>
+            <a:endParaRPr lang="en-US" dirty="0"/>
+          </a:p>
+          <a:p>
+            <a:pPr marL="0" indent="0">
+              <a:buNone/>
+            </a:pPr>
+            <a:r>
+              <a:rPr lang="id-ID" dirty="0"/>
+              <a:t>-Navigation drawer: when clicked, it will show Today’s Transaction</a:t>
+            </a:r>
+            <a:r>
+              <a:rPr lang="en-US" dirty="0"/>
+              <a:t>, </a:t>
+            </a:r>
+            <a:r>
+              <a:rPr lang="id-ID" dirty="0"/>
+              <a:t>Transaction Report</a:t>
+            </a:r>
+            <a:r>
+              <a:rPr lang="en-US" dirty="0"/>
+              <a:t>, </a:t>
+            </a:r>
+            <a:r>
+              <a:rPr lang="id-ID" dirty="0"/>
+              <a:t>Transaction History</a:t>
+            </a:r>
+            <a:r>
+              <a:rPr lang="en-US" dirty="0"/>
+              <a:t>.</a:t>
+            </a:r>
+          </a:p>
+          <a:p>
+            <a:pPr marL="0" indent="0">
+              <a:buNone/>
+            </a:pPr>
+            <a:r>
+              <a:rPr lang="id-ID" dirty="0"/>
+              <a:t>-Top Bar: shows the title of apps, contains navigation drawer and options menu.</a:t>
+            </a:r>
+            <a:endParaRPr lang="en-US" dirty="0"/>
+          </a:p>
+          <a:p>
+            <a:pPr marL="0" indent="0">
+              <a:buNone/>
+            </a:pPr>
+            <a:r>
+              <a:rPr lang="id-ID" dirty="0"/>
+              <a:t>-Options menu: when clicked, options will pop out help file,settings.</a:t>
+            </a:r>
+            <a:endParaRPr lang="en-US" dirty="0"/>
+          </a:p>
+          <a:p>
+            <a:pPr marL="0" indent="0">
+              <a:buNone/>
+            </a:pPr>
+            <a:r>
+              <a:rPr lang="id-ID" dirty="0"/>
+              <a:t>-Main Content: all the content for apps will be shown here.</a:t>
+            </a:r>
+            <a:endParaRPr lang="en-US" dirty="0"/>
+          </a:p>
+          <a:p>
+            <a:endParaRPr lang="en-US" dirty="0"/>
+          </a:p>
+        </p:txBody>
+      </p:sp>
+      <p:pic>
+        <p:nvPicPr>
+          <p:cNvPr id="5" name="Picture 4">
+            <a:extLst>
+              <a:ext uri="{FF2B5EF4-FFF2-40B4-BE49-F238E27FC236}">
+                <a16:creationId xmlns:a16="http://schemas.microsoft.com/office/drawing/2014/main" id="{9FEB0B07-6E48-46D4-9932-74919CA5F8B0}"/>
+              </a:ext>
+            </a:extLst>
+          </p:cNvPr>
+          <p:cNvPicPr>
+            <a:picLocks noChangeAspect="1"/>
+          </p:cNvPicPr>
+          <p:nvPr/>
+        </p:nvPicPr>
+        <p:blipFill>
+          <a:blip r:embed="rId2" cstate="print">
+            <a:extLst>
+              <a:ext uri="{28A0092B-C50C-407E-A947-70E740481C1C}">
+                <a14:useLocalDpi xmlns:a14="http://schemas.microsoft.com/office/drawing/2010/main" val="0"/>
+              </a:ext>
+            </a:extLst>
+          </a:blip>
+          <a:stretch>
+            <a:fillRect/>
+          </a:stretch>
+        </p:blipFill>
+        <p:spPr>
+          <a:xfrm>
+            <a:off x="770632" y="2440975"/>
+            <a:ext cx="2881509" cy="4254500"/>
+          </a:xfrm>
+          <a:prstGeom prst="rect">
+            <a:avLst/>
+          </a:prstGeom>
+        </p:spPr>
+      </p:pic>
+      <p:sp>
+        <p:nvSpPr>
+          <p:cNvPr id="6" name="Rectangle 5">
+            <a:extLst>
+              <a:ext uri="{FF2B5EF4-FFF2-40B4-BE49-F238E27FC236}">
+                <a16:creationId xmlns:a16="http://schemas.microsoft.com/office/drawing/2014/main" id="{610AA42D-D1C5-4CFE-91BC-553CF741DD1C}"/>
+              </a:ext>
+            </a:extLst>
+          </p:cNvPr>
+          <p:cNvSpPr/>
+          <p:nvPr/>
+        </p:nvSpPr>
+        <p:spPr>
+          <a:xfrm>
+            <a:off x="4267200" y="5934670"/>
+            <a:ext cx="7620000" cy="923330"/>
+          </a:xfrm>
+          <a:prstGeom prst="rect">
+            <a:avLst/>
+          </a:prstGeom>
+        </p:spPr>
+        <p:txBody>
+          <a:bodyPr wrap="square">
+            <a:spAutoFit/>
+          </a:bodyPr>
+          <a:lstStyle/>
+          <a:p>
+            <a:r>
+              <a:rPr lang="en-US" dirty="0"/>
+              <a:t>References : </a:t>
+            </a:r>
+          </a:p>
+          <a:p>
+            <a:r>
+              <a:rPr lang="id-ID" dirty="0">
+                <a:hlinkClick r:id="rId3" action="ppaction://hlinksldjump"/>
+              </a:rPr>
+              <a:t>[5]</a:t>
+            </a:r>
+            <a:endParaRPr lang="id-ID" dirty="0"/>
+          </a:p>
+          <a:p>
+            <a:r>
+              <a:rPr lang="id-ID" dirty="0">
+                <a:hlinkClick r:id="rId3" action="ppaction://hlinksldjump"/>
+              </a:rPr>
+              <a:t>[6]</a:t>
+            </a:r>
+            <a:endParaRPr lang="en-US" dirty="0"/>
+          </a:p>
+        </p:txBody>
+      </p:sp>
+      <p:sp>
+        <p:nvSpPr>
+          <p:cNvPr id="7" name="TextBox 6">
+            <a:extLst>
+              <a:ext uri="{FF2B5EF4-FFF2-40B4-BE49-F238E27FC236}">
+                <a16:creationId xmlns:a16="http://schemas.microsoft.com/office/drawing/2014/main" id="{F7FD2DA7-C3A3-48B7-91DF-C11BE4BA90AB}"/>
+              </a:ext>
+            </a:extLst>
+          </p:cNvPr>
+          <p:cNvSpPr txBox="1"/>
+          <p:nvPr/>
+        </p:nvSpPr>
+        <p:spPr>
+          <a:xfrm>
+            <a:off x="11343861" y="6347791"/>
+            <a:ext cx="312906" cy="369332"/>
+          </a:xfrm>
+          <a:prstGeom prst="rect">
+            <a:avLst/>
+          </a:prstGeom>
+          <a:noFill/>
+        </p:spPr>
+        <p:txBody>
+          <a:bodyPr wrap="none" rtlCol="0">
+            <a:spAutoFit/>
+          </a:bodyPr>
+          <a:lstStyle/>
+          <a:p>
+            <a:r>
+              <a:rPr lang="id-ID" dirty="0"/>
+              <a:t>8</a:t>
+            </a:r>
+          </a:p>
+        </p:txBody>
+      </p:sp>
+    </p:spTree>
+    <p:extLst>
+      <p:ext uri="{BB962C8B-B14F-4D97-AF65-F5344CB8AC3E}">
+        <p14:creationId xmlns:p14="http://schemas.microsoft.com/office/powerpoint/2010/main" val="4256530823"/>
+      </p:ext>
+    </p:extLst>
+  </p:cSld>
+  <p:clrMapOvr>
+    <a:masterClrMapping/>
+  </p:clrMapOvr>
+</p:sld>
+</file>
+
+<file path=ppt/slides/slide11.xml><?xml version="1.0" encoding="utf-8"?>
+<p:sld xmlns:a="http://schemas.openxmlformats.org/drawingml/2006/main" xmlns:r="http://schemas.openxmlformats.org/officeDocument/2006/relationships" xmlns:p="http://schemas.openxmlformats.org/presentationml/2006/main">
+  <p:cSld>
+    <p:spTree>
+      <p:nvGrpSpPr>
+        <p:cNvPr id="1" name=""/>
+        <p:cNvGrpSpPr/>
+        <p:nvPr/>
+      </p:nvGrpSpPr>
+      <p:grpSpPr>
+        <a:xfrm>
+          <a:off x="0" y="0"/>
+          <a:ext cx="0" cy="0"/>
+          <a:chOff x="0" y="0"/>
+          <a:chExt cx="0" cy="0"/>
+        </a:xfrm>
+      </p:grpSpPr>
+      <p:sp>
+        <p:nvSpPr>
+          <p:cNvPr id="2" name="Title 1">
+            <a:extLst>
+              <a:ext uri="{FF2B5EF4-FFF2-40B4-BE49-F238E27FC236}">
+                <a16:creationId xmlns:a16="http://schemas.microsoft.com/office/drawing/2014/main" id="{D2764F75-7722-45CB-AC0F-CD80E860DB2E}"/>
+              </a:ext>
+            </a:extLst>
+          </p:cNvPr>
+          <p:cNvSpPr>
+            <a:spLocks noGrp="1"/>
+          </p:cNvSpPr>
+          <p:nvPr>
+            <p:ph type="title"/>
+          </p:nvPr>
+        </p:nvSpPr>
+        <p:spPr/>
+        <p:txBody>
+          <a:bodyPr/>
+          <a:lstStyle/>
+          <a:p>
+            <a:r>
+              <a:rPr lang="en-US" dirty="0"/>
+              <a:t>Colors and Fonts</a:t>
+            </a:r>
+          </a:p>
+        </p:txBody>
+      </p:sp>
+      <p:pic>
+        <p:nvPicPr>
+          <p:cNvPr id="4" name="Picture 3">
+            <a:extLst>
+              <a:ext uri="{FF2B5EF4-FFF2-40B4-BE49-F238E27FC236}">
+                <a16:creationId xmlns:a16="http://schemas.microsoft.com/office/drawing/2014/main" id="{D7233DF0-B43C-4B19-B9E1-70EA236E1257}"/>
+              </a:ext>
+            </a:extLst>
+          </p:cNvPr>
+          <p:cNvPicPr>
+            <a:picLocks noChangeAspect="1"/>
+          </p:cNvPicPr>
+          <p:nvPr/>
+        </p:nvPicPr>
+        <p:blipFill>
+          <a:blip r:embed="rId2" cstate="print"/>
+          <a:stretch>
+            <a:fillRect/>
+          </a:stretch>
+        </p:blipFill>
+        <p:spPr>
+          <a:xfrm>
+            <a:off x="489023" y="1932005"/>
+            <a:ext cx="3206774" cy="4925995"/>
+          </a:xfrm>
+          <a:prstGeom prst="rect">
+            <a:avLst/>
+          </a:prstGeom>
+        </p:spPr>
+      </p:pic>
+      <p:pic>
+        <p:nvPicPr>
+          <p:cNvPr id="5" name="Picture 4">
+            <a:extLst>
+              <a:ext uri="{FF2B5EF4-FFF2-40B4-BE49-F238E27FC236}">
+                <a16:creationId xmlns:a16="http://schemas.microsoft.com/office/drawing/2014/main" id="{8D4A626F-55D3-40CB-AAB0-5EF63909AC30}"/>
+              </a:ext>
+            </a:extLst>
+          </p:cNvPr>
+          <p:cNvPicPr>
+            <a:picLocks noChangeAspect="1"/>
+          </p:cNvPicPr>
+          <p:nvPr/>
+        </p:nvPicPr>
+        <p:blipFill>
+          <a:blip r:embed="rId3" cstate="print"/>
+          <a:stretch>
+            <a:fillRect/>
+          </a:stretch>
+        </p:blipFill>
+        <p:spPr>
+          <a:xfrm>
+            <a:off x="4276969" y="1932005"/>
+            <a:ext cx="5083749" cy="3577093"/>
+          </a:xfrm>
+          <a:prstGeom prst="rect">
+            <a:avLst/>
+          </a:prstGeom>
+        </p:spPr>
+      </p:pic>
+      <p:sp>
+        <p:nvSpPr>
+          <p:cNvPr id="6" name="Rectangle 5">
+            <a:extLst>
+              <a:ext uri="{FF2B5EF4-FFF2-40B4-BE49-F238E27FC236}">
+                <a16:creationId xmlns:a16="http://schemas.microsoft.com/office/drawing/2014/main" id="{55EC7A87-9FAA-4D5E-BF21-E3A3A73637CC}"/>
+              </a:ext>
+            </a:extLst>
+          </p:cNvPr>
+          <p:cNvSpPr/>
+          <p:nvPr/>
+        </p:nvSpPr>
+        <p:spPr>
+          <a:xfrm>
+            <a:off x="3695797" y="5509098"/>
+            <a:ext cx="9144000" cy="1338828"/>
+          </a:xfrm>
+          <a:prstGeom prst="rect">
+            <a:avLst/>
+          </a:prstGeom>
+        </p:spPr>
+        <p:txBody>
+          <a:bodyPr wrap="square">
+            <a:spAutoFit/>
+          </a:bodyPr>
+          <a:lstStyle/>
+          <a:p>
+            <a:pPr algn="just">
+              <a:lnSpc>
+                <a:spcPct val="150000"/>
+              </a:lnSpc>
+            </a:pPr>
+            <a:r>
+              <a:rPr lang="en-US" u="sng" dirty="0">
+                <a:solidFill>
+                  <a:srgbClr val="0000FF"/>
+                </a:solidFill>
+                <a:latin typeface="Times New Roman" panose="02020603050405020304" pitchFamily="18" charset="0"/>
+                <a:ea typeface="Times New Roman" panose="02020603050405020304" pitchFamily="18" charset="0"/>
+                <a:cs typeface="Times New Roman" panose="02020603050405020304" pitchFamily="18" charset="0"/>
+                <a:hlinkClick r:id="rId4"/>
+              </a:rPr>
+              <a:t>References :</a:t>
+            </a:r>
+          </a:p>
+          <a:p>
+            <a:pPr algn="just">
+              <a:lnSpc>
+                <a:spcPct val="150000"/>
+              </a:lnSpc>
+            </a:pPr>
+            <a:r>
+              <a:rPr lang="id-ID" dirty="0">
+                <a:latin typeface="Times New Roman" panose="02020603050405020304" pitchFamily="18" charset="0"/>
+                <a:ea typeface="Times New Roman" panose="02020603050405020304" pitchFamily="18" charset="0"/>
+                <a:cs typeface="Times New Roman" panose="02020603050405020304" pitchFamily="18" charset="0"/>
+                <a:hlinkClick r:id="rId5" action="ppaction://hlinksldjump"/>
+              </a:rPr>
+              <a:t>[2]</a:t>
+            </a:r>
+            <a:endParaRPr lang="id-ID" dirty="0">
+              <a:latin typeface="Times New Roman" panose="02020603050405020304" pitchFamily="18" charset="0"/>
+              <a:ea typeface="Times New Roman" panose="02020603050405020304" pitchFamily="18" charset="0"/>
+              <a:cs typeface="Times New Roman" panose="02020603050405020304" pitchFamily="18" charset="0"/>
+            </a:endParaRPr>
+          </a:p>
+          <a:p>
+            <a:pPr algn="just">
+              <a:lnSpc>
+                <a:spcPct val="150000"/>
+              </a:lnSpc>
+            </a:pPr>
+            <a:r>
+              <a:rPr lang="id-ID" dirty="0">
+                <a:latin typeface="Times New Roman" panose="02020603050405020304" pitchFamily="18" charset="0"/>
+                <a:ea typeface="Times New Roman" panose="02020603050405020304" pitchFamily="18" charset="0"/>
+                <a:cs typeface="Times New Roman" panose="02020603050405020304" pitchFamily="18" charset="0"/>
+                <a:hlinkClick r:id="rId5" action="ppaction://hlinksldjump"/>
+              </a:rPr>
+              <a:t>[3]</a:t>
+            </a:r>
+            <a:endParaRPr lang="en-US" dirty="0">
+              <a:latin typeface="Verdana" panose="020B0604030504040204" pitchFamily="34" charset="0"/>
+              <a:ea typeface="Times New Roman" panose="02020603050405020304" pitchFamily="18" charset="0"/>
+              <a:cs typeface="Times New Roman" panose="02020603050405020304" pitchFamily="18" charset="0"/>
+            </a:endParaRPr>
+          </a:p>
+        </p:txBody>
+      </p:sp>
+      <p:sp>
+        <p:nvSpPr>
+          <p:cNvPr id="7" name="TextBox 6">
+            <a:extLst>
+              <a:ext uri="{FF2B5EF4-FFF2-40B4-BE49-F238E27FC236}">
+                <a16:creationId xmlns:a16="http://schemas.microsoft.com/office/drawing/2014/main" id="{55CCA958-F6DE-4AE2-8C69-3CD9EFE46C80}"/>
+              </a:ext>
+            </a:extLst>
+          </p:cNvPr>
+          <p:cNvSpPr txBox="1"/>
+          <p:nvPr/>
+        </p:nvSpPr>
+        <p:spPr>
+          <a:xfrm>
+            <a:off x="11343861" y="6347791"/>
+            <a:ext cx="312906" cy="369332"/>
+          </a:xfrm>
+          <a:prstGeom prst="rect">
+            <a:avLst/>
+          </a:prstGeom>
+          <a:noFill/>
+        </p:spPr>
+        <p:txBody>
+          <a:bodyPr wrap="none" rtlCol="0">
+            <a:spAutoFit/>
+          </a:bodyPr>
+          <a:lstStyle/>
+          <a:p>
+            <a:r>
+              <a:rPr lang="id-ID" dirty="0"/>
+              <a:t>9</a:t>
+            </a:r>
+          </a:p>
+        </p:txBody>
+      </p:sp>
+    </p:spTree>
+    <p:extLst>
+      <p:ext uri="{BB962C8B-B14F-4D97-AF65-F5344CB8AC3E}">
+        <p14:creationId xmlns:p14="http://schemas.microsoft.com/office/powerpoint/2010/main" val="2428467678"/>
+      </p:ext>
+    </p:extLst>
+  </p:cSld>
+  <p:clrMapOvr>
+    <a:masterClrMapping/>
+  </p:clrMapOvr>
+</p:sld>
+</file>
+
+<file path=ppt/slides/slide12.xml><?xml version="1.0" encoding="utf-8"?>
+<p:sld xmlns:a="http://schemas.openxmlformats.org/drawingml/2006/main" xmlns:r="http://schemas.openxmlformats.org/officeDocument/2006/relationships" xmlns:p="http://schemas.openxmlformats.org/presentationml/2006/main">
+  <p:cSld>
+    <p:spTree>
+      <p:nvGrpSpPr>
+        <p:cNvPr id="1" name=""/>
+        <p:cNvGrpSpPr/>
+        <p:nvPr/>
+      </p:nvGrpSpPr>
+      <p:grpSpPr>
+        <a:xfrm>
+          <a:off x="0" y="0"/>
+          <a:ext cx="0" cy="0"/>
+          <a:chOff x="0" y="0"/>
+          <a:chExt cx="0" cy="0"/>
+        </a:xfrm>
+      </p:grpSpPr>
+      <p:pic>
+        <p:nvPicPr>
+          <p:cNvPr id="4" name="Picture 3">
+            <a:extLst>
+              <a:ext uri="{FF2B5EF4-FFF2-40B4-BE49-F238E27FC236}">
+                <a16:creationId xmlns:a16="http://schemas.microsoft.com/office/drawing/2014/main" id="{6A669A25-B100-4647-85EA-2BFC41280CF7}"/>
+              </a:ext>
+            </a:extLst>
+          </p:cNvPr>
+          <p:cNvPicPr>
+            <a:picLocks noChangeAspect="1"/>
+          </p:cNvPicPr>
+          <p:nvPr/>
+        </p:nvPicPr>
+        <p:blipFill>
+          <a:blip r:embed="rId2" cstate="print"/>
+          <a:stretch>
+            <a:fillRect/>
+          </a:stretch>
+        </p:blipFill>
+        <p:spPr>
+          <a:xfrm>
+            <a:off x="3492794" y="2471351"/>
+            <a:ext cx="4143682" cy="4386649"/>
+          </a:xfrm>
+          <a:prstGeom prst="rect">
+            <a:avLst/>
+          </a:prstGeom>
+        </p:spPr>
+      </p:pic>
+      <p:sp>
+        <p:nvSpPr>
+          <p:cNvPr id="5" name="TextBox 4">
+            <a:extLst>
+              <a:ext uri="{FF2B5EF4-FFF2-40B4-BE49-F238E27FC236}">
+                <a16:creationId xmlns:a16="http://schemas.microsoft.com/office/drawing/2014/main" id="{8E7F5B92-DCBE-4878-882F-BD1E5976ACDB}"/>
+              </a:ext>
+            </a:extLst>
+          </p:cNvPr>
+          <p:cNvSpPr txBox="1"/>
+          <p:nvPr/>
+        </p:nvSpPr>
+        <p:spPr>
+          <a:xfrm>
+            <a:off x="954260" y="951603"/>
+            <a:ext cx="1221809" cy="584775"/>
+          </a:xfrm>
+          <a:prstGeom prst="rect">
+            <a:avLst/>
+          </a:prstGeom>
+          <a:noFill/>
+        </p:spPr>
+        <p:txBody>
+          <a:bodyPr wrap="none" rtlCol="0">
+            <a:spAutoFit/>
+          </a:bodyPr>
+          <a:lstStyle/>
+          <a:p>
+            <a:r>
+              <a:rPr lang="en-US" sz="3200" dirty="0">
+                <a:solidFill>
+                  <a:schemeClr val="bg1"/>
+                </a:solidFill>
+              </a:rPr>
+              <a:t>Icons</a:t>
+            </a:r>
+          </a:p>
+        </p:txBody>
+      </p:sp>
+      <p:sp>
+        <p:nvSpPr>
+          <p:cNvPr id="6" name="TextBox 5">
+            <a:extLst>
+              <a:ext uri="{FF2B5EF4-FFF2-40B4-BE49-F238E27FC236}">
+                <a16:creationId xmlns:a16="http://schemas.microsoft.com/office/drawing/2014/main" id="{FEBC6BC3-758A-45EF-AF97-899835C632D2}"/>
+              </a:ext>
+            </a:extLst>
+          </p:cNvPr>
+          <p:cNvSpPr txBox="1"/>
+          <p:nvPr/>
+        </p:nvSpPr>
+        <p:spPr>
+          <a:xfrm>
+            <a:off x="11343861" y="6347791"/>
+            <a:ext cx="441146" cy="369332"/>
+          </a:xfrm>
+          <a:prstGeom prst="rect">
+            <a:avLst/>
+          </a:prstGeom>
+          <a:noFill/>
+        </p:spPr>
+        <p:txBody>
+          <a:bodyPr wrap="none" rtlCol="0">
+            <a:spAutoFit/>
+          </a:bodyPr>
+          <a:lstStyle/>
+          <a:p>
+            <a:r>
+              <a:rPr lang="id-ID" dirty="0"/>
+              <a:t>10</a:t>
+            </a:r>
+          </a:p>
+        </p:txBody>
+      </p:sp>
+      <p:sp>
+        <p:nvSpPr>
+          <p:cNvPr id="2" name="TextBox 1">
+            <a:extLst>
+              <a:ext uri="{FF2B5EF4-FFF2-40B4-BE49-F238E27FC236}">
+                <a16:creationId xmlns:a16="http://schemas.microsoft.com/office/drawing/2014/main" id="{0C9C40DC-4A36-4733-8363-B16344EA8977}"/>
+              </a:ext>
+            </a:extLst>
+          </p:cNvPr>
+          <p:cNvSpPr txBox="1"/>
+          <p:nvPr/>
+        </p:nvSpPr>
+        <p:spPr>
+          <a:xfrm>
+            <a:off x="2451652" y="2471351"/>
+            <a:ext cx="609600" cy="369332"/>
+          </a:xfrm>
+          <a:prstGeom prst="rect">
+            <a:avLst/>
+          </a:prstGeom>
+          <a:noFill/>
+        </p:spPr>
+        <p:txBody>
+          <a:bodyPr wrap="square" rtlCol="0">
+            <a:spAutoFit/>
+          </a:bodyPr>
+          <a:lstStyle/>
+          <a:p>
+            <a:r>
+              <a:rPr lang="id-ID" dirty="0">
+                <a:hlinkClick r:id="rId3" action="ppaction://hlinksldjump"/>
+              </a:rPr>
+              <a:t>[4]</a:t>
+            </a:r>
+            <a:endParaRPr lang="id-ID" dirty="0"/>
+          </a:p>
+        </p:txBody>
+      </p:sp>
+    </p:spTree>
+    <p:extLst>
+      <p:ext uri="{BB962C8B-B14F-4D97-AF65-F5344CB8AC3E}">
+        <p14:creationId xmlns:p14="http://schemas.microsoft.com/office/powerpoint/2010/main" val="1118632253"/>
+      </p:ext>
+    </p:extLst>
+  </p:cSld>
+  <p:clrMapOvr>
+    <a:masterClrMapping/>
+  </p:clrMapOvr>
+</p:sld>
+</file>
+
+<file path=ppt/slides/slide13.xml><?xml version="1.0" encoding="utf-8"?>
+<p:sld xmlns:a="http://schemas.openxmlformats.org/drawingml/2006/main" xmlns:r="http://schemas.openxmlformats.org/officeDocument/2006/relationships" xmlns:p="http://schemas.openxmlformats.org/presentationml/2006/main">
+  <p:cSld>
+    <p:spTree>
+      <p:nvGrpSpPr>
+        <p:cNvPr id="1" name=""/>
+        <p:cNvGrpSpPr/>
+        <p:nvPr/>
+      </p:nvGrpSpPr>
+      <p:grpSpPr>
+        <a:xfrm>
+          <a:off x="0" y="0"/>
+          <a:ext cx="0" cy="0"/>
+          <a:chOff x="0" y="0"/>
+          <a:chExt cx="0" cy="0"/>
+        </a:xfrm>
+      </p:grpSpPr>
+      <p:sp>
+        <p:nvSpPr>
+          <p:cNvPr id="2" name="Title 1">
+            <a:extLst>
+              <a:ext uri="{FF2B5EF4-FFF2-40B4-BE49-F238E27FC236}">
+                <a16:creationId xmlns:a16="http://schemas.microsoft.com/office/drawing/2014/main" id="{4120E70B-2134-4218-8EC5-6CF28864800D}"/>
+              </a:ext>
+            </a:extLst>
+          </p:cNvPr>
+          <p:cNvSpPr>
+            <a:spLocks noGrp="1"/>
+          </p:cNvSpPr>
+          <p:nvPr>
+            <p:ph type="title"/>
+          </p:nvPr>
+        </p:nvSpPr>
+        <p:spPr/>
+        <p:txBody>
+          <a:bodyPr/>
+          <a:lstStyle/>
+          <a:p>
+            <a:r>
+              <a:rPr lang="en-US" dirty="0"/>
+              <a:t>Functionalities 1: ADD NEW</a:t>
+            </a:r>
+          </a:p>
+        </p:txBody>
+      </p:sp>
+      <p:sp>
+        <p:nvSpPr>
+          <p:cNvPr id="3" name="Content Placeholder 2">
+            <a:extLst>
+              <a:ext uri="{FF2B5EF4-FFF2-40B4-BE49-F238E27FC236}">
+                <a16:creationId xmlns:a16="http://schemas.microsoft.com/office/drawing/2014/main" id="{AE42198F-7F31-4764-AFCD-E6E7A3296716}"/>
+              </a:ext>
+            </a:extLst>
+          </p:cNvPr>
+          <p:cNvSpPr>
+            <a:spLocks noGrp="1"/>
+          </p:cNvSpPr>
+          <p:nvPr>
+            <p:ph idx="1"/>
+          </p:nvPr>
+        </p:nvSpPr>
+        <p:spPr>
+          <a:xfrm>
+            <a:off x="6460122" y="3147198"/>
+            <a:ext cx="3456245" cy="3416300"/>
+          </a:xfrm>
+        </p:spPr>
+        <p:txBody>
+          <a:bodyPr/>
+          <a:lstStyle/>
+          <a:p>
+            <a:pPr marL="0" indent="0">
+              <a:buNone/>
+            </a:pPr>
+            <a:r>
+              <a:rPr lang="en-GB" dirty="0"/>
+              <a:t>will contain :</a:t>
+            </a:r>
+            <a:endParaRPr lang="en-US" dirty="0"/>
+          </a:p>
+          <a:p>
+            <a:pPr lvl="0"/>
+            <a:r>
+              <a:rPr lang="en-GB" dirty="0"/>
+              <a:t>Tittle</a:t>
+            </a:r>
+            <a:endParaRPr lang="en-US" dirty="0"/>
+          </a:p>
+          <a:p>
+            <a:pPr lvl="0"/>
+            <a:r>
+              <a:rPr lang="en-GB" dirty="0"/>
+              <a:t>Amount</a:t>
+            </a:r>
+            <a:endParaRPr lang="en-US" dirty="0"/>
+          </a:p>
+          <a:p>
+            <a:pPr lvl="0"/>
+            <a:r>
+              <a:rPr lang="en-GB" dirty="0"/>
+              <a:t>Type</a:t>
+            </a:r>
+            <a:endParaRPr lang="en-US" dirty="0"/>
+          </a:p>
+          <a:p>
+            <a:pPr lvl="0"/>
+            <a:r>
+              <a:rPr lang="en-GB" dirty="0"/>
+              <a:t>Date</a:t>
+            </a:r>
+            <a:endParaRPr lang="en-US" dirty="0"/>
+          </a:p>
+          <a:p>
+            <a:pPr lvl="0"/>
+            <a:r>
+              <a:rPr lang="en-GB" dirty="0"/>
+              <a:t>Notes</a:t>
+            </a:r>
+            <a:endParaRPr lang="en-US" dirty="0"/>
+          </a:p>
+          <a:p>
+            <a:pPr marL="0" indent="0">
+              <a:buNone/>
+            </a:pPr>
+            <a:endParaRPr lang="en-US" dirty="0"/>
+          </a:p>
+        </p:txBody>
+      </p:sp>
+      <p:pic>
+        <p:nvPicPr>
+          <p:cNvPr id="4" name="Picture 3">
+            <a:extLst>
+              <a:ext uri="{FF2B5EF4-FFF2-40B4-BE49-F238E27FC236}">
+                <a16:creationId xmlns:a16="http://schemas.microsoft.com/office/drawing/2014/main" id="{2F42C3BC-DC4E-4B0B-AA96-E72624DC7128}"/>
+              </a:ext>
+            </a:extLst>
+          </p:cNvPr>
+          <p:cNvPicPr>
+            <a:picLocks noChangeAspect="1"/>
+          </p:cNvPicPr>
+          <p:nvPr/>
+        </p:nvPicPr>
+        <p:blipFill>
+          <a:blip r:embed="rId2" cstate="print"/>
+          <a:stretch>
+            <a:fillRect/>
+          </a:stretch>
+        </p:blipFill>
+        <p:spPr>
+          <a:xfrm>
+            <a:off x="2211387" y="2552926"/>
+            <a:ext cx="2722774" cy="4214877"/>
+          </a:xfrm>
+          <a:prstGeom prst="rect">
+            <a:avLst/>
+          </a:prstGeom>
+        </p:spPr>
+      </p:pic>
+      <p:sp>
+        <p:nvSpPr>
+          <p:cNvPr id="5" name="TextBox 4">
+            <a:extLst>
+              <a:ext uri="{FF2B5EF4-FFF2-40B4-BE49-F238E27FC236}">
+                <a16:creationId xmlns:a16="http://schemas.microsoft.com/office/drawing/2014/main" id="{3E5951E6-1954-4AA4-81B3-0CD478425832}"/>
+              </a:ext>
+            </a:extLst>
+          </p:cNvPr>
+          <p:cNvSpPr txBox="1"/>
+          <p:nvPr/>
+        </p:nvSpPr>
+        <p:spPr>
+          <a:xfrm>
+            <a:off x="11343861" y="6347791"/>
+            <a:ext cx="441146" cy="369332"/>
+          </a:xfrm>
+          <a:prstGeom prst="rect">
+            <a:avLst/>
+          </a:prstGeom>
+          <a:noFill/>
+        </p:spPr>
+        <p:txBody>
+          <a:bodyPr wrap="none" rtlCol="0">
+            <a:spAutoFit/>
+          </a:bodyPr>
+          <a:lstStyle/>
+          <a:p>
+            <a:r>
+              <a:rPr lang="id-ID" dirty="0"/>
+              <a:t>11</a:t>
+            </a:r>
+          </a:p>
+        </p:txBody>
+      </p:sp>
+    </p:spTree>
+    <p:extLst>
+      <p:ext uri="{BB962C8B-B14F-4D97-AF65-F5344CB8AC3E}">
+        <p14:creationId xmlns:p14="http://schemas.microsoft.com/office/powerpoint/2010/main" val="3334893025"/>
+      </p:ext>
+    </p:extLst>
+  </p:cSld>
+  <p:clrMapOvr>
+    <a:masterClrMapping/>
+  </p:clrMapOvr>
+</p:sld>
+</file>
+
+<file path=ppt/slides/slide14.xml><?xml version="1.0" encoding="utf-8"?>
+<p:sld xmlns:a="http://schemas.openxmlformats.org/drawingml/2006/main" xmlns:r="http://schemas.openxmlformats.org/officeDocument/2006/relationships" xmlns:p="http://schemas.openxmlformats.org/presentationml/2006/main">
+  <p:cSld>
+    <p:spTree>
+      <p:nvGrpSpPr>
+        <p:cNvPr id="1" name=""/>
+        <p:cNvGrpSpPr/>
+        <p:nvPr/>
+      </p:nvGrpSpPr>
+      <p:grpSpPr>
+        <a:xfrm>
+          <a:off x="0" y="0"/>
+          <a:ext cx="0" cy="0"/>
+          <a:chOff x="0" y="0"/>
+          <a:chExt cx="0" cy="0"/>
+        </a:xfrm>
+      </p:grpSpPr>
+      <p:sp>
+        <p:nvSpPr>
+          <p:cNvPr id="2" name="Title 1">
+            <a:extLst>
+              <a:ext uri="{FF2B5EF4-FFF2-40B4-BE49-F238E27FC236}">
+                <a16:creationId xmlns:a16="http://schemas.microsoft.com/office/drawing/2014/main" id="{562B62D8-5FF2-4BA1-BF3A-C77602A4DDDD}"/>
+              </a:ext>
+            </a:extLst>
+          </p:cNvPr>
+          <p:cNvSpPr>
+            <a:spLocks noGrp="1"/>
+          </p:cNvSpPr>
+          <p:nvPr>
+            <p:ph type="title"/>
+          </p:nvPr>
+        </p:nvSpPr>
+        <p:spPr/>
+        <p:txBody>
+          <a:bodyPr/>
+          <a:lstStyle/>
+          <a:p>
+            <a:r>
+              <a:rPr lang="en-US" dirty="0"/>
+              <a:t>Functionalities 2: Today’s Transaction</a:t>
+            </a:r>
+          </a:p>
+        </p:txBody>
+      </p:sp>
+      <p:pic>
+        <p:nvPicPr>
+          <p:cNvPr id="4" name="Picture 3">
+            <a:extLst>
+              <a:ext uri="{FF2B5EF4-FFF2-40B4-BE49-F238E27FC236}">
+                <a16:creationId xmlns:a16="http://schemas.microsoft.com/office/drawing/2014/main" id="{A5DDDA2C-9661-4583-90CE-C0328AD18611}"/>
+              </a:ext>
+            </a:extLst>
+          </p:cNvPr>
+          <p:cNvPicPr>
+            <a:picLocks noChangeAspect="1"/>
+          </p:cNvPicPr>
+          <p:nvPr/>
+        </p:nvPicPr>
+        <p:blipFill>
+          <a:blip r:embed="rId2" cstate="print"/>
+          <a:stretch>
+            <a:fillRect/>
+          </a:stretch>
+        </p:blipFill>
+        <p:spPr>
+          <a:xfrm>
+            <a:off x="650261" y="2400921"/>
+            <a:ext cx="2274005" cy="3706689"/>
+          </a:xfrm>
+          <a:prstGeom prst="rect">
+            <a:avLst/>
+          </a:prstGeom>
+        </p:spPr>
+      </p:pic>
+      <p:pic>
+        <p:nvPicPr>
+          <p:cNvPr id="5" name="Picture 4">
+            <a:extLst>
+              <a:ext uri="{FF2B5EF4-FFF2-40B4-BE49-F238E27FC236}">
+                <a16:creationId xmlns:a16="http://schemas.microsoft.com/office/drawing/2014/main" id="{49707FF8-FFC7-42F5-81F1-5753F7EA4CF4}"/>
+              </a:ext>
+            </a:extLst>
+          </p:cNvPr>
+          <p:cNvPicPr>
+            <a:picLocks noChangeAspect="1"/>
+          </p:cNvPicPr>
+          <p:nvPr/>
+        </p:nvPicPr>
+        <p:blipFill>
+          <a:blip r:embed="rId3" cstate="print"/>
+          <a:stretch>
+            <a:fillRect/>
+          </a:stretch>
+        </p:blipFill>
+        <p:spPr>
+          <a:xfrm>
+            <a:off x="9316506" y="2400921"/>
+            <a:ext cx="2225233" cy="3694496"/>
+          </a:xfrm>
+          <a:prstGeom prst="rect">
+            <a:avLst/>
+          </a:prstGeom>
+        </p:spPr>
+      </p:pic>
+      <p:sp>
+        <p:nvSpPr>
+          <p:cNvPr id="6" name="Rectangle 5">
+            <a:extLst>
+              <a:ext uri="{FF2B5EF4-FFF2-40B4-BE49-F238E27FC236}">
+                <a16:creationId xmlns:a16="http://schemas.microsoft.com/office/drawing/2014/main" id="{8FA5F986-A408-4FF4-8B6B-577D6E51CF9A}"/>
+              </a:ext>
+            </a:extLst>
+          </p:cNvPr>
+          <p:cNvSpPr/>
+          <p:nvPr/>
+        </p:nvSpPr>
+        <p:spPr>
+          <a:xfrm>
+            <a:off x="3072386" y="2867962"/>
+            <a:ext cx="6096000" cy="2308324"/>
+          </a:xfrm>
+          <a:prstGeom prst="rect">
+            <a:avLst/>
+          </a:prstGeom>
+        </p:spPr>
+        <p:txBody>
+          <a:bodyPr>
+            <a:spAutoFit/>
+          </a:bodyPr>
+          <a:lstStyle/>
+          <a:p>
+            <a:r>
+              <a:rPr lang="en-GB" dirty="0"/>
+              <a:t>This function enables user to view Today’s Transaction and add transaction. The information will contain :</a:t>
+            </a:r>
+          </a:p>
+          <a:p>
+            <a:r>
+              <a:rPr lang="en-GB" dirty="0"/>
+              <a:t>1.	Type </a:t>
+            </a:r>
+          </a:p>
+          <a:p>
+            <a:r>
+              <a:rPr lang="en-GB" dirty="0"/>
+              <a:t>2.	Amount </a:t>
+            </a:r>
+          </a:p>
+          <a:p>
+            <a:r>
+              <a:rPr lang="en-GB" dirty="0"/>
+              <a:t>3.	Note</a:t>
+            </a:r>
+          </a:p>
+          <a:p>
+            <a:r>
+              <a:rPr lang="en-GB" dirty="0"/>
+              <a:t>4.	Date</a:t>
+            </a:r>
+          </a:p>
+          <a:p>
+            <a:r>
+              <a:rPr lang="en-GB" dirty="0"/>
+              <a:t>5.	Income/expenditure</a:t>
+            </a:r>
+          </a:p>
+        </p:txBody>
+      </p:sp>
+      <p:sp>
+        <p:nvSpPr>
+          <p:cNvPr id="7" name="TextBox 6">
+            <a:extLst>
+              <a:ext uri="{FF2B5EF4-FFF2-40B4-BE49-F238E27FC236}">
+                <a16:creationId xmlns:a16="http://schemas.microsoft.com/office/drawing/2014/main" id="{910C96E8-A870-4007-A44C-3B275F4705EE}"/>
+              </a:ext>
+            </a:extLst>
+          </p:cNvPr>
+          <p:cNvSpPr txBox="1"/>
+          <p:nvPr/>
+        </p:nvSpPr>
+        <p:spPr>
+          <a:xfrm>
+            <a:off x="11343861" y="6347791"/>
+            <a:ext cx="441146" cy="369332"/>
+          </a:xfrm>
+          <a:prstGeom prst="rect">
+            <a:avLst/>
+          </a:prstGeom>
+          <a:noFill/>
+        </p:spPr>
+        <p:txBody>
+          <a:bodyPr wrap="none" rtlCol="0">
+            <a:spAutoFit/>
+          </a:bodyPr>
+          <a:lstStyle/>
+          <a:p>
+            <a:r>
+              <a:rPr lang="id-ID" dirty="0"/>
+              <a:t>12</a:t>
+            </a:r>
+          </a:p>
+        </p:txBody>
+      </p:sp>
+    </p:spTree>
+    <p:extLst>
+      <p:ext uri="{BB962C8B-B14F-4D97-AF65-F5344CB8AC3E}">
+        <p14:creationId xmlns:p14="http://schemas.microsoft.com/office/powerpoint/2010/main" val="3206378443"/>
+      </p:ext>
+    </p:extLst>
+  </p:cSld>
+  <p:clrMapOvr>
+    <a:masterClrMapping/>
+  </p:clrMapOvr>
+</p:sld>
+</file>
+
+<file path=ppt/slides/slide15.xml><?xml version="1.0" encoding="utf-8"?>
+<p:sld xmlns:a="http://schemas.openxmlformats.org/drawingml/2006/main" xmlns:r="http://schemas.openxmlformats.org/officeDocument/2006/relationships" xmlns:p="http://schemas.openxmlformats.org/presentationml/2006/main">
+  <p:cSld>
+    <p:spTree>
+      <p:nvGrpSpPr>
+        <p:cNvPr id="1" name=""/>
+        <p:cNvGrpSpPr/>
+        <p:nvPr/>
+      </p:nvGrpSpPr>
+      <p:grpSpPr>
+        <a:xfrm>
+          <a:off x="0" y="0"/>
+          <a:ext cx="0" cy="0"/>
+          <a:chOff x="0" y="0"/>
+          <a:chExt cx="0" cy="0"/>
+        </a:xfrm>
+      </p:grpSpPr>
+      <p:sp>
+        <p:nvSpPr>
+          <p:cNvPr id="2" name="Title 1">
+            <a:extLst>
+              <a:ext uri="{FF2B5EF4-FFF2-40B4-BE49-F238E27FC236}">
+                <a16:creationId xmlns:a16="http://schemas.microsoft.com/office/drawing/2014/main" id="{105D57AE-2BDD-4FDC-B83A-81A230EB8EB8}"/>
+              </a:ext>
+            </a:extLst>
+          </p:cNvPr>
+          <p:cNvSpPr>
+            <a:spLocks noGrp="1"/>
+          </p:cNvSpPr>
+          <p:nvPr>
+            <p:ph type="title"/>
+          </p:nvPr>
+        </p:nvSpPr>
+        <p:spPr/>
+        <p:txBody>
+          <a:bodyPr/>
+          <a:lstStyle/>
+          <a:p>
+            <a:r>
+              <a:rPr lang="en-US" dirty="0"/>
               <a:t>Functionalities 3: Transaction Report</a:t>
             </a:r>
           </a:p>
@@ -14079,7 +15211,7 @@
           <p:cNvPr id="4" name="Content Placeholder 3">
             <a:extLst>
               <a:ext uri="{FF2B5EF4-FFF2-40B4-BE49-F238E27FC236}">
-                <a16:creationId xmlns:a16="http://schemas.microsoft.com/office/drawing/2014/main" xmlns="" id="{0E1F00CB-6782-49BC-81F0-8BFB6D9EF00B}"/>
+                <a16:creationId xmlns:a16="http://schemas.microsoft.com/office/drawing/2014/main" id="{0E1F00CB-6782-49BC-81F0-8BFB6D9EF00B}"/>
               </a:ext>
             </a:extLst>
           </p:cNvPr>
@@ -14111,7 +15243,7 @@
           <p:cNvPr id="5" name="Picture 4">
             <a:extLst>
               <a:ext uri="{FF2B5EF4-FFF2-40B4-BE49-F238E27FC236}">
-                <a16:creationId xmlns:a16="http://schemas.microsoft.com/office/drawing/2014/main" xmlns="" id="{54EDE9FA-10A0-4405-B40E-D0F6444E964F}"/>
+                <a16:creationId xmlns:a16="http://schemas.microsoft.com/office/drawing/2014/main" id="{54EDE9FA-10A0-4405-B40E-D0F6444E964F}"/>
               </a:ext>
             </a:extLst>
           </p:cNvPr>
@@ -14141,7 +15273,7 @@
           <p:cNvPr id="6" name="Rectangle 5">
             <a:extLst>
               <a:ext uri="{FF2B5EF4-FFF2-40B4-BE49-F238E27FC236}">
-                <a16:creationId xmlns:a16="http://schemas.microsoft.com/office/drawing/2014/main" xmlns="" id="{71DEA424-8C36-4931-AA3E-5025B3DB43D8}"/>
+                <a16:creationId xmlns:a16="http://schemas.microsoft.com/office/drawing/2014/main" id="{71DEA424-8C36-4931-AA3E-5025B3DB43D8}"/>
               </a:ext>
             </a:extLst>
           </p:cNvPr>
@@ -14171,10 +15303,45 @@
           </a:p>
         </p:txBody>
       </p:sp>
+      <p:sp>
+        <p:nvSpPr>
+          <p:cNvPr id="7" name="TextBox 6">
+            <a:extLst>
+              <a:ext uri="{FF2B5EF4-FFF2-40B4-BE49-F238E27FC236}">
+                <a16:creationId xmlns:a16="http://schemas.microsoft.com/office/drawing/2014/main" id="{4A85D1F9-7C94-4D6B-B9CC-0CB1C4A4D14D}"/>
+              </a:ext>
+            </a:extLst>
+          </p:cNvPr>
+          <p:cNvSpPr txBox="1"/>
+          <p:nvPr/>
+        </p:nvSpPr>
+        <p:spPr>
+          <a:xfrm>
+            <a:off x="11343861" y="6347791"/>
+            <a:ext cx="441146" cy="369332"/>
+          </a:xfrm>
+          <a:prstGeom prst="rect">
+            <a:avLst/>
+          </a:prstGeom>
+          <a:noFill/>
+        </p:spPr>
+        <p:txBody>
+          <a:bodyPr wrap="none" rtlCol="0">
+            <a:spAutoFit/>
+          </a:bodyPr>
+          <a:lstStyle/>
+          <a:p>
+            <a:r>
+              <a:rPr lang="id-ID" dirty="0"/>
+              <a:t>13</a:t>
+            </a:r>
+          </a:p>
+        </p:txBody>
+      </p:sp>
     </p:spTree>
     <p:extLst>
       <p:ext uri="{BB962C8B-B14F-4D97-AF65-F5344CB8AC3E}">
-        <p14:creationId xmlns:p14="http://schemas.microsoft.com/office/powerpoint/2010/main" xmlns="" val="2133651331"/>
+        <p14:creationId xmlns:p14="http://schemas.microsoft.com/office/powerpoint/2010/main" val="2133651331"/>
       </p:ext>
     </p:extLst>
   </p:cSld>
@@ -14184,7 +15351,7 @@
 </p:sld>
 </file>
 
-<file path=ppt/slides/slide11.xml><?xml version="1.0" encoding="utf-8"?>
+<file path=ppt/slides/slide16.xml><?xml version="1.0" encoding="utf-8"?>
 <p:sld xmlns:a="http://schemas.openxmlformats.org/drawingml/2006/main" xmlns:r="http://schemas.openxmlformats.org/officeDocument/2006/relationships" xmlns:p="http://schemas.openxmlformats.org/presentationml/2006/main">
   <p:cSld>
     <p:spTree>
@@ -14206,7 +15373,7 @@
           <p:cNvPr id="2" name="Title 1">
             <a:extLst>
               <a:ext uri="{FF2B5EF4-FFF2-40B4-BE49-F238E27FC236}">
-                <a16:creationId xmlns:a16="http://schemas.microsoft.com/office/drawing/2014/main" xmlns="" id="{3D0BE094-2E49-49A9-8993-05DF06194D88}"/>
+                <a16:creationId xmlns:a16="http://schemas.microsoft.com/office/drawing/2014/main" id="{3D0BE094-2E49-49A9-8993-05DF06194D88}"/>
               </a:ext>
             </a:extLst>
           </p:cNvPr>
@@ -14234,7 +15401,7 @@
           <p:cNvPr id="4" name="Picture 3">
             <a:extLst>
               <a:ext uri="{FF2B5EF4-FFF2-40B4-BE49-F238E27FC236}">
-                <a16:creationId xmlns:a16="http://schemas.microsoft.com/office/drawing/2014/main" xmlns="" id="{E93F5FF2-D70C-4744-81CE-D2266B027D36}"/>
+                <a16:creationId xmlns:a16="http://schemas.microsoft.com/office/drawing/2014/main" id="{E93F5FF2-D70C-4744-81CE-D2266B027D36}"/>
               </a:ext>
             </a:extLst>
           </p:cNvPr>
@@ -14264,7 +15431,7 @@
           <p:cNvPr id="5" name="Rectangle 4">
             <a:extLst>
               <a:ext uri="{FF2B5EF4-FFF2-40B4-BE49-F238E27FC236}">
-                <a16:creationId xmlns:a16="http://schemas.microsoft.com/office/drawing/2014/main" xmlns="" id="{9AA889C4-DF56-43B3-9697-68AF623311B1}"/>
+                <a16:creationId xmlns:a16="http://schemas.microsoft.com/office/drawing/2014/main" id="{9AA889C4-DF56-43B3-9697-68AF623311B1}"/>
               </a:ext>
             </a:extLst>
           </p:cNvPr>
@@ -14294,10 +15461,45 @@
           </a:p>
         </p:txBody>
       </p:sp>
+      <p:sp>
+        <p:nvSpPr>
+          <p:cNvPr id="6" name="TextBox 5">
+            <a:extLst>
+              <a:ext uri="{FF2B5EF4-FFF2-40B4-BE49-F238E27FC236}">
+                <a16:creationId xmlns:a16="http://schemas.microsoft.com/office/drawing/2014/main" id="{BFBABD99-6A9A-4972-A2C0-540E0D214905}"/>
+              </a:ext>
+            </a:extLst>
+          </p:cNvPr>
+          <p:cNvSpPr txBox="1"/>
+          <p:nvPr/>
+        </p:nvSpPr>
+        <p:spPr>
+          <a:xfrm>
+            <a:off x="11343861" y="6347791"/>
+            <a:ext cx="441146" cy="369332"/>
+          </a:xfrm>
+          <a:prstGeom prst="rect">
+            <a:avLst/>
+          </a:prstGeom>
+          <a:noFill/>
+        </p:spPr>
+        <p:txBody>
+          <a:bodyPr wrap="none" rtlCol="0">
+            <a:spAutoFit/>
+          </a:bodyPr>
+          <a:lstStyle/>
+          <a:p>
+            <a:r>
+              <a:rPr lang="id-ID" dirty="0"/>
+              <a:t>14</a:t>
+            </a:r>
+          </a:p>
+        </p:txBody>
+      </p:sp>
     </p:spTree>
     <p:extLst>
       <p:ext uri="{BB962C8B-B14F-4D97-AF65-F5344CB8AC3E}">
-        <p14:creationId xmlns:p14="http://schemas.microsoft.com/office/powerpoint/2010/main" xmlns="" val="2274243651"/>
+        <p14:creationId xmlns:p14="http://schemas.microsoft.com/office/powerpoint/2010/main" val="2274243651"/>
       </p:ext>
     </p:extLst>
   </p:cSld>
@@ -14307,7 +15509,7 @@
 </p:sld>
 </file>
 
-<file path=ppt/slides/slide12.xml><?xml version="1.0" encoding="utf-8"?>
+<file path=ppt/slides/slide17.xml><?xml version="1.0" encoding="utf-8"?>
 <p:sld xmlns:a="http://schemas.openxmlformats.org/drawingml/2006/main" xmlns:r="http://schemas.openxmlformats.org/officeDocument/2006/relationships" xmlns:p="http://schemas.openxmlformats.org/presentationml/2006/main">
   <p:cSld>
     <p:spTree>
@@ -14329,7 +15531,7 @@
           <p:cNvPr id="2" name="Title 1">
             <a:extLst>
               <a:ext uri="{FF2B5EF4-FFF2-40B4-BE49-F238E27FC236}">
-                <a16:creationId xmlns:a16="http://schemas.microsoft.com/office/drawing/2014/main" xmlns="" id="{137C9CB0-3739-4F32-8E4B-6FDFAE834FB4}"/>
+                <a16:creationId xmlns:a16="http://schemas.microsoft.com/office/drawing/2014/main" id="{137C9CB0-3739-4F32-8E4B-6FDFAE834FB4}"/>
               </a:ext>
             </a:extLst>
           </p:cNvPr>
@@ -14357,7 +15559,7 @@
           <p:cNvPr id="4" name="Picture 3">
             <a:extLst>
               <a:ext uri="{FF2B5EF4-FFF2-40B4-BE49-F238E27FC236}">
-                <a16:creationId xmlns:a16="http://schemas.microsoft.com/office/drawing/2014/main" xmlns="" id="{9CDB6E6D-3CD4-441A-9907-8EE19E50901C}"/>
+                <a16:creationId xmlns:a16="http://schemas.microsoft.com/office/drawing/2014/main" id="{9CDB6E6D-3CD4-441A-9907-8EE19E50901C}"/>
               </a:ext>
             </a:extLst>
           </p:cNvPr>
@@ -14387,7 +15589,7 @@
           <p:cNvPr id="6" name="Rectangle 5">
             <a:extLst>
               <a:ext uri="{FF2B5EF4-FFF2-40B4-BE49-F238E27FC236}">
-                <a16:creationId xmlns:a16="http://schemas.microsoft.com/office/drawing/2014/main" xmlns="" id="{2AA72980-774E-4B97-BEF8-1A1BFE6608BA}"/>
+                <a16:creationId xmlns:a16="http://schemas.microsoft.com/office/drawing/2014/main" id="{2AA72980-774E-4B97-BEF8-1A1BFE6608BA}"/>
               </a:ext>
             </a:extLst>
           </p:cNvPr>
@@ -14417,10 +15619,45 @@
           </a:p>
         </p:txBody>
       </p:sp>
+      <p:sp>
+        <p:nvSpPr>
+          <p:cNvPr id="5" name="TextBox 4">
+            <a:extLst>
+              <a:ext uri="{FF2B5EF4-FFF2-40B4-BE49-F238E27FC236}">
+                <a16:creationId xmlns:a16="http://schemas.microsoft.com/office/drawing/2014/main" id="{8C86129B-9D86-4DF1-8C0A-85F96F46541F}"/>
+              </a:ext>
+            </a:extLst>
+          </p:cNvPr>
+          <p:cNvSpPr txBox="1"/>
+          <p:nvPr/>
+        </p:nvSpPr>
+        <p:spPr>
+          <a:xfrm>
+            <a:off x="11343861" y="6347791"/>
+            <a:ext cx="441146" cy="369332"/>
+          </a:xfrm>
+          <a:prstGeom prst="rect">
+            <a:avLst/>
+          </a:prstGeom>
+          <a:noFill/>
+        </p:spPr>
+        <p:txBody>
+          <a:bodyPr wrap="none" rtlCol="0">
+            <a:spAutoFit/>
+          </a:bodyPr>
+          <a:lstStyle/>
+          <a:p>
+            <a:r>
+              <a:rPr lang="id-ID" dirty="0"/>
+              <a:t>15</a:t>
+            </a:r>
+          </a:p>
+        </p:txBody>
+      </p:sp>
     </p:spTree>
     <p:extLst>
       <p:ext uri="{BB962C8B-B14F-4D97-AF65-F5344CB8AC3E}">
-        <p14:creationId xmlns:p14="http://schemas.microsoft.com/office/powerpoint/2010/main" xmlns="" val="47954757"/>
+        <p14:creationId xmlns:p14="http://schemas.microsoft.com/office/powerpoint/2010/main" val="47954757"/>
       </p:ext>
     </p:extLst>
   </p:cSld>
@@ -14430,7 +15667,1947 @@
 </p:sld>
 </file>
 
-<file path=ppt/slides/slide13.xml><?xml version="1.0" encoding="utf-8"?>
+<file path=ppt/slides/slide18.xml><?xml version="1.0" encoding="utf-8"?>
+<p:sld xmlns:a="http://schemas.openxmlformats.org/drawingml/2006/main" xmlns:r="http://schemas.openxmlformats.org/officeDocument/2006/relationships" xmlns:p="http://schemas.openxmlformats.org/presentationml/2006/main">
+  <p:cSld>
+    <p:spTree>
+      <p:nvGrpSpPr>
+        <p:cNvPr id="1" name=""/>
+        <p:cNvGrpSpPr/>
+        <p:nvPr/>
+      </p:nvGrpSpPr>
+      <p:grpSpPr>
+        <a:xfrm>
+          <a:off x="0" y="0"/>
+          <a:ext cx="0" cy="0"/>
+          <a:chOff x="0" y="0"/>
+          <a:chExt cx="0" cy="0"/>
+        </a:xfrm>
+      </p:grpSpPr>
+      <p:sp>
+        <p:nvSpPr>
+          <p:cNvPr id="2" name="Title 1">
+            <a:extLst>
+              <a:ext uri="{FF2B5EF4-FFF2-40B4-BE49-F238E27FC236}">
+                <a16:creationId xmlns:a16="http://schemas.microsoft.com/office/drawing/2014/main" id="{137C9CB0-3739-4F32-8E4B-6FDFAE834FB4}"/>
+              </a:ext>
+            </a:extLst>
+          </p:cNvPr>
+          <p:cNvSpPr>
+            <a:spLocks noGrp="1"/>
+          </p:cNvSpPr>
+          <p:nvPr>
+            <p:ph type="title"/>
+          </p:nvPr>
+        </p:nvSpPr>
+        <p:spPr/>
+        <p:txBody>
+          <a:bodyPr/>
+          <a:lstStyle/>
+          <a:p>
+            <a:r>
+              <a:rPr lang="en-US" dirty="0"/>
+              <a:t>Functionalities 5: </a:t>
+            </a:r>
+            <a:r>
+              <a:rPr lang="id-ID" dirty="0"/>
+              <a:t>Graph</a:t>
+            </a:r>
+            <a:endParaRPr lang="en-US" dirty="0"/>
+          </a:p>
+        </p:txBody>
+      </p:sp>
+      <p:sp>
+        <p:nvSpPr>
+          <p:cNvPr id="6" name="Rectangle 5">
+            <a:extLst>
+              <a:ext uri="{FF2B5EF4-FFF2-40B4-BE49-F238E27FC236}">
+                <a16:creationId xmlns:a16="http://schemas.microsoft.com/office/drawing/2014/main" id="{2AA72980-774E-4B97-BEF8-1A1BFE6608BA}"/>
+              </a:ext>
+            </a:extLst>
+          </p:cNvPr>
+          <p:cNvSpPr/>
+          <p:nvPr/>
+        </p:nvSpPr>
+        <p:spPr>
+          <a:xfrm>
+            <a:off x="4188542" y="3576935"/>
+            <a:ext cx="6096000" cy="646331"/>
+          </a:xfrm>
+          <a:prstGeom prst="rect">
+            <a:avLst/>
+          </a:prstGeom>
+        </p:spPr>
+        <p:txBody>
+          <a:bodyPr>
+            <a:spAutoFit/>
+          </a:bodyPr>
+          <a:lstStyle/>
+          <a:p>
+            <a:r>
+              <a:rPr lang="en-GB" dirty="0"/>
+              <a:t>Screenshot shows all the functionalities of </a:t>
+            </a:r>
+            <a:r>
+              <a:rPr lang="id-ID" dirty="0"/>
+              <a:t>Graph</a:t>
+            </a:r>
+            <a:r>
+              <a:rPr lang="en-GB" dirty="0"/>
+              <a:t>.</a:t>
+            </a:r>
+            <a:r>
+              <a:rPr lang="id-ID" dirty="0"/>
+              <a:t>Show monthly Transaction of our apps </a:t>
+            </a:r>
+            <a:r>
+              <a:rPr lang="en-GB" dirty="0"/>
+              <a:t>. </a:t>
+            </a:r>
+            <a:endParaRPr lang="en-US" dirty="0"/>
+          </a:p>
+        </p:txBody>
+      </p:sp>
+      <p:pic>
+        <p:nvPicPr>
+          <p:cNvPr id="5" name="Picture 4">
+            <a:extLst>
+              <a:ext uri="{FF2B5EF4-FFF2-40B4-BE49-F238E27FC236}">
+                <a16:creationId xmlns:a16="http://schemas.microsoft.com/office/drawing/2014/main" id="{513A2CE4-29BF-40B9-B2C6-05E6206F2272}"/>
+              </a:ext>
+            </a:extLst>
+          </p:cNvPr>
+          <p:cNvPicPr>
+            <a:picLocks noChangeAspect="1"/>
+          </p:cNvPicPr>
+          <p:nvPr/>
+        </p:nvPicPr>
+        <p:blipFill>
+          <a:blip r:embed="rId2">
+            <a:extLst>
+              <a:ext uri="{28A0092B-C50C-407E-A947-70E740481C1C}">
+                <a14:useLocalDpi xmlns:a14="http://schemas.microsoft.com/office/drawing/2010/main" val="0"/>
+              </a:ext>
+            </a:extLst>
+          </a:blip>
+          <a:stretch>
+            <a:fillRect/>
+          </a:stretch>
+        </p:blipFill>
+        <p:spPr>
+          <a:xfrm>
+            <a:off x="1317523" y="2358767"/>
+            <a:ext cx="2531807" cy="4499233"/>
+          </a:xfrm>
+          <a:prstGeom prst="rect">
+            <a:avLst/>
+          </a:prstGeom>
+        </p:spPr>
+      </p:pic>
+      <p:sp>
+        <p:nvSpPr>
+          <p:cNvPr id="7" name="TextBox 6">
+            <a:extLst>
+              <a:ext uri="{FF2B5EF4-FFF2-40B4-BE49-F238E27FC236}">
+                <a16:creationId xmlns:a16="http://schemas.microsoft.com/office/drawing/2014/main" id="{3004A2AD-9574-4DA3-9756-354C9360C4DD}"/>
+              </a:ext>
+            </a:extLst>
+          </p:cNvPr>
+          <p:cNvSpPr txBox="1"/>
+          <p:nvPr/>
+        </p:nvSpPr>
+        <p:spPr>
+          <a:xfrm>
+            <a:off x="11343861" y="6347791"/>
+            <a:ext cx="441146" cy="369332"/>
+          </a:xfrm>
+          <a:prstGeom prst="rect">
+            <a:avLst/>
+          </a:prstGeom>
+          <a:noFill/>
+        </p:spPr>
+        <p:txBody>
+          <a:bodyPr wrap="none" rtlCol="0">
+            <a:spAutoFit/>
+          </a:bodyPr>
+          <a:lstStyle/>
+          <a:p>
+            <a:r>
+              <a:rPr lang="id-ID" dirty="0"/>
+              <a:t>16</a:t>
+            </a:r>
+          </a:p>
+        </p:txBody>
+      </p:sp>
+      <p:sp>
+        <p:nvSpPr>
+          <p:cNvPr id="3" name="TextBox 2">
+            <a:extLst>
+              <a:ext uri="{FF2B5EF4-FFF2-40B4-BE49-F238E27FC236}">
+                <a16:creationId xmlns:a16="http://schemas.microsoft.com/office/drawing/2014/main" id="{74AFC849-5D2B-4DF9-8A3F-517700819F7C}"/>
+              </a:ext>
+            </a:extLst>
+          </p:cNvPr>
+          <p:cNvSpPr txBox="1"/>
+          <p:nvPr/>
+        </p:nvSpPr>
+        <p:spPr>
+          <a:xfrm>
+            <a:off x="4188542" y="3281065"/>
+            <a:ext cx="604653" cy="369332"/>
+          </a:xfrm>
+          <a:prstGeom prst="rect">
+            <a:avLst/>
+          </a:prstGeom>
+          <a:noFill/>
+        </p:spPr>
+        <p:txBody>
+          <a:bodyPr wrap="none" rtlCol="0">
+            <a:spAutoFit/>
+          </a:bodyPr>
+          <a:lstStyle/>
+          <a:p>
+            <a:r>
+              <a:rPr lang="id-ID" dirty="0">
+                <a:hlinkClick r:id="rId3" action="ppaction://hlinksldjump"/>
+              </a:rPr>
+              <a:t>[13]</a:t>
+            </a:r>
+            <a:endParaRPr lang="id-ID" dirty="0"/>
+          </a:p>
+        </p:txBody>
+      </p:sp>
+    </p:spTree>
+    <p:extLst>
+      <p:ext uri="{BB962C8B-B14F-4D97-AF65-F5344CB8AC3E}">
+        <p14:creationId xmlns:p14="http://schemas.microsoft.com/office/powerpoint/2010/main" val="1987872699"/>
+      </p:ext>
+    </p:extLst>
+  </p:cSld>
+  <p:clrMapOvr>
+    <a:masterClrMapping/>
+  </p:clrMapOvr>
+</p:sld>
+</file>
+
+<file path=ppt/slides/slide19.xml><?xml version="1.0" encoding="utf-8"?>
+<p:sld xmlns:a="http://schemas.openxmlformats.org/drawingml/2006/main" xmlns:r="http://schemas.openxmlformats.org/officeDocument/2006/relationships" xmlns:p="http://schemas.openxmlformats.org/presentationml/2006/main">
+  <p:cSld>
+    <p:spTree>
+      <p:nvGrpSpPr>
+        <p:cNvPr id="1" name=""/>
+        <p:cNvGrpSpPr/>
+        <p:nvPr/>
+      </p:nvGrpSpPr>
+      <p:grpSpPr>
+        <a:xfrm>
+          <a:off x="0" y="0"/>
+          <a:ext cx="0" cy="0"/>
+          <a:chOff x="0" y="0"/>
+          <a:chExt cx="0" cy="0"/>
+        </a:xfrm>
+      </p:grpSpPr>
+      <p:sp>
+        <p:nvSpPr>
+          <p:cNvPr id="2" name="Title 1">
+            <a:extLst>
+              <a:ext uri="{FF2B5EF4-FFF2-40B4-BE49-F238E27FC236}">
+                <a16:creationId xmlns:a16="http://schemas.microsoft.com/office/drawing/2014/main" id="{3DB1C57B-5CEC-4563-BF60-B8103D20DE59}"/>
+              </a:ext>
+            </a:extLst>
+          </p:cNvPr>
+          <p:cNvSpPr>
+            <a:spLocks noGrp="1"/>
+          </p:cNvSpPr>
+          <p:nvPr>
+            <p:ph type="title"/>
+          </p:nvPr>
+        </p:nvSpPr>
+        <p:spPr/>
+        <p:txBody>
+          <a:bodyPr/>
+          <a:lstStyle/>
+          <a:p>
+            <a:r>
+              <a:rPr lang="id-ID" b="1" dirty="0"/>
+              <a:t>Project Structure</a:t>
+            </a:r>
+            <a:endParaRPr lang="id-ID" dirty="0"/>
+          </a:p>
+        </p:txBody>
+      </p:sp>
+      <p:sp>
+        <p:nvSpPr>
+          <p:cNvPr id="3" name="Content Placeholder 2">
+            <a:extLst>
+              <a:ext uri="{FF2B5EF4-FFF2-40B4-BE49-F238E27FC236}">
+                <a16:creationId xmlns:a16="http://schemas.microsoft.com/office/drawing/2014/main" id="{4D538341-45C9-4738-9F36-95DA1E439768}"/>
+              </a:ext>
+            </a:extLst>
+          </p:cNvPr>
+          <p:cNvSpPr>
+            <a:spLocks noGrp="1"/>
+          </p:cNvSpPr>
+          <p:nvPr>
+            <p:ph idx="1"/>
+          </p:nvPr>
+        </p:nvSpPr>
+        <p:spPr/>
+        <p:txBody>
+          <a:bodyPr>
+            <a:normAutofit fontScale="92500" lnSpcReduction="20000"/>
+          </a:bodyPr>
+          <a:lstStyle/>
+          <a:p>
+            <a:pPr lvl="0"/>
+            <a:r>
+              <a:rPr lang="en-US" dirty="0"/>
+              <a:t>[doc]</a:t>
+            </a:r>
+            <a:r>
+              <a:rPr lang="id-ID" dirty="0"/>
+              <a:t> -d</a:t>
+            </a:r>
+            <a:r>
+              <a:rPr lang="en-US" dirty="0" err="1"/>
+              <a:t>ocumentation</a:t>
+            </a:r>
+            <a:endParaRPr lang="id-ID" dirty="0"/>
+          </a:p>
+          <a:p>
+            <a:pPr lvl="0"/>
+            <a:r>
+              <a:rPr lang="en-US" dirty="0"/>
+              <a:t>[</a:t>
+            </a:r>
+            <a:r>
+              <a:rPr lang="en-US" dirty="0" err="1"/>
+              <a:t>gradle</a:t>
+            </a:r>
+            <a:r>
+              <a:rPr lang="en-US" dirty="0"/>
+              <a:t>]</a:t>
+            </a:r>
+            <a:endParaRPr lang="id-ID" dirty="0"/>
+          </a:p>
+          <a:p>
+            <a:pPr lvl="0"/>
+            <a:r>
+              <a:rPr lang="id-ID" dirty="0"/>
+              <a:t>[gradle]/</a:t>
+            </a:r>
+            <a:r>
+              <a:rPr lang="en-US" dirty="0"/>
+              <a:t>[wrapper]</a:t>
+            </a:r>
+            <a:r>
+              <a:rPr lang="id-ID" dirty="0"/>
+              <a:t>- </a:t>
+            </a:r>
+            <a:r>
+              <a:rPr lang="en-US" dirty="0"/>
+              <a:t>Gradle Wrapper</a:t>
+            </a:r>
+            <a:endParaRPr lang="id-ID" dirty="0"/>
+          </a:p>
+          <a:p>
+            <a:pPr lvl="0"/>
+            <a:r>
+              <a:rPr lang="id-ID" dirty="0"/>
+              <a:t>[Apps]-main module</a:t>
+            </a:r>
+          </a:p>
+          <a:p>
+            <a:pPr lvl="0"/>
+            <a:r>
+              <a:rPr lang="id-ID" dirty="0"/>
+              <a:t>[Apps] - main module</a:t>
+            </a:r>
+          </a:p>
+          <a:p>
+            <a:pPr lvl="0"/>
+            <a:r>
+              <a:rPr lang="id-ID" dirty="0"/>
+              <a:t>[Apps]/[libs] - contains 3rd party libraries (not used)</a:t>
+            </a:r>
+          </a:p>
+          <a:p>
+            <a:pPr lvl="0"/>
+            <a:r>
+              <a:rPr lang="id-ID" dirty="0"/>
+              <a:t>[Apps]/[src] - contains source code</a:t>
+            </a:r>
+          </a:p>
+          <a:p>
+            <a:pPr lvl="0"/>
+            <a:r>
+              <a:rPr lang="id-ID" dirty="0"/>
+              <a:t>[Apps]/[src]/[main]</a:t>
+            </a:r>
+          </a:p>
+          <a:p>
+            <a:pPr lvl="0"/>
+            <a:r>
+              <a:rPr lang="id-ID" dirty="0"/>
+              <a:t>[Apps]/[src]/[main]/[assets] - asset files (prepopulated database, images)</a:t>
+            </a:r>
+          </a:p>
+          <a:p>
+            <a:pPr lvl="0"/>
+            <a:r>
+              <a:rPr lang="id-ID" dirty="0"/>
+              <a:t>[Apps]/[src]/[main]/[java] - java sources</a:t>
+            </a:r>
+          </a:p>
+          <a:p>
+            <a:endParaRPr lang="id-ID" dirty="0"/>
+          </a:p>
+        </p:txBody>
+      </p:sp>
+      <p:sp>
+        <p:nvSpPr>
+          <p:cNvPr id="4" name="TextBox 3">
+            <a:extLst>
+              <a:ext uri="{FF2B5EF4-FFF2-40B4-BE49-F238E27FC236}">
+                <a16:creationId xmlns:a16="http://schemas.microsoft.com/office/drawing/2014/main" id="{2BBAE3B0-9B37-4286-BBF8-1DECDD13F031}"/>
+              </a:ext>
+            </a:extLst>
+          </p:cNvPr>
+          <p:cNvSpPr txBox="1"/>
+          <p:nvPr/>
+        </p:nvSpPr>
+        <p:spPr>
+          <a:xfrm>
+            <a:off x="11343861" y="6347791"/>
+            <a:ext cx="441146" cy="369332"/>
+          </a:xfrm>
+          <a:prstGeom prst="rect">
+            <a:avLst/>
+          </a:prstGeom>
+          <a:noFill/>
+        </p:spPr>
+        <p:txBody>
+          <a:bodyPr wrap="none" rtlCol="0">
+            <a:spAutoFit/>
+          </a:bodyPr>
+          <a:lstStyle/>
+          <a:p>
+            <a:r>
+              <a:rPr lang="id-ID" dirty="0"/>
+              <a:t>17</a:t>
+            </a:r>
+          </a:p>
+        </p:txBody>
+      </p:sp>
+    </p:spTree>
+    <p:extLst>
+      <p:ext uri="{BB962C8B-B14F-4D97-AF65-F5344CB8AC3E}">
+        <p14:creationId xmlns:p14="http://schemas.microsoft.com/office/powerpoint/2010/main" val="3832602922"/>
+      </p:ext>
+    </p:extLst>
+  </p:cSld>
+  <p:clrMapOvr>
+    <a:masterClrMapping/>
+  </p:clrMapOvr>
+</p:sld>
+</file>
+
+<file path=ppt/slides/slide2.xml><?xml version="1.0" encoding="utf-8"?>
+<p:sld xmlns:a="http://schemas.openxmlformats.org/drawingml/2006/main" xmlns:r="http://schemas.openxmlformats.org/officeDocument/2006/relationships" xmlns:p="http://schemas.openxmlformats.org/presentationml/2006/main">
+  <p:cSld>
+    <p:spTree>
+      <p:nvGrpSpPr>
+        <p:cNvPr id="1" name=""/>
+        <p:cNvGrpSpPr/>
+        <p:nvPr/>
+      </p:nvGrpSpPr>
+      <p:grpSpPr>
+        <a:xfrm>
+          <a:off x="0" y="0"/>
+          <a:ext cx="0" cy="0"/>
+          <a:chOff x="0" y="0"/>
+          <a:chExt cx="0" cy="0"/>
+        </a:xfrm>
+      </p:grpSpPr>
+      <p:sp>
+        <p:nvSpPr>
+          <p:cNvPr id="2" name="Title 1">
+            <a:extLst>
+              <a:ext uri="{FF2B5EF4-FFF2-40B4-BE49-F238E27FC236}">
+                <a16:creationId xmlns:a16="http://schemas.microsoft.com/office/drawing/2014/main" id="{219D6532-4700-4D5A-ADC6-5B3F1F6A7A4C}"/>
+              </a:ext>
+            </a:extLst>
+          </p:cNvPr>
+          <p:cNvSpPr>
+            <a:spLocks noGrp="1"/>
+          </p:cNvSpPr>
+          <p:nvPr>
+            <p:ph type="title"/>
+          </p:nvPr>
+        </p:nvSpPr>
+        <p:spPr/>
+        <p:txBody>
+          <a:bodyPr/>
+          <a:lstStyle/>
+          <a:p>
+            <a:r>
+              <a:rPr lang="id-ID" dirty="0"/>
+              <a:t>List of Content</a:t>
+            </a:r>
+          </a:p>
+        </p:txBody>
+      </p:sp>
+      <p:sp>
+        <p:nvSpPr>
+          <p:cNvPr id="5" name="TextBox 4">
+            <a:extLst>
+              <a:ext uri="{FF2B5EF4-FFF2-40B4-BE49-F238E27FC236}">
+                <a16:creationId xmlns:a16="http://schemas.microsoft.com/office/drawing/2014/main" id="{9FC10D54-3643-4A45-B07D-0E391A648734}"/>
+              </a:ext>
+            </a:extLst>
+          </p:cNvPr>
+          <p:cNvSpPr txBox="1"/>
+          <p:nvPr/>
+        </p:nvSpPr>
+        <p:spPr>
+          <a:xfrm>
+            <a:off x="1020417" y="2551837"/>
+            <a:ext cx="9740348" cy="5355312"/>
+          </a:xfrm>
+          <a:prstGeom prst="rect">
+            <a:avLst/>
+          </a:prstGeom>
+          <a:noFill/>
+        </p:spPr>
+        <p:txBody>
+          <a:bodyPr wrap="square" rtlCol="0">
+            <a:spAutoFit/>
+          </a:bodyPr>
+          <a:lstStyle/>
+          <a:p>
+            <a:r>
+              <a:rPr lang="id-ID" dirty="0"/>
+              <a:t>List of Content</a:t>
+            </a:r>
+          </a:p>
+          <a:p>
+            <a:pPr marL="342900" indent="-342900">
+              <a:buFont typeface="+mj-lt"/>
+              <a:buAutoNum type="arabicPeriod"/>
+            </a:pPr>
+            <a:r>
+              <a:rPr lang="id-ID" dirty="0">
+                <a:hlinkClick r:id="rId2" action="ppaction://hlinksldjump"/>
+              </a:rPr>
+              <a:t>Work Plan</a:t>
+            </a:r>
+            <a:endParaRPr lang="id-ID" dirty="0"/>
+          </a:p>
+          <a:p>
+            <a:pPr marL="342900" indent="-342900">
+              <a:buFont typeface="+mj-lt"/>
+              <a:buAutoNum type="arabicPeriod"/>
+            </a:pPr>
+            <a:r>
+              <a:rPr lang="id-ID" dirty="0">
+                <a:hlinkClick r:id="rId3" action="ppaction://hlinksldjump"/>
+              </a:rPr>
+              <a:t>Work Division</a:t>
+            </a:r>
+            <a:endParaRPr lang="id-ID" dirty="0"/>
+          </a:p>
+          <a:p>
+            <a:pPr marL="342900" indent="-342900">
+              <a:buFont typeface="+mj-lt"/>
+              <a:buAutoNum type="arabicPeriod"/>
+            </a:pPr>
+            <a:r>
+              <a:rPr lang="id-ID" dirty="0">
+                <a:hlinkClick r:id="rId4" action="ppaction://hlinksldjump"/>
+              </a:rPr>
+              <a:t>Score Board</a:t>
+            </a:r>
+            <a:endParaRPr lang="id-ID" dirty="0"/>
+          </a:p>
+          <a:p>
+            <a:pPr marL="342900" indent="-342900">
+              <a:buFont typeface="+mj-lt"/>
+              <a:buAutoNum type="arabicPeriod"/>
+            </a:pPr>
+            <a:r>
+              <a:rPr lang="en-US" dirty="0">
+                <a:hlinkClick r:id="rId5" action="ppaction://hlinksldjump"/>
+              </a:rPr>
+              <a:t>B</a:t>
+            </a:r>
+            <a:r>
+              <a:rPr lang="id-ID" dirty="0">
+                <a:hlinkClick r:id="rId5" action="ppaction://hlinksldjump"/>
+              </a:rPr>
+              <a:t>rief</a:t>
+            </a:r>
+            <a:r>
+              <a:rPr lang="en-US" dirty="0">
+                <a:hlinkClick r:id="rId5" action="ppaction://hlinksldjump"/>
+              </a:rPr>
+              <a:t> D</a:t>
+            </a:r>
+            <a:r>
+              <a:rPr lang="id-ID" dirty="0">
+                <a:hlinkClick r:id="rId5" action="ppaction://hlinksldjump"/>
+              </a:rPr>
+              <a:t>escription</a:t>
+            </a:r>
+            <a:endParaRPr lang="id-ID" dirty="0"/>
+          </a:p>
+          <a:p>
+            <a:pPr marL="342900" indent="-342900">
+              <a:buFont typeface="+mj-lt"/>
+              <a:buAutoNum type="arabicPeriod"/>
+            </a:pPr>
+            <a:r>
+              <a:rPr lang="id-ID" dirty="0">
+                <a:hlinkClick r:id="rId6" action="ppaction://hlinksldjump"/>
+              </a:rPr>
+              <a:t>Layout</a:t>
+            </a:r>
+            <a:endParaRPr lang="id-ID" dirty="0"/>
+          </a:p>
+          <a:p>
+            <a:pPr marL="342900" indent="-342900">
+              <a:buFont typeface="+mj-lt"/>
+              <a:buAutoNum type="arabicPeriod"/>
+            </a:pPr>
+            <a:r>
+              <a:rPr lang="id-ID" dirty="0">
+                <a:hlinkClick r:id="rId7" action="ppaction://hlinksldjump"/>
+              </a:rPr>
+              <a:t>Colour &amp; Font</a:t>
+            </a:r>
+            <a:endParaRPr lang="id-ID" dirty="0"/>
+          </a:p>
+          <a:p>
+            <a:pPr marL="342900" indent="-342900">
+              <a:buFont typeface="+mj-lt"/>
+              <a:buAutoNum type="arabicPeriod"/>
+            </a:pPr>
+            <a:r>
+              <a:rPr lang="id-ID" dirty="0">
+                <a:hlinkClick r:id="rId8" action="ppaction://hlinksldjump"/>
+              </a:rPr>
+              <a:t>Icon</a:t>
+            </a:r>
+            <a:endParaRPr lang="id-ID" dirty="0"/>
+          </a:p>
+          <a:p>
+            <a:pPr marL="342900" indent="-342900">
+              <a:buFont typeface="+mj-lt"/>
+              <a:buAutoNum type="arabicPeriod"/>
+            </a:pPr>
+            <a:r>
+              <a:rPr lang="id-ID" dirty="0">
+                <a:hlinkClick r:id="rId9" action="ppaction://hlinksldjump"/>
+              </a:rPr>
+              <a:t>Functionalities</a:t>
+            </a:r>
+            <a:r>
+              <a:rPr lang="id-ID" dirty="0"/>
+              <a:t> </a:t>
+            </a:r>
+          </a:p>
+          <a:p>
+            <a:pPr marL="342900" indent="-342900">
+              <a:buFont typeface="+mj-lt"/>
+              <a:buAutoNum type="arabicPeriod"/>
+            </a:pPr>
+            <a:r>
+              <a:rPr lang="id-ID" dirty="0">
+                <a:hlinkClick r:id="rId10" action="ppaction://hlinksldjump"/>
+              </a:rPr>
+              <a:t>Project Structure</a:t>
+            </a:r>
+            <a:endParaRPr lang="id-ID" dirty="0">
+              <a:hlinkClick r:id="rId11" action="ppaction://hlinksldjump"/>
+            </a:endParaRPr>
+          </a:p>
+          <a:p>
+            <a:pPr marL="342900" indent="-342900">
+              <a:buFont typeface="+mj-lt"/>
+              <a:buAutoNum type="arabicPeriod"/>
+            </a:pPr>
+            <a:r>
+              <a:rPr lang="id-ID" dirty="0">
+                <a:hlinkClick r:id="rId12" action="ppaction://hlinksldjump"/>
+              </a:rPr>
+              <a:t>Java Packages</a:t>
+            </a:r>
+            <a:endParaRPr lang="id-ID" dirty="0"/>
+          </a:p>
+          <a:p>
+            <a:pPr marL="342900" indent="-342900">
+              <a:buFont typeface="+mj-lt"/>
+              <a:buAutoNum type="arabicPeriod"/>
+            </a:pPr>
+            <a:r>
+              <a:rPr lang="id-ID" altLang="id-ID" dirty="0">
+                <a:latin typeface="Calibri" panose="020F0502020204030204" pitchFamily="34" charset="0"/>
+                <a:ea typeface="Calibri" panose="020F0502020204030204" pitchFamily="34" charset="0"/>
+                <a:cs typeface="Times New Roman" panose="02020603050405020304" pitchFamily="18" charset="0"/>
+                <a:hlinkClick r:id="rId13" action="ppaction://hlinksldjump"/>
+              </a:rPr>
+              <a:t>Limitation consideration</a:t>
+            </a:r>
+            <a:endParaRPr lang="id-ID" dirty="0">
+              <a:hlinkClick r:id="rId11" action="ppaction://hlinksldjump"/>
+            </a:endParaRPr>
+          </a:p>
+          <a:p>
+            <a:pPr marL="342900" indent="-342900">
+              <a:buFont typeface="+mj-lt"/>
+              <a:buAutoNum type="arabicPeriod"/>
+            </a:pPr>
+            <a:r>
+              <a:rPr lang="id-ID" dirty="0">
+                <a:hlinkClick r:id="rId11" action="ppaction://hlinksldjump"/>
+              </a:rPr>
+              <a:t>Survei</a:t>
+            </a:r>
+            <a:endParaRPr lang="id-ID" dirty="0"/>
+          </a:p>
+          <a:p>
+            <a:pPr marL="342900" indent="-342900">
+              <a:buFont typeface="+mj-lt"/>
+              <a:buAutoNum type="arabicPeriod"/>
+            </a:pPr>
+            <a:r>
+              <a:rPr lang="id-ID" dirty="0">
+                <a:hlinkClick r:id="rId14" action="ppaction://hlinksldjump"/>
+              </a:rPr>
+              <a:t>T-Test</a:t>
+            </a:r>
+            <a:endParaRPr lang="id-ID" dirty="0"/>
+          </a:p>
+          <a:p>
+            <a:pPr marL="342900" indent="-342900">
+              <a:buFont typeface="+mj-lt"/>
+              <a:buAutoNum type="arabicPeriod"/>
+            </a:pPr>
+            <a:r>
+              <a:rPr lang="id-ID" dirty="0">
+                <a:hlinkClick r:id="rId15" action="ppaction://hlinksldjump"/>
+              </a:rPr>
+              <a:t>Anova&amp;Tukey</a:t>
+            </a:r>
+            <a:endParaRPr lang="id-ID" dirty="0"/>
+          </a:p>
+          <a:p>
+            <a:pPr marL="342900" indent="-342900">
+              <a:buFont typeface="+mj-lt"/>
+              <a:buAutoNum type="arabicPeriod"/>
+            </a:pPr>
+            <a:r>
+              <a:rPr lang="id-ID" dirty="0">
+                <a:hlinkClick r:id="rId16" action="ppaction://hlinksldjump"/>
+              </a:rPr>
+              <a:t>Github</a:t>
+            </a:r>
+            <a:endParaRPr lang="id-ID" dirty="0"/>
+          </a:p>
+          <a:p>
+            <a:pPr marL="342900" indent="-342900">
+              <a:buFont typeface="+mj-lt"/>
+              <a:buAutoNum type="arabicPeriod"/>
+            </a:pPr>
+            <a:endParaRPr lang="en-US" dirty="0"/>
+          </a:p>
+          <a:p>
+            <a:pPr marL="342900" indent="-342900">
+              <a:buFont typeface="+mj-lt"/>
+              <a:buAutoNum type="arabicPeriod"/>
+            </a:pPr>
+            <a:endParaRPr lang="id-ID" dirty="0">
+              <a:solidFill>
+                <a:schemeClr val="tx1">
+                  <a:lumMod val="65000"/>
+                  <a:lumOff val="35000"/>
+                </a:schemeClr>
+              </a:solidFill>
+            </a:endParaRPr>
+          </a:p>
+          <a:p>
+            <a:pPr marL="342900" indent="-342900">
+              <a:buFont typeface="+mj-lt"/>
+              <a:buAutoNum type="arabicPeriod"/>
+            </a:pPr>
+            <a:endParaRPr lang="id-ID" dirty="0">
+              <a:solidFill>
+                <a:schemeClr val="tx1">
+                  <a:lumMod val="65000"/>
+                  <a:lumOff val="35000"/>
+                </a:schemeClr>
+              </a:solidFill>
+            </a:endParaRPr>
+          </a:p>
+        </p:txBody>
+      </p:sp>
+    </p:spTree>
+    <p:extLst>
+      <p:ext uri="{BB962C8B-B14F-4D97-AF65-F5344CB8AC3E}">
+        <p14:creationId xmlns:p14="http://schemas.microsoft.com/office/powerpoint/2010/main" val="1754585986"/>
+      </p:ext>
+    </p:extLst>
+  </p:cSld>
+  <p:clrMapOvr>
+    <a:masterClrMapping/>
+  </p:clrMapOvr>
+</p:sld>
+</file>
+
+<file path=ppt/slides/slide20.xml><?xml version="1.0" encoding="utf-8"?>
+<p:sld xmlns:a="http://schemas.openxmlformats.org/drawingml/2006/main" xmlns:r="http://schemas.openxmlformats.org/officeDocument/2006/relationships" xmlns:p="http://schemas.openxmlformats.org/presentationml/2006/main">
+  <p:cSld>
+    <p:spTree>
+      <p:nvGrpSpPr>
+        <p:cNvPr id="1" name=""/>
+        <p:cNvGrpSpPr/>
+        <p:nvPr/>
+      </p:nvGrpSpPr>
+      <p:grpSpPr>
+        <a:xfrm>
+          <a:off x="0" y="0"/>
+          <a:ext cx="0" cy="0"/>
+          <a:chOff x="0" y="0"/>
+          <a:chExt cx="0" cy="0"/>
+        </a:xfrm>
+      </p:grpSpPr>
+      <p:sp>
+        <p:nvSpPr>
+          <p:cNvPr id="2" name="Title 1">
+            <a:extLst>
+              <a:ext uri="{FF2B5EF4-FFF2-40B4-BE49-F238E27FC236}">
+                <a16:creationId xmlns:a16="http://schemas.microsoft.com/office/drawing/2014/main" id="{E3834A61-20DF-4C6D-8C9B-D37CE2C6FCAA}"/>
+              </a:ext>
+            </a:extLst>
+          </p:cNvPr>
+          <p:cNvSpPr>
+            <a:spLocks noGrp="1"/>
+          </p:cNvSpPr>
+          <p:nvPr>
+            <p:ph type="title"/>
+          </p:nvPr>
+        </p:nvSpPr>
+        <p:spPr/>
+        <p:txBody>
+          <a:bodyPr/>
+          <a:lstStyle/>
+          <a:p>
+            <a:r>
+              <a:rPr lang="id-ID" b="1" dirty="0"/>
+              <a:t>Project Structure</a:t>
+            </a:r>
+            <a:endParaRPr lang="id-ID" dirty="0"/>
+          </a:p>
+        </p:txBody>
+      </p:sp>
+      <p:sp>
+        <p:nvSpPr>
+          <p:cNvPr id="3" name="Content Placeholder 2">
+            <a:extLst>
+              <a:ext uri="{FF2B5EF4-FFF2-40B4-BE49-F238E27FC236}">
+                <a16:creationId xmlns:a16="http://schemas.microsoft.com/office/drawing/2014/main" id="{6EC6662C-914C-483C-92D1-A32588CFF6B0}"/>
+              </a:ext>
+            </a:extLst>
+          </p:cNvPr>
+          <p:cNvSpPr>
+            <a:spLocks noGrp="1"/>
+          </p:cNvSpPr>
+          <p:nvPr>
+            <p:ph idx="1"/>
+          </p:nvPr>
+        </p:nvSpPr>
+        <p:spPr/>
+        <p:txBody>
+          <a:bodyPr>
+            <a:normAutofit fontScale="92500" lnSpcReduction="20000"/>
+          </a:bodyPr>
+          <a:lstStyle/>
+          <a:p>
+            <a:pPr lvl="0"/>
+            <a:r>
+              <a:rPr lang="id-ID" dirty="0"/>
+              <a:t>[Apps]/[src]/[main]/[res] - xml resources, drawables</a:t>
+            </a:r>
+          </a:p>
+          <a:p>
+            <a:pPr lvl="0"/>
+            <a:r>
+              <a:rPr lang="id-ID" dirty="0"/>
+              <a:t>[Apps]/[src]/[main]/AndroidManifest.xml - manifest file</a:t>
+            </a:r>
+          </a:p>
+          <a:p>
+            <a:pPr lvl="0"/>
+            <a:r>
+              <a:rPr lang="id-ID" dirty="0"/>
+              <a:t>[Apps]/build.gradle - main build script</a:t>
+            </a:r>
+          </a:p>
+          <a:p>
+            <a:pPr lvl="0"/>
+            <a:r>
+              <a:rPr lang="id-ID" dirty="0"/>
+              <a:t>.gitignore - Gitignore file</a:t>
+            </a:r>
+          </a:p>
+          <a:p>
+            <a:pPr lvl="0"/>
+            <a:r>
+              <a:rPr lang="id-ID" dirty="0"/>
+              <a:t>build.gradle - parent build script</a:t>
+            </a:r>
+          </a:p>
+          <a:p>
+            <a:pPr lvl="0"/>
+            <a:r>
+              <a:rPr lang="en-US" dirty="0" err="1"/>
+              <a:t>gradle.properties</a:t>
+            </a:r>
+            <a:r>
+              <a:rPr lang="en-US" dirty="0"/>
+              <a:t> - build script properties</a:t>
+            </a:r>
+            <a:endParaRPr lang="id-ID" dirty="0"/>
+          </a:p>
+          <a:p>
+            <a:pPr lvl="0"/>
+            <a:r>
+              <a:rPr lang="id-ID" dirty="0"/>
+              <a:t>gradlew - Gradle Wrapper (Unix)</a:t>
+            </a:r>
+          </a:p>
+          <a:p>
+            <a:pPr lvl="0"/>
+            <a:r>
+              <a:rPr lang="id-ID" dirty="0"/>
+              <a:t>gradlew.bat - Gradle Wrapper (Windows)</a:t>
+            </a:r>
+          </a:p>
+          <a:p>
+            <a:pPr lvl="0"/>
+            <a:r>
+              <a:rPr lang="en-US" dirty="0"/>
+              <a:t>README.md - readme file</a:t>
+            </a:r>
+            <a:endParaRPr lang="id-ID" dirty="0"/>
+          </a:p>
+          <a:p>
+            <a:pPr lvl="0"/>
+            <a:r>
+              <a:rPr lang="en-US" dirty="0" err="1"/>
+              <a:t>settings.gradle</a:t>
+            </a:r>
+            <a:r>
+              <a:rPr lang="en-US" dirty="0"/>
+              <a:t> - build settings containing list of modules</a:t>
+            </a:r>
+            <a:endParaRPr lang="id-ID" dirty="0"/>
+          </a:p>
+          <a:p>
+            <a:endParaRPr lang="id-ID" dirty="0"/>
+          </a:p>
+        </p:txBody>
+      </p:sp>
+      <p:sp>
+        <p:nvSpPr>
+          <p:cNvPr id="4" name="TextBox 3">
+            <a:extLst>
+              <a:ext uri="{FF2B5EF4-FFF2-40B4-BE49-F238E27FC236}">
+                <a16:creationId xmlns:a16="http://schemas.microsoft.com/office/drawing/2014/main" id="{0A03C271-865F-4A36-B2AF-C1CE7850EC13}"/>
+              </a:ext>
+            </a:extLst>
+          </p:cNvPr>
+          <p:cNvSpPr txBox="1"/>
+          <p:nvPr/>
+        </p:nvSpPr>
+        <p:spPr>
+          <a:xfrm>
+            <a:off x="11343861" y="6347791"/>
+            <a:ext cx="441146" cy="369332"/>
+          </a:xfrm>
+          <a:prstGeom prst="rect">
+            <a:avLst/>
+          </a:prstGeom>
+          <a:noFill/>
+        </p:spPr>
+        <p:txBody>
+          <a:bodyPr wrap="none" rtlCol="0">
+            <a:spAutoFit/>
+          </a:bodyPr>
+          <a:lstStyle/>
+          <a:p>
+            <a:r>
+              <a:rPr lang="id-ID" dirty="0"/>
+              <a:t>18</a:t>
+            </a:r>
+          </a:p>
+        </p:txBody>
+      </p:sp>
+    </p:spTree>
+    <p:extLst>
+      <p:ext uri="{BB962C8B-B14F-4D97-AF65-F5344CB8AC3E}">
+        <p14:creationId xmlns:p14="http://schemas.microsoft.com/office/powerpoint/2010/main" val="3252566083"/>
+      </p:ext>
+    </p:extLst>
+  </p:cSld>
+  <p:clrMapOvr>
+    <a:masterClrMapping/>
+  </p:clrMapOvr>
+</p:sld>
+</file>
+
+<file path=ppt/slides/slide21.xml><?xml version="1.0" encoding="utf-8"?>
+<p:sld xmlns:a="http://schemas.openxmlformats.org/drawingml/2006/main" xmlns:r="http://schemas.openxmlformats.org/officeDocument/2006/relationships" xmlns:p="http://schemas.openxmlformats.org/presentationml/2006/main">
+  <p:cSld>
+    <p:spTree>
+      <p:nvGrpSpPr>
+        <p:cNvPr id="1" name=""/>
+        <p:cNvGrpSpPr/>
+        <p:nvPr/>
+      </p:nvGrpSpPr>
+      <p:grpSpPr>
+        <a:xfrm>
+          <a:off x="0" y="0"/>
+          <a:ext cx="0" cy="0"/>
+          <a:chOff x="0" y="0"/>
+          <a:chExt cx="0" cy="0"/>
+        </a:xfrm>
+      </p:grpSpPr>
+      <p:sp>
+        <p:nvSpPr>
+          <p:cNvPr id="2" name="Title 1">
+            <a:extLst>
+              <a:ext uri="{FF2B5EF4-FFF2-40B4-BE49-F238E27FC236}">
+                <a16:creationId xmlns:a16="http://schemas.microsoft.com/office/drawing/2014/main" id="{1A290A9C-26E3-420C-B646-52E93AAF77FE}"/>
+              </a:ext>
+            </a:extLst>
+          </p:cNvPr>
+          <p:cNvSpPr>
+            <a:spLocks noGrp="1"/>
+          </p:cNvSpPr>
+          <p:nvPr>
+            <p:ph type="title"/>
+          </p:nvPr>
+        </p:nvSpPr>
+        <p:spPr/>
+        <p:txBody>
+          <a:bodyPr/>
+          <a:lstStyle/>
+          <a:p>
+            <a:r>
+              <a:rPr lang="id-ID" b="1" dirty="0"/>
+              <a:t>Java Packages</a:t>
+            </a:r>
+          </a:p>
+        </p:txBody>
+      </p:sp>
+      <p:sp>
+        <p:nvSpPr>
+          <p:cNvPr id="3" name="Content Placeholder 2">
+            <a:extLst>
+              <a:ext uri="{FF2B5EF4-FFF2-40B4-BE49-F238E27FC236}">
+                <a16:creationId xmlns:a16="http://schemas.microsoft.com/office/drawing/2014/main" id="{E2AB7F1C-CAE6-4EE0-BD9F-BDF733028540}"/>
+              </a:ext>
+            </a:extLst>
+          </p:cNvPr>
+          <p:cNvSpPr>
+            <a:spLocks noGrp="1"/>
+          </p:cNvSpPr>
+          <p:nvPr>
+            <p:ph idx="1"/>
+          </p:nvPr>
+        </p:nvSpPr>
+        <p:spPr/>
+        <p:txBody>
+          <a:bodyPr>
+            <a:normAutofit lnSpcReduction="10000"/>
+          </a:bodyPr>
+          <a:lstStyle/>
+          <a:p>
+            <a:pPr lvl="0"/>
+            <a:r>
+              <a:rPr lang="id-ID" dirty="0"/>
+              <a:t>com.example.williem.hciss.AddActivity </a:t>
+            </a:r>
+            <a:r>
+              <a:rPr lang="en-US" dirty="0"/>
+              <a:t>contains</a:t>
+            </a:r>
+            <a:r>
+              <a:rPr lang="id-ID" dirty="0"/>
+              <a:t> activity</a:t>
+            </a:r>
+          </a:p>
+          <a:p>
+            <a:pPr lvl="0"/>
+            <a:r>
+              <a:rPr lang="id-ID" dirty="0"/>
+              <a:t>com.example.williem.hciss.CalenderFragment –</a:t>
+            </a:r>
+            <a:r>
+              <a:rPr lang="en-US" dirty="0"/>
+              <a:t> contain</a:t>
+            </a:r>
+            <a:r>
+              <a:rPr lang="id-ID" dirty="0"/>
+              <a:t>s Calender class</a:t>
+            </a:r>
+          </a:p>
+          <a:p>
+            <a:pPr lvl="0"/>
+            <a:r>
+              <a:rPr lang="id-ID" dirty="0"/>
+              <a:t>com.example.williem.hciss.DatabaseHelper -</a:t>
+            </a:r>
+            <a:r>
+              <a:rPr lang="en-US" dirty="0"/>
+              <a:t>contain</a:t>
+            </a:r>
+            <a:r>
+              <a:rPr lang="id-ID" dirty="0"/>
+              <a:t>s database Sqlite class</a:t>
+            </a:r>
+          </a:p>
+          <a:p>
+            <a:pPr lvl="0"/>
+            <a:r>
+              <a:rPr lang="id-ID" dirty="0"/>
+              <a:t>com.example.williem.hciss.EditActivity- contain EditText Activity class </a:t>
+            </a:r>
+          </a:p>
+          <a:p>
+            <a:pPr lvl="0"/>
+            <a:r>
+              <a:rPr lang="id-ID" dirty="0"/>
+              <a:t>com.example.williem.hciss.ExpenseFragment -c</a:t>
+            </a:r>
+            <a:r>
+              <a:rPr lang="en-US" dirty="0" err="1"/>
+              <a:t>ontains</a:t>
+            </a:r>
+            <a:r>
+              <a:rPr lang="id-ID" dirty="0"/>
+              <a:t> fragment class</a:t>
+            </a:r>
+          </a:p>
+          <a:p>
+            <a:pPr lvl="0"/>
+            <a:r>
+              <a:rPr lang="id-ID" dirty="0"/>
+              <a:t>com.example.williem.hciss.MainActivity -</a:t>
+            </a:r>
+            <a:r>
+              <a:rPr lang="en-US" dirty="0"/>
+              <a:t>contains application class and main config class</a:t>
+            </a:r>
+            <a:endParaRPr lang="id-ID" dirty="0"/>
+          </a:p>
+          <a:p>
+            <a:pPr lvl="0"/>
+            <a:r>
+              <a:rPr lang="id-ID" dirty="0"/>
+              <a:t>com.example.williem.hciss.ToDoCursorAdapter -</a:t>
+            </a:r>
+            <a:r>
+              <a:rPr lang="en-US" dirty="0"/>
+              <a:t> contain</a:t>
+            </a:r>
+            <a:r>
+              <a:rPr lang="id-ID" dirty="0"/>
+              <a:t>s Cursor for To Do Adapter</a:t>
+            </a:r>
+          </a:p>
+          <a:p>
+            <a:endParaRPr lang="id-ID" dirty="0"/>
+          </a:p>
+        </p:txBody>
+      </p:sp>
+      <p:sp>
+        <p:nvSpPr>
+          <p:cNvPr id="4" name="TextBox 3">
+            <a:extLst>
+              <a:ext uri="{FF2B5EF4-FFF2-40B4-BE49-F238E27FC236}">
+                <a16:creationId xmlns:a16="http://schemas.microsoft.com/office/drawing/2014/main" id="{2596FC3C-2BA4-4627-B184-4794CF600718}"/>
+              </a:ext>
+            </a:extLst>
+          </p:cNvPr>
+          <p:cNvSpPr txBox="1"/>
+          <p:nvPr/>
+        </p:nvSpPr>
+        <p:spPr>
+          <a:xfrm>
+            <a:off x="11343861" y="6347791"/>
+            <a:ext cx="441146" cy="369332"/>
+          </a:xfrm>
+          <a:prstGeom prst="rect">
+            <a:avLst/>
+          </a:prstGeom>
+          <a:noFill/>
+        </p:spPr>
+        <p:txBody>
+          <a:bodyPr wrap="none" rtlCol="0">
+            <a:spAutoFit/>
+          </a:bodyPr>
+          <a:lstStyle/>
+          <a:p>
+            <a:r>
+              <a:rPr lang="id-ID" dirty="0"/>
+              <a:t>19</a:t>
+            </a:r>
+          </a:p>
+        </p:txBody>
+      </p:sp>
+    </p:spTree>
+    <p:extLst>
+      <p:ext uri="{BB962C8B-B14F-4D97-AF65-F5344CB8AC3E}">
+        <p14:creationId xmlns:p14="http://schemas.microsoft.com/office/powerpoint/2010/main" val="1598840719"/>
+      </p:ext>
+    </p:extLst>
+  </p:cSld>
+  <p:clrMapOvr>
+    <a:masterClrMapping/>
+  </p:clrMapOvr>
+</p:sld>
+</file>
+
+<file path=ppt/slides/slide22.xml><?xml version="1.0" encoding="utf-8"?>
+<p:sld xmlns:a="http://schemas.openxmlformats.org/drawingml/2006/main" xmlns:r="http://schemas.openxmlformats.org/officeDocument/2006/relationships" xmlns:p="http://schemas.openxmlformats.org/presentationml/2006/main">
+  <p:cSld>
+    <p:spTree>
+      <p:nvGrpSpPr>
+        <p:cNvPr id="1" name=""/>
+        <p:cNvGrpSpPr/>
+        <p:nvPr/>
+      </p:nvGrpSpPr>
+      <p:grpSpPr>
+        <a:xfrm>
+          <a:off x="0" y="0"/>
+          <a:ext cx="0" cy="0"/>
+          <a:chOff x="0" y="0"/>
+          <a:chExt cx="0" cy="0"/>
+        </a:xfrm>
+      </p:grpSpPr>
+      <p:sp>
+        <p:nvSpPr>
+          <p:cNvPr id="2" name="Title 1">
+            <a:extLst>
+              <a:ext uri="{FF2B5EF4-FFF2-40B4-BE49-F238E27FC236}">
+                <a16:creationId xmlns:a16="http://schemas.microsoft.com/office/drawing/2014/main" id="{9AE47852-E577-4E49-A0AB-C3D2308DD0F4}"/>
+              </a:ext>
+            </a:extLst>
+          </p:cNvPr>
+          <p:cNvSpPr>
+            <a:spLocks noGrp="1"/>
+          </p:cNvSpPr>
+          <p:nvPr>
+            <p:ph type="title"/>
+          </p:nvPr>
+        </p:nvSpPr>
+        <p:spPr/>
+        <p:txBody>
+          <a:bodyPr/>
+          <a:lstStyle/>
+          <a:p>
+            <a:r>
+              <a:rPr lang="id-ID" altLang="id-ID" b="1" dirty="0">
+                <a:solidFill>
+                  <a:schemeClr val="bg1"/>
+                </a:solidFill>
+                <a:latin typeface="Calibri" panose="020F0502020204030204" pitchFamily="34" charset="0"/>
+                <a:ea typeface="Calibri" panose="020F0502020204030204" pitchFamily="34" charset="0"/>
+                <a:cs typeface="Times New Roman" panose="02020603050405020304" pitchFamily="18" charset="0"/>
+              </a:rPr>
+              <a:t>Limitation consideration</a:t>
+            </a:r>
+            <a:endParaRPr lang="id-ID" dirty="0">
+              <a:solidFill>
+                <a:schemeClr val="bg1"/>
+              </a:solidFill>
+            </a:endParaRPr>
+          </a:p>
+        </p:txBody>
+      </p:sp>
+      <p:sp>
+        <p:nvSpPr>
+          <p:cNvPr id="6" name="Rectangle 5">
+            <a:extLst>
+              <a:ext uri="{FF2B5EF4-FFF2-40B4-BE49-F238E27FC236}">
+                <a16:creationId xmlns:a16="http://schemas.microsoft.com/office/drawing/2014/main" id="{7654F455-5066-43F9-9306-7038E6588E64}"/>
+              </a:ext>
+            </a:extLst>
+          </p:cNvPr>
+          <p:cNvSpPr>
+            <a:spLocks noChangeArrowheads="1"/>
+          </p:cNvSpPr>
+          <p:nvPr/>
+        </p:nvSpPr>
+        <p:spPr bwMode="auto">
+          <a:xfrm>
+            <a:off x="995928" y="2216715"/>
+            <a:ext cx="8747908" cy="830997"/>
+          </a:xfrm>
+          <a:prstGeom prst="rect">
+            <a:avLst/>
+          </a:prstGeom>
+          <a:noFill/>
+          <a:ln>
+            <a:noFill/>
+          </a:ln>
+          <a:effectLst/>
+          <a:extLst>
+            <a:ext uri="{909E8E84-426E-40DD-AFC4-6F175D3DCCD1}">
+              <a14:hiddenFill xmlns:a14="http://schemas.microsoft.com/office/drawing/2010/main">
+                <a:solidFill>
+                  <a:schemeClr val="accent1"/>
+                </a:solidFill>
+              </a14:hiddenFill>
+            </a:ext>
+            <a:ext uri="{91240B29-F687-4F45-9708-019B960494DF}">
+              <a14:hiddenLine xmlns:a14="http://schemas.microsoft.com/office/drawing/2010/main" w="9525">
+                <a:solidFill>
+                  <a:schemeClr val="tx1"/>
+                </a:solidFill>
+                <a:miter lim="800000"/>
+                <a:headEnd/>
+                <a:tailEnd/>
+              </a14:hiddenLine>
+            </a:ext>
+            <a:ext uri="{AF507438-7753-43E0-B8FC-AC1667EBCBE1}">
+              <a14:hiddenEffects xmlns:a14="http://schemas.microsoft.com/office/drawing/2010/main">
+                <a:effectLst>
+                  <a:outerShdw dist="35921" dir="2700000" algn="ctr" rotWithShape="0">
+                    <a:schemeClr val="bg2"/>
+                  </a:outerShdw>
+                </a:effectLst>
+              </a14:hiddenEffects>
+            </a:ext>
+          </a:extLst>
+        </p:spPr>
+        <p:txBody>
+          <a:bodyPr vert="horz" wrap="none" lIns="91440" tIns="45720" rIns="91440" bIns="45720" numCol="1" anchor="ctr" anchorCtr="0" compatLnSpc="1">
+            <a:prstTxWarp prst="textNoShape">
+              <a:avLst/>
+            </a:prstTxWarp>
+            <a:spAutoFit/>
+          </a:bodyPr>
+          <a:lstStyle>
+            <a:lvl1pPr eaLnBrk="0" fontAlgn="base" hangingPunct="0">
+              <a:spcBef>
+                <a:spcPct val="0"/>
+              </a:spcBef>
+              <a:spcAft>
+                <a:spcPct val="0"/>
+              </a:spcAft>
+              <a:defRPr>
+                <a:solidFill>
+                  <a:schemeClr val="tx1"/>
+                </a:solidFill>
+                <a:latin typeface="Arial" panose="020B0604020202020204" pitchFamily="34" charset="0"/>
+              </a:defRPr>
+            </a:lvl1pPr>
+            <a:lvl2pPr eaLnBrk="0" fontAlgn="base" hangingPunct="0">
+              <a:spcBef>
+                <a:spcPct val="0"/>
+              </a:spcBef>
+              <a:spcAft>
+                <a:spcPct val="0"/>
+              </a:spcAft>
+              <a:defRPr>
+                <a:solidFill>
+                  <a:schemeClr val="tx1"/>
+                </a:solidFill>
+                <a:latin typeface="Arial" panose="020B0604020202020204" pitchFamily="34" charset="0"/>
+              </a:defRPr>
+            </a:lvl2pPr>
+            <a:lvl3pPr eaLnBrk="0" fontAlgn="base" hangingPunct="0">
+              <a:spcBef>
+                <a:spcPct val="0"/>
+              </a:spcBef>
+              <a:spcAft>
+                <a:spcPct val="0"/>
+              </a:spcAft>
+              <a:defRPr>
+                <a:solidFill>
+                  <a:schemeClr val="tx1"/>
+                </a:solidFill>
+                <a:latin typeface="Arial" panose="020B0604020202020204" pitchFamily="34" charset="0"/>
+              </a:defRPr>
+            </a:lvl3pPr>
+            <a:lvl4pPr eaLnBrk="0" fontAlgn="base" hangingPunct="0">
+              <a:spcBef>
+                <a:spcPct val="0"/>
+              </a:spcBef>
+              <a:spcAft>
+                <a:spcPct val="0"/>
+              </a:spcAft>
+              <a:defRPr>
+                <a:solidFill>
+                  <a:schemeClr val="tx1"/>
+                </a:solidFill>
+                <a:latin typeface="Arial" panose="020B0604020202020204" pitchFamily="34" charset="0"/>
+              </a:defRPr>
+            </a:lvl4pPr>
+            <a:lvl5pPr eaLnBrk="0" fontAlgn="base" hangingPunct="0">
+              <a:spcBef>
+                <a:spcPct val="0"/>
+              </a:spcBef>
+              <a:spcAft>
+                <a:spcPct val="0"/>
+              </a:spcAft>
+              <a:defRPr>
+                <a:solidFill>
+                  <a:schemeClr val="tx1"/>
+                </a:solidFill>
+                <a:latin typeface="Arial" panose="020B0604020202020204" pitchFamily="34" charset="0"/>
+              </a:defRPr>
+            </a:lvl5pPr>
+            <a:lvl6pPr eaLnBrk="0" fontAlgn="base" hangingPunct="0">
+              <a:spcBef>
+                <a:spcPct val="0"/>
+              </a:spcBef>
+              <a:spcAft>
+                <a:spcPct val="0"/>
+              </a:spcAft>
+              <a:defRPr>
+                <a:solidFill>
+                  <a:schemeClr val="tx1"/>
+                </a:solidFill>
+                <a:latin typeface="Arial" panose="020B0604020202020204" pitchFamily="34" charset="0"/>
+              </a:defRPr>
+            </a:lvl6pPr>
+            <a:lvl7pPr eaLnBrk="0" fontAlgn="base" hangingPunct="0">
+              <a:spcBef>
+                <a:spcPct val="0"/>
+              </a:spcBef>
+              <a:spcAft>
+                <a:spcPct val="0"/>
+              </a:spcAft>
+              <a:defRPr>
+                <a:solidFill>
+                  <a:schemeClr val="tx1"/>
+                </a:solidFill>
+                <a:latin typeface="Arial" panose="020B0604020202020204" pitchFamily="34" charset="0"/>
+              </a:defRPr>
+            </a:lvl7pPr>
+            <a:lvl8pPr eaLnBrk="0" fontAlgn="base" hangingPunct="0">
+              <a:spcBef>
+                <a:spcPct val="0"/>
+              </a:spcBef>
+              <a:spcAft>
+                <a:spcPct val="0"/>
+              </a:spcAft>
+              <a:defRPr>
+                <a:solidFill>
+                  <a:schemeClr val="tx1"/>
+                </a:solidFill>
+                <a:latin typeface="Arial" panose="020B0604020202020204" pitchFamily="34" charset="0"/>
+              </a:defRPr>
+            </a:lvl8pPr>
+            <a:lvl9pPr eaLnBrk="0" fontAlgn="base" hangingPunct="0">
+              <a:spcBef>
+                <a:spcPct val="0"/>
+              </a:spcBef>
+              <a:spcAft>
+                <a:spcPct val="0"/>
+              </a:spcAft>
+              <a:defRPr>
+                <a:solidFill>
+                  <a:schemeClr val="tx1"/>
+                </a:solidFill>
+                <a:latin typeface="Arial" panose="020B0604020202020204" pitchFamily="34" charset="0"/>
+              </a:defRPr>
+            </a:lvl9pPr>
+          </a:lstStyle>
+          <a:p>
+            <a:pPr marL="0" marR="0" lvl="0" indent="0" algn="l" defTabSz="914400" rtl="0" eaLnBrk="0" fontAlgn="base" latinLnBrk="0" hangingPunct="0">
+              <a:lnSpc>
+                <a:spcPct val="100000"/>
+              </a:lnSpc>
+              <a:spcBef>
+                <a:spcPct val="0"/>
+              </a:spcBef>
+              <a:spcAft>
+                <a:spcPct val="0"/>
+              </a:spcAft>
+              <a:buClrTx/>
+              <a:buSzTx/>
+              <a:buFontTx/>
+              <a:buChar char="•"/>
+              <a:tabLst/>
+            </a:pPr>
+            <a:r>
+              <a:rPr kumimoji="0" lang="en-US" altLang="id-ID" sz="1000" b="0" i="0" u="none" strike="noStrike" cap="none" normalizeH="0" baseline="0" dirty="0">
+                <a:ln>
+                  <a:noFill/>
+                </a:ln>
+                <a:solidFill>
+                  <a:schemeClr val="tx1"/>
+                </a:solidFill>
+                <a:effectLst/>
+                <a:latin typeface="Verdana" panose="020B0604030504040204" pitchFamily="34" charset="0"/>
+                <a:ea typeface="Times New Roman" panose="02020603050405020304" pitchFamily="18" charset="0"/>
+                <a:cs typeface="Times New Roman" panose="02020603050405020304" pitchFamily="18" charset="0"/>
+              </a:rPr>
+              <a:t>Only Using </a:t>
+            </a:r>
+            <a:r>
+              <a:rPr kumimoji="0" lang="en-US" altLang="id-ID" sz="1000" b="0" i="0" u="none" strike="noStrike" cap="none" normalizeH="0" baseline="0" dirty="0" err="1">
+                <a:ln>
+                  <a:noFill/>
+                </a:ln>
+                <a:solidFill>
+                  <a:schemeClr val="tx1"/>
+                </a:solidFill>
+                <a:effectLst/>
+                <a:latin typeface="Verdana" panose="020B0604030504040204" pitchFamily="34" charset="0"/>
+                <a:ea typeface="Times New Roman" panose="02020603050405020304" pitchFamily="18" charset="0"/>
+                <a:cs typeface="Times New Roman" panose="02020603050405020304" pitchFamily="18" charset="0"/>
+              </a:rPr>
+              <a:t>Sqlite</a:t>
+            </a:r>
+            <a:r>
+              <a:rPr kumimoji="0" lang="en-US" altLang="id-ID" sz="1000" b="0" i="0" u="none" strike="noStrike" cap="none" normalizeH="0" baseline="0" dirty="0">
+                <a:ln>
+                  <a:noFill/>
+                </a:ln>
+                <a:solidFill>
+                  <a:schemeClr val="tx1"/>
+                </a:solidFill>
+                <a:effectLst/>
+                <a:latin typeface="Verdana" panose="020B0604030504040204" pitchFamily="34" charset="0"/>
+                <a:ea typeface="Times New Roman" panose="02020603050405020304" pitchFamily="18" charset="0"/>
+                <a:cs typeface="Times New Roman" panose="02020603050405020304" pitchFamily="18" charset="0"/>
+              </a:rPr>
+              <a:t> for Database and SQL connection.</a:t>
+            </a:r>
+            <a:endParaRPr kumimoji="0" lang="id-ID" altLang="id-ID" sz="1100" b="0" i="0" u="none" strike="noStrike" cap="none" normalizeH="0" baseline="0" dirty="0">
+              <a:ln>
+                <a:noFill/>
+              </a:ln>
+              <a:solidFill>
+                <a:schemeClr val="tx1"/>
+              </a:solidFill>
+              <a:effectLst/>
+            </a:endParaRPr>
+          </a:p>
+          <a:p>
+            <a:pPr marL="0" marR="0" lvl="0" indent="0" algn="l" defTabSz="914400" rtl="0" eaLnBrk="0" fontAlgn="base" latinLnBrk="0" hangingPunct="0">
+              <a:lnSpc>
+                <a:spcPct val="100000"/>
+              </a:lnSpc>
+              <a:spcBef>
+                <a:spcPct val="0"/>
+              </a:spcBef>
+              <a:spcAft>
+                <a:spcPct val="0"/>
+              </a:spcAft>
+              <a:buClrTx/>
+              <a:buSzTx/>
+              <a:buFontTx/>
+              <a:buNone/>
+              <a:tabLst/>
+            </a:pPr>
+            <a:r>
+              <a:rPr kumimoji="0" lang="en-US" altLang="id-ID" sz="1000" b="0" i="0" u="none" strike="noStrike" cap="none" normalizeH="0" baseline="0" dirty="0">
+                <a:ln>
+                  <a:noFill/>
+                </a:ln>
+                <a:solidFill>
+                  <a:schemeClr val="tx1"/>
+                </a:solidFill>
+                <a:effectLst/>
+                <a:latin typeface="Verdana" panose="020B0604030504040204" pitchFamily="34" charset="0"/>
+                <a:ea typeface="Times New Roman" panose="02020603050405020304" pitchFamily="18" charset="0"/>
+                <a:cs typeface="Times New Roman" panose="02020603050405020304" pitchFamily="18" charset="0"/>
+              </a:rPr>
+              <a:t>First we use </a:t>
+            </a:r>
+            <a:r>
+              <a:rPr kumimoji="0" lang="en-US" altLang="id-ID" sz="1000" b="0" i="0" u="none" strike="noStrike" cap="none" normalizeH="0" baseline="0" dirty="0" err="1">
+                <a:ln>
+                  <a:noFill/>
+                </a:ln>
+                <a:solidFill>
+                  <a:schemeClr val="tx1"/>
+                </a:solidFill>
+                <a:effectLst/>
+                <a:latin typeface="Verdana" panose="020B0604030504040204" pitchFamily="34" charset="0"/>
+                <a:ea typeface="Times New Roman" panose="02020603050405020304" pitchFamily="18" charset="0"/>
+                <a:cs typeface="Times New Roman" panose="02020603050405020304" pitchFamily="18" charset="0"/>
+              </a:rPr>
+              <a:t>Xampp</a:t>
+            </a:r>
+            <a:r>
+              <a:rPr kumimoji="0" lang="en-US" altLang="id-ID" sz="1000" b="0" i="0" u="none" strike="noStrike" cap="none" normalizeH="0" baseline="0" dirty="0">
+                <a:ln>
+                  <a:noFill/>
+                </a:ln>
+                <a:solidFill>
+                  <a:schemeClr val="tx1"/>
+                </a:solidFill>
+                <a:effectLst/>
+                <a:latin typeface="Verdana" panose="020B0604030504040204" pitchFamily="34" charset="0"/>
+                <a:ea typeface="Times New Roman" panose="02020603050405020304" pitchFamily="18" charset="0"/>
+                <a:cs typeface="Times New Roman" panose="02020603050405020304" pitchFamily="18" charset="0"/>
+              </a:rPr>
+              <a:t> as our Database Connection for our Android Studio but we found that, we Cannot Connect The Database server</a:t>
+            </a:r>
+            <a:endParaRPr kumimoji="0" lang="id-ID" altLang="id-ID" sz="1100" b="0" i="0" u="none" strike="noStrike" cap="none" normalizeH="0" baseline="0" dirty="0">
+              <a:ln>
+                <a:noFill/>
+              </a:ln>
+              <a:solidFill>
+                <a:schemeClr val="tx1"/>
+              </a:solidFill>
+              <a:effectLst/>
+            </a:endParaRPr>
+          </a:p>
+          <a:p>
+            <a:pPr marL="0" marR="0" lvl="0" indent="0" algn="l" defTabSz="914400" rtl="0" eaLnBrk="0" fontAlgn="base" latinLnBrk="0" hangingPunct="0">
+              <a:lnSpc>
+                <a:spcPct val="100000"/>
+              </a:lnSpc>
+              <a:spcBef>
+                <a:spcPct val="0"/>
+              </a:spcBef>
+              <a:spcAft>
+                <a:spcPct val="0"/>
+              </a:spcAft>
+              <a:buClrTx/>
+              <a:buSzTx/>
+              <a:buFontTx/>
+              <a:buNone/>
+              <a:tabLst/>
+            </a:pPr>
+            <a:r>
+              <a:rPr kumimoji="0" lang="en-US" altLang="id-ID" sz="1000" b="0" i="0" u="none" strike="noStrike" cap="none" normalizeH="0" baseline="0" dirty="0">
+                <a:ln>
+                  <a:noFill/>
+                </a:ln>
+                <a:solidFill>
+                  <a:schemeClr val="tx1"/>
+                </a:solidFill>
+                <a:effectLst/>
+                <a:latin typeface="Verdana" panose="020B0604030504040204" pitchFamily="34" charset="0"/>
+                <a:ea typeface="Times New Roman" panose="02020603050405020304" pitchFamily="18" charset="0"/>
+                <a:cs typeface="Times New Roman" panose="02020603050405020304" pitchFamily="18" charset="0"/>
+              </a:rPr>
+              <a:t>Solve: </a:t>
+            </a:r>
+            <a:r>
+              <a:rPr kumimoji="0" lang="id-ID" altLang="id-ID" sz="1000" b="0" i="0" u="none" strike="noStrike" cap="none" normalizeH="0" baseline="0" dirty="0">
+                <a:ln>
+                  <a:noFill/>
+                </a:ln>
+                <a:solidFill>
+                  <a:schemeClr val="tx1"/>
+                </a:solidFill>
+                <a:effectLst/>
+                <a:latin typeface="Verdana" panose="020B0604030504040204" pitchFamily="34" charset="0"/>
+                <a:ea typeface="Times New Roman" panose="02020603050405020304" pitchFamily="18" charset="0"/>
+                <a:cs typeface="Times New Roman" panose="02020603050405020304" pitchFamily="18" charset="0"/>
+              </a:rPr>
+              <a:t>[2]</a:t>
+            </a:r>
+            <a:r>
+              <a:rPr kumimoji="0" lang="en-US" altLang="id-ID" sz="1000" b="0" i="0" u="none" strike="noStrike" cap="none" normalizeH="0" baseline="0" dirty="0">
+                <a:ln>
+                  <a:noFill/>
+                </a:ln>
+                <a:solidFill>
+                  <a:schemeClr val="tx1"/>
+                </a:solidFill>
+                <a:effectLst/>
+                <a:latin typeface="Verdana" panose="020B0604030504040204" pitchFamily="34" charset="0"/>
+                <a:ea typeface="Times New Roman" panose="02020603050405020304" pitchFamily="18" charset="0"/>
+                <a:cs typeface="Times New Roman" panose="02020603050405020304" pitchFamily="18" charset="0"/>
+              </a:rPr>
+              <a:t>Using </a:t>
+            </a:r>
+            <a:r>
+              <a:rPr kumimoji="0" lang="en-US" altLang="id-ID" sz="1000" b="0" i="0" u="none" strike="noStrike" cap="none" normalizeH="0" baseline="0" dirty="0" err="1">
+                <a:ln>
+                  <a:noFill/>
+                </a:ln>
+                <a:solidFill>
+                  <a:schemeClr val="tx1"/>
+                </a:solidFill>
+                <a:effectLst/>
+                <a:latin typeface="Verdana" panose="020B0604030504040204" pitchFamily="34" charset="0"/>
+                <a:ea typeface="Times New Roman" panose="02020603050405020304" pitchFamily="18" charset="0"/>
+                <a:cs typeface="Times New Roman" panose="02020603050405020304" pitchFamily="18" charset="0"/>
+              </a:rPr>
+              <a:t>SqLite</a:t>
+            </a:r>
+            <a:r>
+              <a:rPr kumimoji="0" lang="en-US" altLang="id-ID" sz="1000" b="0" i="0" u="none" strike="noStrike" cap="none" normalizeH="0" baseline="0" dirty="0">
+                <a:ln>
+                  <a:noFill/>
+                </a:ln>
+                <a:solidFill>
+                  <a:schemeClr val="tx1"/>
+                </a:solidFill>
+                <a:effectLst/>
+                <a:latin typeface="Verdana" panose="020B0604030504040204" pitchFamily="34" charset="0"/>
+                <a:ea typeface="Times New Roman" panose="02020603050405020304" pitchFamily="18" charset="0"/>
+                <a:cs typeface="Times New Roman" panose="02020603050405020304" pitchFamily="18" charset="0"/>
+              </a:rPr>
+              <a:t> for Database for SQL connection by add the table</a:t>
+            </a:r>
+            <a:endParaRPr kumimoji="0" lang="id-ID" altLang="id-ID" sz="1100" b="0" i="0" u="none" strike="noStrike" cap="none" normalizeH="0" baseline="0" dirty="0">
+              <a:ln>
+                <a:noFill/>
+              </a:ln>
+              <a:solidFill>
+                <a:schemeClr val="tx1"/>
+              </a:solidFill>
+              <a:effectLst/>
+            </a:endParaRPr>
+          </a:p>
+          <a:p>
+            <a:pPr marL="0" marR="0" lvl="0" indent="0" algn="l" defTabSz="914400" rtl="0" eaLnBrk="0" fontAlgn="base" latinLnBrk="0" hangingPunct="0">
+              <a:lnSpc>
+                <a:spcPct val="100000"/>
+              </a:lnSpc>
+              <a:spcBef>
+                <a:spcPct val="0"/>
+              </a:spcBef>
+              <a:spcAft>
+                <a:spcPct val="0"/>
+              </a:spcAft>
+              <a:buClrTx/>
+              <a:buSzTx/>
+              <a:buFontTx/>
+              <a:buNone/>
+              <a:tabLst/>
+            </a:pPr>
+            <a:endParaRPr kumimoji="0" lang="id-ID" altLang="id-ID" sz="1800" b="0" i="0" u="none" strike="noStrike" cap="none" normalizeH="0" baseline="0" dirty="0">
+              <a:ln>
+                <a:noFill/>
+              </a:ln>
+              <a:solidFill>
+                <a:schemeClr val="tx1"/>
+              </a:solidFill>
+              <a:effectLst/>
+              <a:latin typeface="Arial" panose="020B0604020202020204" pitchFamily="34" charset="0"/>
+            </a:endParaRPr>
+          </a:p>
+        </p:txBody>
+      </p:sp>
+      <p:pic>
+        <p:nvPicPr>
+          <p:cNvPr id="1028" name="Picture 1">
+            <a:extLst>
+              <a:ext uri="{FF2B5EF4-FFF2-40B4-BE49-F238E27FC236}">
+                <a16:creationId xmlns:a16="http://schemas.microsoft.com/office/drawing/2014/main" id="{1842694B-3716-44A1-95C1-4376D293F84E}"/>
+              </a:ext>
+            </a:extLst>
+          </p:cNvPr>
+          <p:cNvPicPr>
+            <a:picLocks noChangeAspect="1" noChangeArrowheads="1"/>
+          </p:cNvPicPr>
+          <p:nvPr/>
+        </p:nvPicPr>
+        <p:blipFill>
+          <a:blip r:embed="rId2">
+            <a:extLst>
+              <a:ext uri="{28A0092B-C50C-407E-A947-70E740481C1C}">
+                <a14:useLocalDpi xmlns:a14="http://schemas.microsoft.com/office/drawing/2010/main" val="0"/>
+              </a:ext>
+            </a:extLst>
+          </a:blip>
+          <a:srcRect/>
+          <a:stretch>
+            <a:fillRect/>
+          </a:stretch>
+        </p:blipFill>
+        <p:spPr bwMode="auto">
+          <a:xfrm>
+            <a:off x="1154954" y="2994990"/>
+            <a:ext cx="5734050" cy="3405809"/>
+          </a:xfrm>
+          <a:prstGeom prst="rect">
+            <a:avLst/>
+          </a:prstGeom>
+          <a:noFill/>
+          <a:extLst>
+            <a:ext uri="{909E8E84-426E-40DD-AFC4-6F175D3DCCD1}">
+              <a14:hiddenFill xmlns:a14="http://schemas.microsoft.com/office/drawing/2010/main">
+                <a:solidFill>
+                  <a:srgbClr val="FFFFFF"/>
+                </a:solidFill>
+              </a14:hiddenFill>
+            </a:ext>
+          </a:extLst>
+        </p:spPr>
+      </p:pic>
+      <p:sp>
+        <p:nvSpPr>
+          <p:cNvPr id="7" name="Rectangle 6">
+            <a:extLst>
+              <a:ext uri="{FF2B5EF4-FFF2-40B4-BE49-F238E27FC236}">
+                <a16:creationId xmlns:a16="http://schemas.microsoft.com/office/drawing/2014/main" id="{5EDE8B93-F67A-46BE-B1FE-84C73606F75B}"/>
+              </a:ext>
+            </a:extLst>
+          </p:cNvPr>
+          <p:cNvSpPr>
+            <a:spLocks noChangeArrowheads="1"/>
+          </p:cNvSpPr>
+          <p:nvPr/>
+        </p:nvSpPr>
+        <p:spPr bwMode="auto">
+          <a:xfrm>
+            <a:off x="1154954" y="6400800"/>
+            <a:ext cx="12192000" cy="457200"/>
+          </a:xfrm>
+          <a:prstGeom prst="rect">
+            <a:avLst/>
+          </a:prstGeom>
+          <a:noFill/>
+          <a:ln>
+            <a:noFill/>
+          </a:ln>
+          <a:effectLst/>
+          <a:extLst>
+            <a:ext uri="{909E8E84-426E-40DD-AFC4-6F175D3DCCD1}">
+              <a14:hiddenFill xmlns:a14="http://schemas.microsoft.com/office/drawing/2010/main">
+                <a:solidFill>
+                  <a:schemeClr val="accent1"/>
+                </a:solidFill>
+              </a14:hiddenFill>
+            </a:ext>
+            <a:ext uri="{91240B29-F687-4F45-9708-019B960494DF}">
+              <a14:hiddenLine xmlns:a14="http://schemas.microsoft.com/office/drawing/2010/main" w="9525">
+                <a:solidFill>
+                  <a:schemeClr val="tx1"/>
+                </a:solidFill>
+                <a:miter lim="800000"/>
+                <a:headEnd/>
+                <a:tailEnd/>
+              </a14:hiddenLine>
+            </a:ext>
+            <a:ext uri="{AF507438-7753-43E0-B8FC-AC1667EBCBE1}">
+              <a14:hiddenEffects xmlns:a14="http://schemas.microsoft.com/office/drawing/2010/main">
+                <a:effectLst>
+                  <a:outerShdw dist="35921" dir="2700000" algn="ctr" rotWithShape="0">
+                    <a:schemeClr val="bg2"/>
+                  </a:outerShdw>
+                </a:effectLst>
+              </a14:hiddenEffects>
+            </a:ext>
+          </a:extLst>
+        </p:spPr>
+        <p:txBody>
+          <a:bodyPr vert="horz" wrap="none" lIns="91440" tIns="45720" rIns="91440" bIns="45720" numCol="1" anchor="ctr" anchorCtr="0" compatLnSpc="1">
+            <a:prstTxWarp prst="textNoShape">
+              <a:avLst/>
+            </a:prstTxWarp>
+            <a:spAutoFit/>
+          </a:bodyPr>
+          <a:lstStyle/>
+          <a:p>
+            <a:pPr marL="0" marR="0" lvl="0" indent="0" algn="l" defTabSz="914400" rtl="0" eaLnBrk="0" fontAlgn="base" latinLnBrk="0" hangingPunct="0">
+              <a:lnSpc>
+                <a:spcPct val="100000"/>
+              </a:lnSpc>
+              <a:spcBef>
+                <a:spcPct val="0"/>
+              </a:spcBef>
+              <a:spcAft>
+                <a:spcPct val="0"/>
+              </a:spcAft>
+              <a:buClrTx/>
+              <a:buSzTx/>
+              <a:buFontTx/>
+              <a:buNone/>
+              <a:tabLst/>
+            </a:pPr>
+            <a:r>
+              <a:rPr kumimoji="0" lang="id-ID" altLang="id-ID" sz="1100" b="0" i="0" u="none" strike="noStrike" cap="none" normalizeH="0" baseline="0">
+                <a:ln>
+                  <a:noFill/>
+                </a:ln>
+                <a:solidFill>
+                  <a:schemeClr val="tx1"/>
+                </a:solidFill>
+                <a:effectLst/>
+                <a:latin typeface="Calibri" panose="020F0502020204030204" pitchFamily="34" charset="0"/>
+                <a:ea typeface="Calibri" panose="020F0502020204030204" pitchFamily="34" charset="0"/>
+                <a:cs typeface="Times New Roman" panose="02020603050405020304" pitchFamily="18" charset="0"/>
+              </a:rPr>
+              <a:t>We Create the Table using Create Table() Function if the Sqlite object is called and We can add the data using AddData() function</a:t>
+            </a:r>
+            <a:endParaRPr kumimoji="0" lang="id-ID" altLang="id-ID" sz="1800" b="0" i="0" u="none" strike="noStrike" cap="none" normalizeH="0" baseline="0">
+              <a:ln>
+                <a:noFill/>
+              </a:ln>
+              <a:solidFill>
+                <a:schemeClr val="tx1"/>
+              </a:solidFill>
+              <a:effectLst/>
+              <a:latin typeface="Arial" panose="020B0604020202020204" pitchFamily="34" charset="0"/>
+            </a:endParaRPr>
+          </a:p>
+        </p:txBody>
+      </p:sp>
+      <p:sp>
+        <p:nvSpPr>
+          <p:cNvPr id="8" name="TextBox 7">
+            <a:extLst>
+              <a:ext uri="{FF2B5EF4-FFF2-40B4-BE49-F238E27FC236}">
+                <a16:creationId xmlns:a16="http://schemas.microsoft.com/office/drawing/2014/main" id="{4A867F43-61C7-4FBB-A937-EBE3A81D5BE4}"/>
+              </a:ext>
+            </a:extLst>
+          </p:cNvPr>
+          <p:cNvSpPr txBox="1"/>
+          <p:nvPr/>
+        </p:nvSpPr>
+        <p:spPr>
+          <a:xfrm>
+            <a:off x="11343861" y="6347791"/>
+            <a:ext cx="441146" cy="369332"/>
+          </a:xfrm>
+          <a:prstGeom prst="rect">
+            <a:avLst/>
+          </a:prstGeom>
+          <a:noFill/>
+        </p:spPr>
+        <p:txBody>
+          <a:bodyPr wrap="none" rtlCol="0">
+            <a:spAutoFit/>
+          </a:bodyPr>
+          <a:lstStyle/>
+          <a:p>
+            <a:r>
+              <a:rPr lang="id-ID" dirty="0"/>
+              <a:t>20</a:t>
+            </a:r>
+          </a:p>
+        </p:txBody>
+      </p:sp>
+    </p:spTree>
+    <p:extLst>
+      <p:ext uri="{BB962C8B-B14F-4D97-AF65-F5344CB8AC3E}">
+        <p14:creationId xmlns:p14="http://schemas.microsoft.com/office/powerpoint/2010/main" val="338274064"/>
+      </p:ext>
+    </p:extLst>
+  </p:cSld>
+  <p:clrMapOvr>
+    <a:masterClrMapping/>
+  </p:clrMapOvr>
+</p:sld>
+</file>
+
+<file path=ppt/slides/slide23.xml><?xml version="1.0" encoding="utf-8"?>
 <p:sld xmlns:a="http://schemas.openxmlformats.org/drawingml/2006/main" xmlns:r="http://schemas.openxmlformats.org/officeDocument/2006/relationships" xmlns:p="http://schemas.openxmlformats.org/presentationml/2006/main">
   <p:cSld>
     <p:spTree>
@@ -14468,15 +17645,11 @@
           <a:lstStyle/>
           <a:p>
             <a:r>
-              <a:rPr lang="id-ID" b="1" dirty="0" smtClean="0"/>
+              <a:rPr lang="id-ID" b="1" dirty="0"/>
               <a:t>Survey Before The Program has been Created</a:t>
             </a:r>
-            <a:r>
-              <a:rPr lang="id-ID" dirty="0" smtClean="0"/>
-              <a:t/>
-            </a:r>
             <a:br>
-              <a:rPr lang="id-ID" dirty="0" smtClean="0"/>
+              <a:rPr lang="id-ID" dirty="0"/>
             </a:br>
             <a:endParaRPr lang="id-ID" dirty="0"/>
           </a:p>
@@ -14503,186 +17676,158 @@
               <a:buNone/>
             </a:pPr>
             <a:r>
-              <a:rPr lang="id-ID" dirty="0" smtClean="0"/>
+              <a:rPr lang="id-ID" dirty="0"/>
               <a:t>Question:</a:t>
             </a:r>
           </a:p>
           <a:p>
             <a:r>
-              <a:rPr lang="id-ID" dirty="0" smtClean="0"/>
-              <a:t>"</a:t>
-            </a:r>
-            <a:r>
-              <a:rPr lang="id-ID" dirty="0" smtClean="0"/>
-              <a:t>Sebutkan nama anda</a:t>
-            </a:r>
-            <a:r>
-              <a:rPr lang="id-ID" dirty="0" smtClean="0"/>
-              <a:t>:",</a:t>
-            </a:r>
-          </a:p>
-          <a:p>
-            <a:r>
-              <a:rPr lang="id-ID" dirty="0" smtClean="0"/>
-              <a:t>"</a:t>
-            </a:r>
-            <a:r>
-              <a:rPr lang="id-ID" dirty="0" smtClean="0"/>
-              <a:t>Apakah anda pengguna Android atau Ios</a:t>
-            </a:r>
-            <a:r>
-              <a:rPr lang="id-ID" dirty="0" smtClean="0"/>
-              <a:t>?",</a:t>
-            </a:r>
-          </a:p>
-          <a:p>
-            <a:r>
-              <a:rPr lang="id-ID" dirty="0" smtClean="0"/>
-              <a:t>"</a:t>
-            </a:r>
-            <a:r>
-              <a:rPr lang="id-ID" dirty="0" smtClean="0"/>
-              <a:t>Apakah sebelumnya anda pernah menggunakan aplikasi budgeting? </a:t>
-            </a:r>
-            <a:r>
-              <a:rPr lang="id-ID" dirty="0" smtClean="0"/>
-              <a:t>",</a:t>
-            </a:r>
-          </a:p>
-          <a:p>
-            <a:r>
-              <a:rPr lang="id-ID" dirty="0" smtClean="0"/>
-              <a:t>"</a:t>
-            </a:r>
-            <a:r>
-              <a:rPr lang="id-ID" dirty="0" smtClean="0"/>
-              <a:t>Apakah sebelumnya anda pernah menggunakan aplikasi budgeting dalam smartphone anda? </a:t>
-            </a:r>
-            <a:r>
-              <a:rPr lang="id-ID" dirty="0" smtClean="0"/>
-              <a:t>",</a:t>
-            </a:r>
-          </a:p>
-          <a:p>
-            <a:r>
-              <a:rPr lang="id-ID" dirty="0" smtClean="0"/>
-              <a:t>"</a:t>
-            </a:r>
-            <a:r>
-              <a:rPr lang="id-ID" dirty="0" smtClean="0"/>
-              <a:t>Menurut anda, seberapa pentingkah menggunakan aplikasi budgeting dalam smartphone anda dalam kehidupan sehari-hari</a:t>
-            </a:r>
-            <a:r>
-              <a:rPr lang="id-ID" dirty="0" smtClean="0"/>
-              <a:t>?",</a:t>
-            </a:r>
-          </a:p>
-          <a:p>
-            <a:r>
-              <a:rPr lang="id-ID" dirty="0" smtClean="0"/>
-              <a:t>"</a:t>
-            </a:r>
-            <a:r>
-              <a:rPr lang="id-ID" dirty="0" smtClean="0"/>
-              <a:t>Apakah sebelumnya anda pernah mengetahui  tentang fitur-fitur yang ada dalam aplikasi budgeting</a:t>
-            </a:r>
-            <a:r>
-              <a:rPr lang="id-ID" dirty="0" smtClean="0"/>
-              <a:t>?",</a:t>
-            </a:r>
-          </a:p>
-          <a:p>
-            <a:r>
-              <a:rPr lang="id-ID" dirty="0" smtClean="0"/>
-              <a:t>"</a:t>
-            </a:r>
-            <a:r>
-              <a:rPr lang="id-ID" dirty="0" smtClean="0"/>
-              <a:t>Dari 4 fitur dibawah ini, fitur manakah yang sebelumnya pernah anda ketahui</a:t>
-            </a:r>
-            <a:r>
-              <a:rPr lang="id-ID" dirty="0" smtClean="0"/>
-              <a:t>?",</a:t>
-            </a:r>
-          </a:p>
-          <a:p>
-            <a:r>
-              <a:rPr lang="id-ID" dirty="0" smtClean="0"/>
-              <a:t>"Menurut </a:t>
-            </a:r>
-            <a:r>
-              <a:rPr lang="id-ID" dirty="0" smtClean="0"/>
-              <a:t>anda dari skala 1 sampai 10, berapa nilai untuk fitur Income Money untuk ada dalam aplikasi kami</a:t>
-            </a:r>
-            <a:r>
-              <a:rPr lang="id-ID" dirty="0" smtClean="0"/>
-              <a:t>:",</a:t>
-            </a:r>
-          </a:p>
-          <a:p>
-            <a:r>
-              <a:rPr lang="id-ID" dirty="0" smtClean="0"/>
-              <a:t>"</a:t>
-            </a:r>
-            <a:r>
-              <a:rPr lang="id-ID" dirty="0" smtClean="0"/>
-              <a:t>Menurut anda dari skala 1 sampai 10, berapa nilai untuk fitur Expense Money untuk ada dalam aplikasi kami</a:t>
-            </a:r>
-            <a:r>
-              <a:rPr lang="id-ID" dirty="0" smtClean="0"/>
-              <a:t>:",</a:t>
-            </a:r>
-          </a:p>
-          <a:p>
-            <a:r>
-              <a:rPr lang="id-ID" dirty="0" smtClean="0"/>
-              <a:t>"</a:t>
-            </a:r>
-            <a:r>
-              <a:rPr lang="id-ID" dirty="0" smtClean="0"/>
-              <a:t>Menurut anda dari skala 1 sampai 10, berapa nilai untuk fitur Graph untuk ada dalam aplikasi kami</a:t>
-            </a:r>
-            <a:r>
-              <a:rPr lang="id-ID" dirty="0" smtClean="0"/>
-              <a:t>:",</a:t>
-            </a:r>
-          </a:p>
-          <a:p>
-            <a:r>
-              <a:rPr lang="id-ID" dirty="0" smtClean="0"/>
-              <a:t>"</a:t>
-            </a:r>
-            <a:r>
-              <a:rPr lang="id-ID" dirty="0" smtClean="0"/>
-              <a:t>Menurut anda dari skala 1 sampai 10, berapa nilai untuk fitur Schedule &amp; Resource untuk ada dalam aplikasi kami</a:t>
-            </a:r>
-            <a:r>
-              <a:rPr lang="id-ID" dirty="0" smtClean="0"/>
-              <a:t>:",</a:t>
-            </a:r>
-          </a:p>
-          <a:p>
-            <a:r>
-              <a:rPr lang="id-ID" dirty="0" smtClean="0"/>
-              <a:t>"</a:t>
-            </a:r>
-            <a:r>
-              <a:rPr lang="id-ID" dirty="0" smtClean="0"/>
-              <a:t>Dari 4 fitur yang ingin kelompok kami buat untuk aplikasi budgeting, menurut anda fitur mana yang paling anda minati untuk aplikasi budgeting</a:t>
-            </a:r>
-            <a:r>
-              <a:rPr lang="id-ID" dirty="0" smtClean="0"/>
-              <a:t>?",</a:t>
-            </a:r>
-          </a:p>
-          <a:p>
-            <a:r>
-              <a:rPr lang="id-ID" dirty="0" smtClean="0"/>
-              <a:t>"</a:t>
-            </a:r>
-            <a:r>
-              <a:rPr lang="id-ID" dirty="0" smtClean="0"/>
-              <a:t>Kritik dan saran mengenai fitur dalam aplikasi budgeting:"</a:t>
+              <a:rPr lang="id-ID" dirty="0"/>
+              <a:t>"Sebutkan nama anda:",</a:t>
+            </a:r>
+          </a:p>
+          <a:p>
+            <a:r>
+              <a:rPr lang="id-ID" dirty="0"/>
+              <a:t>"Apakah anda pengguna Android atau Ios?",</a:t>
+            </a:r>
+          </a:p>
+          <a:p>
+            <a:r>
+              <a:rPr lang="id-ID" dirty="0"/>
+              <a:t>"Apakah sebelumnya anda pernah menggunakan aplikasi budgeting? ",</a:t>
+            </a:r>
+          </a:p>
+          <a:p>
+            <a:r>
+              <a:rPr lang="id-ID" dirty="0"/>
+              <a:t>"Apakah sebelumnya anda pernah menggunakan aplikasi budgeting dalam smartphone anda? ",</a:t>
+            </a:r>
+          </a:p>
+          <a:p>
+            <a:r>
+              <a:rPr lang="id-ID" dirty="0"/>
+              <a:t>"Menurut anda, seberapa pentingkah menggunakan aplikasi budgeting dalam smartphone anda dalam kehidupan sehari-hari?",</a:t>
+            </a:r>
+          </a:p>
+          <a:p>
+            <a:r>
+              <a:rPr lang="id-ID" dirty="0"/>
+              <a:t>"Apakah sebelumnya anda pernah mengetahui  tentang fitur-fitur yang ada dalam aplikasi budgeting?",</a:t>
+            </a:r>
+          </a:p>
+          <a:p>
+            <a:r>
+              <a:rPr lang="id-ID" dirty="0"/>
+              <a:t>"Dari 4 fitur dibawah ini, fitur manakah yang sebelumnya pernah anda ketahui?",</a:t>
+            </a:r>
+          </a:p>
+          <a:p>
+            <a:r>
+              <a:rPr lang="id-ID" dirty="0"/>
+              <a:t>"Menurut anda dari skala 1 sampai 10, berapa nilai untuk fitur Income Money untuk ada dalam aplikasi kami:",</a:t>
+            </a:r>
+          </a:p>
+          <a:p>
+            <a:r>
+              <a:rPr lang="id-ID" dirty="0"/>
+              <a:t>"Menurut anda dari skala 1 sampai 10, berapa nilai untuk fitur Expense Money untuk ada dalam aplikasi kami:",</a:t>
+            </a:r>
+          </a:p>
+          <a:p>
+            <a:r>
+              <a:rPr lang="id-ID" dirty="0"/>
+              <a:t>"Menurut anda dari skala 1 sampai 10, berapa nilai untuk fitur Graph untuk ada dalam aplikasi kami:",</a:t>
+            </a:r>
+          </a:p>
+          <a:p>
+            <a:r>
+              <a:rPr lang="id-ID" dirty="0"/>
+              <a:t>"Menurut anda dari skala 1 sampai 10, berapa nilai untuk fitur Schedule &amp; Resource untuk ada dalam aplikasi kami:",</a:t>
+            </a:r>
+          </a:p>
+          <a:p>
+            <a:r>
+              <a:rPr lang="id-ID" dirty="0"/>
+              <a:t>"Dari 4 fitur yang ingin kelompok kami buat untuk aplikasi budgeting, menurut anda fitur mana yang paling anda minati untuk aplikasi budgeting?",</a:t>
+            </a:r>
+          </a:p>
+          <a:p>
+            <a:r>
+              <a:rPr lang="id-ID" dirty="0"/>
+              <a:t>"Kritik dan saran mengenai fitur dalam aplikasi budgeting:"</a:t>
+            </a:r>
+          </a:p>
+        </p:txBody>
+      </p:sp>
+      <p:sp>
+        <p:nvSpPr>
+          <p:cNvPr id="4" name="TextBox 3">
+            <a:extLst>
+              <a:ext uri="{FF2B5EF4-FFF2-40B4-BE49-F238E27FC236}">
+                <a16:creationId xmlns:a16="http://schemas.microsoft.com/office/drawing/2014/main" id="{C729C563-EE59-44A6-8963-43A7030EC70B}"/>
+              </a:ext>
+            </a:extLst>
+          </p:cNvPr>
+          <p:cNvSpPr txBox="1"/>
+          <p:nvPr/>
+        </p:nvSpPr>
+        <p:spPr>
+          <a:xfrm>
+            <a:off x="11343861" y="6347791"/>
+            <a:ext cx="441146" cy="369332"/>
+          </a:xfrm>
+          <a:prstGeom prst="rect">
+            <a:avLst/>
+          </a:prstGeom>
+          <a:noFill/>
+        </p:spPr>
+        <p:txBody>
+          <a:bodyPr wrap="none" rtlCol="0">
+            <a:spAutoFit/>
+          </a:bodyPr>
+          <a:lstStyle/>
+          <a:p>
+            <a:r>
+              <a:rPr lang="id-ID" dirty="0"/>
+              <a:t>21</a:t>
+            </a:r>
+          </a:p>
+        </p:txBody>
+      </p:sp>
+      <p:sp>
+        <p:nvSpPr>
+          <p:cNvPr id="5" name="TextBox 4">
+            <a:extLst>
+              <a:ext uri="{FF2B5EF4-FFF2-40B4-BE49-F238E27FC236}">
+                <a16:creationId xmlns:a16="http://schemas.microsoft.com/office/drawing/2014/main" id="{6CEF4332-E7FE-41BC-815A-F8CD798E301C}"/>
+              </a:ext>
+            </a:extLst>
+          </p:cNvPr>
+          <p:cNvSpPr txBox="1"/>
+          <p:nvPr/>
+        </p:nvSpPr>
+        <p:spPr>
+          <a:xfrm>
+            <a:off x="1085682" y="2234168"/>
+            <a:ext cx="604653" cy="369332"/>
+          </a:xfrm>
+          <a:prstGeom prst="rect">
+            <a:avLst/>
+          </a:prstGeom>
+          <a:noFill/>
+        </p:spPr>
+        <p:txBody>
+          <a:bodyPr wrap="none" rtlCol="0">
+            <a:spAutoFit/>
+          </a:bodyPr>
+          <a:lstStyle/>
+          <a:p>
+            <a:r>
+              <a:rPr lang="id-ID" dirty="0">
+                <a:hlinkClick r:id="rId2" action="ppaction://hlinksldjump"/>
+              </a:rPr>
+              <a:t>[14]</a:t>
             </a:r>
             <a:endParaRPr lang="id-ID" dirty="0"/>
           </a:p>
@@ -14696,7 +17841,7 @@
 </p:sld>
 </file>
 
-<file path=ppt/slides/slide14.xml><?xml version="1.0" encoding="utf-8"?>
+<file path=ppt/slides/slide24.xml><?xml version="1.0" encoding="utf-8"?>
 <p:sld xmlns:a="http://schemas.openxmlformats.org/drawingml/2006/main" xmlns:r="http://schemas.openxmlformats.org/officeDocument/2006/relationships" xmlns:p="http://schemas.openxmlformats.org/presentationml/2006/main">
   <p:cSld>
     <p:spTree>
@@ -14729,7 +17874,7 @@
           <a:lstStyle/>
           <a:p>
             <a:r>
-              <a:rPr lang="id-ID" b="1" dirty="0" smtClean="0"/>
+              <a:rPr lang="id-ID" b="1" dirty="0"/>
               <a:t>Survey Before The Program has been Created</a:t>
             </a:r>
             <a:endParaRPr lang="id-ID" dirty="0"/>
@@ -14757,42 +17902,38 @@
               <a:buNone/>
             </a:pPr>
             <a:r>
-              <a:rPr lang="id-ID" dirty="0" smtClean="0"/>
+              <a:rPr lang="id-ID" dirty="0"/>
               <a:t>Answer:</a:t>
             </a:r>
           </a:p>
           <a:p>
             <a:r>
-              <a:rPr lang="id-ID" dirty="0" smtClean="0"/>
+              <a:rPr lang="id-ID" dirty="0"/>
               <a:t>- "Yan Kristian","Android","Ya","Ya","4","Ya","Fitur Income Money","8","9","7","8","Fitur Schedule &amp; Resource","Buatlah fitur yang lebih simple agar dapat lebih mudah digunakan" </a:t>
             </a:r>
           </a:p>
           <a:p>
             <a:r>
-              <a:rPr lang="id-ID" dirty="0" smtClean="0"/>
+              <a:rPr lang="id-ID" dirty="0"/>
               <a:t>- "Jordy Christopher","Android","Tidak","Tidak","3","Tidak","Tidak Ada","6","7","5","7","Fitur Expense Money","Bagus untuk ditingkatkan lebih lanjut lagi. Tambahkan banyak fitur yang belum ada sebelumnya."</a:t>
             </a:r>
           </a:p>
           <a:p>
             <a:r>
-              <a:rPr lang="id-ID" dirty="0" smtClean="0"/>
+              <a:rPr lang="id-ID" dirty="0"/>
               <a:t>- "Stevan","Android","Ya","Ya","5","Ya","Fitur Expense Money","9","9","10","8","Fitur Graph","Graph menurut saya dapat lebih mudah dipahami"</a:t>
             </a:r>
           </a:p>
           <a:p>
             <a:r>
-              <a:rPr lang="id-ID" dirty="0" smtClean="0"/>
+              <a:rPr lang="id-ID" dirty="0"/>
               <a:t>- "Michael Suryajaya","Android","Tidak","Tidak","2","Tidak","Tidak tau","6","6","9","8","Fitur Graph","Sudah bagus.Dapat dikembangkan lebih baik lagi"</a:t>
             </a:r>
           </a:p>
           <a:p>
             <a:r>
-              <a:rPr lang="id-ID" dirty="0" smtClean="0"/>
-              <a:t>- "Nico Timothy","Android","Ya","Ya","5","Ya","Fitur Expense Money","9","8","9","9","Fitur Expense Money","Dalam aplikasi budgeting, akan lebih baik apabila ditambahkan fitur </a:t>
-            </a:r>
-            <a:r>
-              <a:rPr lang="id-ID" dirty="0" smtClean="0"/>
-              <a:t>printout“</a:t>
+              <a:rPr lang="id-ID" dirty="0"/>
+              <a:t>- "Nico Timothy","Android","Ya","Ya","5","Ya","Fitur Expense Money","9","8","9","9","Fitur Expense Money","Dalam aplikasi budgeting, akan lebih baik apabila ditambahkan fitur printout“</a:t>
             </a:r>
           </a:p>
           <a:p>
@@ -14800,11 +17941,11 @@
               <a:buNone/>
             </a:pPr>
             <a:r>
-              <a:rPr lang="id-ID" b="1" dirty="0" smtClean="0"/>
+              <a:rPr lang="id-ID" b="1" dirty="0"/>
               <a:t>Link: </a:t>
             </a:r>
             <a:r>
-              <a:rPr lang="id-ID" dirty="0" smtClean="0"/>
+              <a:rPr lang="id-ID" dirty="0"/>
               <a:t>https://goo.gl/forms/WG8W0iyBPim7w7if2</a:t>
             </a:r>
           </a:p>
@@ -14813,6 +17954,41 @@
               <a:buNone/>
             </a:pPr>
             <a:endParaRPr lang="id-ID" dirty="0"/>
+          </a:p>
+        </p:txBody>
+      </p:sp>
+      <p:sp>
+        <p:nvSpPr>
+          <p:cNvPr id="4" name="TextBox 3">
+            <a:extLst>
+              <a:ext uri="{FF2B5EF4-FFF2-40B4-BE49-F238E27FC236}">
+                <a16:creationId xmlns:a16="http://schemas.microsoft.com/office/drawing/2014/main" id="{7CBAE97D-2C26-4157-948B-F67FDAD117C7}"/>
+              </a:ext>
+            </a:extLst>
+          </p:cNvPr>
+          <p:cNvSpPr txBox="1"/>
+          <p:nvPr/>
+        </p:nvSpPr>
+        <p:spPr>
+          <a:xfrm>
+            <a:off x="11343861" y="6347791"/>
+            <a:ext cx="441146" cy="369332"/>
+          </a:xfrm>
+          <a:prstGeom prst="rect">
+            <a:avLst/>
+          </a:prstGeom>
+          <a:noFill/>
+        </p:spPr>
+        <p:txBody>
+          <a:bodyPr wrap="none" rtlCol="0">
+            <a:spAutoFit/>
+          </a:bodyPr>
+          <a:lstStyle/>
+          <a:p>
+            <a:r>
+              <a:rPr lang="id-ID" dirty="0"/>
+              <a:t>22</a:t>
+            </a:r>
           </a:p>
         </p:txBody>
       </p:sp>
@@ -14824,7 +18000,7 @@
 </p:sld>
 </file>
 
-<file path=ppt/slides/slide15.xml><?xml version="1.0" encoding="utf-8"?>
+<file path=ppt/slides/slide25.xml><?xml version="1.0" encoding="utf-8"?>
 <p:sld xmlns:a="http://schemas.openxmlformats.org/drawingml/2006/main" xmlns:r="http://schemas.openxmlformats.org/officeDocument/2006/relationships" xmlns:p="http://schemas.openxmlformats.org/presentationml/2006/main">
   <p:cSld>
     <p:spTree>
@@ -14857,7 +18033,7 @@
           <a:lstStyle/>
           <a:p>
             <a:r>
-              <a:rPr lang="id-ID" b="1" dirty="0" smtClean="0"/>
+              <a:rPr lang="id-ID" b="1" dirty="0"/>
               <a:t>Survey After The Program has been Created </a:t>
             </a:r>
             <a:endParaRPr lang="id-ID" dirty="0"/>
@@ -14877,7 +18053,7 @@
         <p:spPr/>
         <p:txBody>
           <a:bodyPr>
-            <a:normAutofit fontScale="85000" lnSpcReduction="10000"/>
+            <a:normAutofit fontScale="85000" lnSpcReduction="20000"/>
           </a:bodyPr>
           <a:lstStyle/>
           <a:p>
@@ -14885,120 +18061,95 @@
               <a:buNone/>
             </a:pPr>
             <a:r>
-              <a:rPr lang="id-ID" dirty="0" smtClean="0"/>
+              <a:rPr lang="id-ID" dirty="0"/>
               <a:t>Question:</a:t>
             </a:r>
           </a:p>
           <a:p>
             <a:r>
-              <a:rPr lang="id-ID" dirty="0" smtClean="0"/>
-              <a:t>"</a:t>
-            </a:r>
-            <a:r>
-              <a:rPr lang="id-ID" dirty="0" smtClean="0"/>
-              <a:t>Siapakah nama anda</a:t>
-            </a:r>
-            <a:r>
-              <a:rPr lang="id-ID" dirty="0" smtClean="0"/>
-              <a:t>?",</a:t>
-            </a:r>
-          </a:p>
-          <a:p>
-            <a:r>
-              <a:rPr lang="id-ID" dirty="0" smtClean="0"/>
-              <a:t>"</a:t>
-            </a:r>
-            <a:r>
-              <a:rPr lang="id-ID" dirty="0" smtClean="0"/>
-              <a:t>Bagaimana tanggapan anda mengenai aplikasi budgeting yang telah kami buat</a:t>
-            </a:r>
-            <a:r>
-              <a:rPr lang="id-ID" dirty="0" smtClean="0"/>
-              <a:t>?",</a:t>
-            </a:r>
-          </a:p>
-          <a:p>
-            <a:r>
-              <a:rPr lang="id-ID" dirty="0" smtClean="0"/>
-              <a:t>"</a:t>
-            </a:r>
-            <a:r>
-              <a:rPr lang="id-ID" dirty="0" smtClean="0"/>
-              <a:t>Berikan nilai anda mengenai manfaat fitur Income Money yang ada dalam aplikasi kami</a:t>
-            </a:r>
-            <a:r>
-              <a:rPr lang="id-ID" dirty="0" smtClean="0"/>
-              <a:t>:",</a:t>
-            </a:r>
-          </a:p>
-          <a:p>
-            <a:r>
-              <a:rPr lang="id-ID" dirty="0" smtClean="0"/>
-              <a:t>"</a:t>
-            </a:r>
-            <a:r>
-              <a:rPr lang="id-ID" dirty="0" smtClean="0"/>
-              <a:t>Berikan nilai anda mengenai manfaat fitur Expense Money yang ada dalam aplikasi kami</a:t>
-            </a:r>
-            <a:r>
-              <a:rPr lang="id-ID" dirty="0" smtClean="0"/>
-              <a:t>:",</a:t>
-            </a:r>
-          </a:p>
-          <a:p>
-            <a:r>
-              <a:rPr lang="id-ID" dirty="0" smtClean="0"/>
-              <a:t>"</a:t>
-            </a:r>
-            <a:r>
-              <a:rPr lang="id-ID" dirty="0" smtClean="0"/>
-              <a:t>Berikan nilai anda mengenai manfaat fitur Graph yang ada dalam aplikasi kami</a:t>
-            </a:r>
-            <a:r>
-              <a:rPr lang="id-ID" dirty="0" smtClean="0"/>
-              <a:t>:",</a:t>
-            </a:r>
-          </a:p>
-          <a:p>
-            <a:r>
-              <a:rPr lang="id-ID" dirty="0" smtClean="0"/>
-              <a:t>"</a:t>
-            </a:r>
-            <a:r>
-              <a:rPr lang="id-ID" dirty="0" smtClean="0"/>
-              <a:t>Berikan nilai anda mengenai manfaat fitur Schedule &amp; Resource yang ada dalam aplikasi kami</a:t>
-            </a:r>
-            <a:r>
-              <a:rPr lang="id-ID" dirty="0" smtClean="0"/>
-              <a:t>:",</a:t>
-            </a:r>
-          </a:p>
-          <a:p>
-            <a:r>
-              <a:rPr lang="id-ID" dirty="0" smtClean="0"/>
-              <a:t>"</a:t>
-            </a:r>
-            <a:r>
-              <a:rPr lang="id-ID" dirty="0" smtClean="0"/>
-              <a:t>Menurut anda dengan adanya fitur-fitur ini banyak membantu atau tidak</a:t>
-            </a:r>
-            <a:r>
-              <a:rPr lang="id-ID" dirty="0" smtClean="0"/>
-              <a:t>?",</a:t>
-            </a:r>
-          </a:p>
-          <a:p>
-            <a:r>
-              <a:rPr lang="id-ID" dirty="0" smtClean="0"/>
-              <a:t>"</a:t>
-            </a:r>
-            <a:r>
-              <a:rPr lang="id-ID" dirty="0" smtClean="0"/>
-              <a:t>Kritik dan saran mengenai program budgeting yang telah dibuat:" </a:t>
+              <a:rPr lang="id-ID" dirty="0"/>
+              <a:t>"Siapakah nama anda?",</a:t>
+            </a:r>
+          </a:p>
+          <a:p>
+            <a:r>
+              <a:rPr lang="id-ID" dirty="0"/>
+              <a:t>"Bagaimana tanggapan anda mengenai aplikasi budgeting yang telah kami buat?",</a:t>
+            </a:r>
+          </a:p>
+          <a:p>
+            <a:r>
+              <a:rPr lang="id-ID" dirty="0"/>
+              <a:t>"Berikan nilai anda mengenai manfaat fitur Income Money yang ada dalam aplikasi kami:",</a:t>
+            </a:r>
+          </a:p>
+          <a:p>
+            <a:r>
+              <a:rPr lang="id-ID" dirty="0"/>
+              <a:t>"Berikan nilai anda mengenai manfaat fitur Expense Money yang ada dalam aplikasi kami:",</a:t>
+            </a:r>
+          </a:p>
+          <a:p>
+            <a:r>
+              <a:rPr lang="id-ID" dirty="0"/>
+              <a:t>"Berikan nilai anda mengenai manfaat fitur Graph yang ada dalam aplikasi kami:",</a:t>
+            </a:r>
+          </a:p>
+          <a:p>
+            <a:r>
+              <a:rPr lang="id-ID" dirty="0"/>
+              <a:t>"Berikan nilai anda mengenai manfaat fitur Schedule &amp; Resource yang ada dalam aplikasi kami:",</a:t>
+            </a:r>
+          </a:p>
+          <a:p>
+            <a:r>
+              <a:rPr lang="id-ID" dirty="0"/>
+              <a:t>"Menurut anda dengan adanya fitur-fitur ini banyak membantu atau tidak?",</a:t>
+            </a:r>
+          </a:p>
+          <a:p>
+            <a:r>
+              <a:rPr lang="id-ID" dirty="0"/>
+              <a:t>"Kritik dan saran mengenai program budgeting yang telah dibuat:" </a:t>
             </a:r>
           </a:p>
           <a:p>
             <a:endParaRPr lang="id-ID" dirty="0"/>
+          </a:p>
+        </p:txBody>
+      </p:sp>
+      <p:sp>
+        <p:nvSpPr>
+          <p:cNvPr id="4" name="TextBox 3">
+            <a:extLst>
+              <a:ext uri="{FF2B5EF4-FFF2-40B4-BE49-F238E27FC236}">
+                <a16:creationId xmlns:a16="http://schemas.microsoft.com/office/drawing/2014/main" id="{4CDBB9CE-FC36-45C7-A7D1-1982FF1D6AC4}"/>
+              </a:ext>
+            </a:extLst>
+          </p:cNvPr>
+          <p:cNvSpPr txBox="1"/>
+          <p:nvPr/>
+        </p:nvSpPr>
+        <p:spPr>
+          <a:xfrm>
+            <a:off x="11343861" y="6347791"/>
+            <a:ext cx="441146" cy="369332"/>
+          </a:xfrm>
+          <a:prstGeom prst="rect">
+            <a:avLst/>
+          </a:prstGeom>
+          <a:noFill/>
+        </p:spPr>
+        <p:txBody>
+          <a:bodyPr wrap="none" rtlCol="0">
+            <a:spAutoFit/>
+          </a:bodyPr>
+          <a:lstStyle/>
+          <a:p>
+            <a:r>
+              <a:rPr lang="id-ID" dirty="0"/>
+              <a:t>23</a:t>
+            </a:r>
           </a:p>
         </p:txBody>
       </p:sp>
@@ -15010,7 +18161,7 @@
 </p:sld>
 </file>
 
-<file path=ppt/slides/slide16.xml><?xml version="1.0" encoding="utf-8"?>
+<file path=ppt/slides/slide26.xml><?xml version="1.0" encoding="utf-8"?>
 <p:sld xmlns:a="http://schemas.openxmlformats.org/drawingml/2006/main" xmlns:r="http://schemas.openxmlformats.org/officeDocument/2006/relationships" xmlns:p="http://schemas.openxmlformats.org/presentationml/2006/main">
   <p:cSld>
     <p:spTree>
@@ -15046,41 +18197,37 @@
               <a:buNone/>
             </a:pPr>
             <a:r>
-              <a:rPr lang="id-ID" dirty="0" smtClean="0"/>
+              <a:rPr lang="id-ID" dirty="0"/>
               <a:t>Answer:</a:t>
             </a:r>
           </a:p>
           <a:p>
             <a:r>
-              <a:rPr lang="id-ID" dirty="0" smtClean="0"/>
-              <a:t>-"</a:t>
-            </a:r>
-            <a:r>
-              <a:rPr lang="id-ID" dirty="0" smtClean="0"/>
-              <a:t>Yan Kristian","Baik","8","9","7","9","5","Sudah baik. tingkatkan lagi."</a:t>
-            </a:r>
-          </a:p>
-          <a:p>
-            <a:r>
-              <a:rPr lang="id-ID" dirty="0" smtClean="0"/>
+              <a:rPr lang="id-ID" dirty="0"/>
+              <a:t>-"Yan Kristian","Baik","8","9","7","9","5","Sudah baik. tingkatkan lagi."</a:t>
+            </a:r>
+          </a:p>
+          <a:p>
+            <a:r>
+              <a:rPr lang="id-ID" dirty="0"/>
               <a:t>- "Jordy Christopher","Biasa Saja","6","7","8","9","4","Perbanyak fitur yang dapat lebih mudah digunakan"</a:t>
             </a:r>
           </a:p>
           <a:p>
             <a:r>
-              <a:rPr lang="id-ID" dirty="0" smtClean="0"/>
+              <a:rPr lang="id-ID" dirty="0"/>
               <a:t>- "Stevan","Sangat Baik","9","10","10","9","5","Good Enough"</a:t>
             </a:r>
           </a:p>
           <a:p>
             <a:r>
-              <a:rPr lang="id-ID" dirty="0" smtClean="0"/>
+              <a:rPr lang="id-ID" dirty="0"/>
               <a:t>- "Michael Suryajaya","Baik","8","9","8","8","4","Tambahkan fitur-fitur lagi"</a:t>
             </a:r>
           </a:p>
           <a:p>
             <a:r>
-              <a:rPr lang="id-ID" dirty="0" smtClean="0"/>
+              <a:rPr lang="id-ID" dirty="0"/>
               <a:t>- "Nico Timothy","Baik","8","8","9","10","5","Perbanyak fitur simple"</a:t>
             </a:r>
           </a:p>
@@ -15089,11 +18236,11 @@
               <a:buNone/>
             </a:pPr>
             <a:r>
-              <a:rPr lang="id-ID" b="1" dirty="0" smtClean="0"/>
+              <a:rPr lang="id-ID" b="1" dirty="0"/>
               <a:t>Link: </a:t>
             </a:r>
             <a:r>
-              <a:rPr lang="id-ID" dirty="0" smtClean="0"/>
+              <a:rPr lang="id-ID" dirty="0"/>
               <a:t>https://goo.gl/forms/AAhTB7Y4I4Hlxh543</a:t>
             </a:r>
           </a:p>
@@ -15146,7 +18293,7 @@
               <a:defRPr/>
             </a:pPr>
             <a:r>
-              <a:rPr kumimoji="0" lang="id-ID" sz="3600" b="1" i="0" u="none" strike="noStrike" kern="1200" cap="none" spc="0" normalizeH="0" baseline="0" noProof="0" dirty="0" smtClean="0">
+              <a:rPr kumimoji="0" lang="id-ID" sz="3600" b="1" i="0" u="none" strike="noStrike" kern="1200" cap="none" spc="0" normalizeH="0" baseline="0" noProof="0" dirty="0">
                 <a:ln>
                   <a:noFill/>
                 </a:ln>
@@ -15179,6 +18326,41 @@
           </a:p>
         </p:txBody>
       </p:sp>
+      <p:sp>
+        <p:nvSpPr>
+          <p:cNvPr id="5" name="TextBox 4">
+            <a:extLst>
+              <a:ext uri="{FF2B5EF4-FFF2-40B4-BE49-F238E27FC236}">
+                <a16:creationId xmlns:a16="http://schemas.microsoft.com/office/drawing/2014/main" id="{8B85443A-4290-4C3F-8A2D-3E43EAD43D00}"/>
+              </a:ext>
+            </a:extLst>
+          </p:cNvPr>
+          <p:cNvSpPr txBox="1"/>
+          <p:nvPr/>
+        </p:nvSpPr>
+        <p:spPr>
+          <a:xfrm>
+            <a:off x="11343861" y="6347791"/>
+            <a:ext cx="441146" cy="369332"/>
+          </a:xfrm>
+          <a:prstGeom prst="rect">
+            <a:avLst/>
+          </a:prstGeom>
+          <a:noFill/>
+        </p:spPr>
+        <p:txBody>
+          <a:bodyPr wrap="none" rtlCol="0">
+            <a:spAutoFit/>
+          </a:bodyPr>
+          <a:lstStyle/>
+          <a:p>
+            <a:r>
+              <a:rPr lang="id-ID" dirty="0"/>
+              <a:t>24</a:t>
+            </a:r>
+          </a:p>
+        </p:txBody>
+      </p:sp>
     </p:spTree>
   </p:cSld>
   <p:clrMapOvr>
@@ -15187,7 +18369,7 @@
 </p:sld>
 </file>
 
-<file path=ppt/slides/slide17.xml><?xml version="1.0" encoding="utf-8"?>
+<file path=ppt/slides/slide27.xml><?xml version="1.0" encoding="utf-8"?>
 <p:sld xmlns:a="http://schemas.openxmlformats.org/drawingml/2006/main" xmlns:r="http://schemas.openxmlformats.org/officeDocument/2006/relationships" xmlns:p="http://schemas.openxmlformats.org/presentationml/2006/main">
   <p:cSld>
     <p:spTree>
@@ -15225,10 +18407,9 @@
           <a:lstStyle/>
           <a:p>
             <a:r>
-              <a:rPr lang="id-ID" dirty="0" smtClean="0"/>
+              <a:rPr lang="id-ID" dirty="0"/>
               <a:t>Ttest</a:t>
             </a:r>
-            <a:endParaRPr lang="id-ID" dirty="0"/>
           </a:p>
         </p:txBody>
       </p:sp>
@@ -15269,6 +18450,80 @@
           </a:effectLst>
         </p:spPr>
       </p:pic>
+      <p:sp>
+        <p:nvSpPr>
+          <p:cNvPr id="4" name="TextBox 3">
+            <a:extLst>
+              <a:ext uri="{FF2B5EF4-FFF2-40B4-BE49-F238E27FC236}">
+                <a16:creationId xmlns:a16="http://schemas.microsoft.com/office/drawing/2014/main" id="{0417D9E7-205A-4DE2-BC26-00F1130549E8}"/>
+              </a:ext>
+            </a:extLst>
+          </p:cNvPr>
+          <p:cNvSpPr txBox="1"/>
+          <p:nvPr/>
+        </p:nvSpPr>
+        <p:spPr>
+          <a:xfrm>
+            <a:off x="11343861" y="6347791"/>
+            <a:ext cx="441146" cy="369332"/>
+          </a:xfrm>
+          <a:prstGeom prst="rect">
+            <a:avLst/>
+          </a:prstGeom>
+          <a:noFill/>
+        </p:spPr>
+        <p:txBody>
+          <a:bodyPr wrap="none" rtlCol="0">
+            <a:spAutoFit/>
+          </a:bodyPr>
+          <a:lstStyle/>
+          <a:p>
+            <a:r>
+              <a:rPr lang="id-ID" dirty="0"/>
+              <a:t>25</a:t>
+            </a:r>
+          </a:p>
+        </p:txBody>
+      </p:sp>
+      <p:sp>
+        <p:nvSpPr>
+          <p:cNvPr id="5" name="TextBox 4">
+            <a:hlinkClick r:id="rId3" action="ppaction://hlinksldjump"/>
+            <a:extLst>
+              <a:ext uri="{FF2B5EF4-FFF2-40B4-BE49-F238E27FC236}">
+                <a16:creationId xmlns:a16="http://schemas.microsoft.com/office/drawing/2014/main" id="{2AE42D97-25CC-4973-9FEE-B067789D85A3}"/>
+              </a:ext>
+            </a:extLst>
+          </p:cNvPr>
+          <p:cNvSpPr txBox="1"/>
+          <p:nvPr/>
+        </p:nvSpPr>
+        <p:spPr>
+          <a:xfrm>
+            <a:off x="1404730" y="2610678"/>
+            <a:ext cx="604653" cy="369332"/>
+          </a:xfrm>
+          <a:prstGeom prst="rect">
+            <a:avLst/>
+          </a:prstGeom>
+          <a:noFill/>
+        </p:spPr>
+        <p:txBody>
+          <a:bodyPr wrap="none" rtlCol="0">
+            <a:spAutoFit/>
+          </a:bodyPr>
+          <a:lstStyle/>
+          <a:p>
+            <a:r>
+              <a:rPr lang="id-ID" dirty="0">
+                <a:hlinkClick r:id="rId3" action="ppaction://hlinksldjump"/>
+              </a:rPr>
+              <a:t>[15]</a:t>
+            </a:r>
+            <a:endParaRPr lang="id-ID" dirty="0"/>
+          </a:p>
+        </p:txBody>
+      </p:sp>
     </p:spTree>
   </p:cSld>
   <p:clrMapOvr>
@@ -15277,7 +18532,7 @@
 </p:sld>
 </file>
 
-<file path=ppt/slides/slide18.xml><?xml version="1.0" encoding="utf-8"?>
+<file path=ppt/slides/slide28.xml><?xml version="1.0" encoding="utf-8"?>
 <p:sld xmlns:a="http://schemas.openxmlformats.org/drawingml/2006/main" xmlns:r="http://schemas.openxmlformats.org/officeDocument/2006/relationships" xmlns:p="http://schemas.openxmlformats.org/presentationml/2006/main">
   <p:cSld>
     <p:spTree>
@@ -15310,18 +18565,9 @@
           <a:lstStyle/>
           <a:p>
             <a:r>
-              <a:rPr lang="id-ID" dirty="0" smtClean="0"/>
-              <a:t>Anova &amp;Tukey </a:t>
-            </a:r>
-            <a:r>
-              <a:rPr lang="id-ID" dirty="0" smtClean="0"/>
-              <a:t>Before The Program has been Created</a:t>
-            </a:r>
-            <a:r>
-              <a:rPr lang="id-ID" dirty="0" smtClean="0"/>
-              <a:t> </a:t>
-            </a:r>
-            <a:endParaRPr lang="id-ID" dirty="0"/>
+              <a:rPr lang="id-ID" dirty="0"/>
+              <a:t>Anova &amp;Tukey Before The Program has been Created </a:t>
+            </a:r>
           </a:p>
         </p:txBody>
       </p:sp>
@@ -15355,6 +18601,41 @@
           </a:ln>
         </p:spPr>
       </p:pic>
+      <p:sp>
+        <p:nvSpPr>
+          <p:cNvPr id="5" name="TextBox 4">
+            <a:extLst>
+              <a:ext uri="{FF2B5EF4-FFF2-40B4-BE49-F238E27FC236}">
+                <a16:creationId xmlns:a16="http://schemas.microsoft.com/office/drawing/2014/main" id="{B9BD1E0F-BDD2-484B-9BF2-CB25166657CB}"/>
+              </a:ext>
+            </a:extLst>
+          </p:cNvPr>
+          <p:cNvSpPr txBox="1"/>
+          <p:nvPr/>
+        </p:nvSpPr>
+        <p:spPr>
+          <a:xfrm>
+            <a:off x="11343861" y="6347791"/>
+            <a:ext cx="441146" cy="369332"/>
+          </a:xfrm>
+          <a:prstGeom prst="rect">
+            <a:avLst/>
+          </a:prstGeom>
+          <a:noFill/>
+        </p:spPr>
+        <p:txBody>
+          <a:bodyPr wrap="none" rtlCol="0">
+            <a:spAutoFit/>
+          </a:bodyPr>
+          <a:lstStyle/>
+          <a:p>
+            <a:r>
+              <a:rPr lang="id-ID" dirty="0"/>
+              <a:t>26</a:t>
+            </a:r>
+          </a:p>
+        </p:txBody>
+      </p:sp>
     </p:spTree>
   </p:cSld>
   <p:clrMapOvr>
@@ -15363,7 +18644,7 @@
 </p:sld>
 </file>
 
-<file path=ppt/slides/slide19.xml><?xml version="1.0" encoding="utf-8"?>
+<file path=ppt/slides/slide29.xml><?xml version="1.0" encoding="utf-8"?>
 <p:sld xmlns:a="http://schemas.openxmlformats.org/drawingml/2006/main" xmlns:r="http://schemas.openxmlformats.org/officeDocument/2006/relationships" xmlns:p="http://schemas.openxmlformats.org/presentationml/2006/main">
   <p:cSld>
     <p:spTree>
@@ -15401,18 +18682,9 @@
           <a:lstStyle/>
           <a:p>
             <a:r>
-              <a:rPr lang="id-ID" dirty="0" smtClean="0"/>
-              <a:t>Anova &amp;Tukey </a:t>
-            </a:r>
-            <a:r>
-              <a:rPr lang="id-ID" dirty="0" smtClean="0"/>
-              <a:t>Before The Program has been Created</a:t>
-            </a:r>
-            <a:r>
-              <a:rPr lang="id-ID" dirty="0" smtClean="0"/>
-              <a:t> </a:t>
-            </a:r>
-            <a:endParaRPr lang="id-ID" dirty="0"/>
+              <a:rPr lang="id-ID" dirty="0"/>
+              <a:t>Anova &amp;Tukey Before The Program has been Created </a:t>
+            </a:r>
           </a:p>
         </p:txBody>
       </p:sp>
@@ -15446,6 +18718,79 @@
           </a:ln>
         </p:spPr>
       </p:pic>
+      <p:sp>
+        <p:nvSpPr>
+          <p:cNvPr id="6" name="TextBox 5">
+            <a:extLst>
+              <a:ext uri="{FF2B5EF4-FFF2-40B4-BE49-F238E27FC236}">
+                <a16:creationId xmlns:a16="http://schemas.microsoft.com/office/drawing/2014/main" id="{B6642732-81B3-4BDC-8210-E47A4AD56257}"/>
+              </a:ext>
+            </a:extLst>
+          </p:cNvPr>
+          <p:cNvSpPr txBox="1"/>
+          <p:nvPr/>
+        </p:nvSpPr>
+        <p:spPr>
+          <a:xfrm>
+            <a:off x="11343861" y="6347791"/>
+            <a:ext cx="441146" cy="369332"/>
+          </a:xfrm>
+          <a:prstGeom prst="rect">
+            <a:avLst/>
+          </a:prstGeom>
+          <a:noFill/>
+        </p:spPr>
+        <p:txBody>
+          <a:bodyPr wrap="none" rtlCol="0">
+            <a:spAutoFit/>
+          </a:bodyPr>
+          <a:lstStyle/>
+          <a:p>
+            <a:r>
+              <a:rPr lang="id-ID" dirty="0"/>
+              <a:t>27</a:t>
+            </a:r>
+          </a:p>
+        </p:txBody>
+      </p:sp>
+      <p:sp>
+        <p:nvSpPr>
+          <p:cNvPr id="2" name="TextBox 1">
+            <a:extLst>
+              <a:ext uri="{FF2B5EF4-FFF2-40B4-BE49-F238E27FC236}">
+                <a16:creationId xmlns:a16="http://schemas.microsoft.com/office/drawing/2014/main" id="{394DA87E-2474-4CF7-BB93-8EBF8D1E3AF0}"/>
+              </a:ext>
+            </a:extLst>
+          </p:cNvPr>
+          <p:cNvSpPr txBox="1"/>
+          <p:nvPr/>
+        </p:nvSpPr>
+        <p:spPr>
+          <a:xfrm>
+            <a:off x="848139" y="2544417"/>
+            <a:ext cx="622852" cy="369332"/>
+          </a:xfrm>
+          <a:prstGeom prst="rect">
+            <a:avLst/>
+          </a:prstGeom>
+          <a:noFill/>
+        </p:spPr>
+        <p:txBody>
+          <a:bodyPr wrap="square" rtlCol="0">
+            <a:spAutoFit/>
+          </a:bodyPr>
+          <a:lstStyle/>
+          <a:p>
+            <a:r>
+              <a:rPr lang="id-ID" dirty="0">
+                <a:hlinkClick r:id="rId3" action="ppaction://hlinksldjump"/>
+              </a:rPr>
+              <a:t>16</a:t>
+            </a:r>
+            <a:endParaRPr lang="id-ID" dirty="0"/>
+          </a:p>
+        </p:txBody>
+      </p:sp>
     </p:spTree>
   </p:cSld>
   <p:clrMapOvr>
@@ -15454,7 +18799,7 @@
 </p:sld>
 </file>
 
-<file path=ppt/slides/slide2.xml><?xml version="1.0" encoding="utf-8"?>
+<file path=ppt/slides/slide3.xml><?xml version="1.0" encoding="utf-8"?>
 <p:sld xmlns:a="http://schemas.openxmlformats.org/drawingml/2006/main" xmlns:r="http://schemas.openxmlformats.org/officeDocument/2006/relationships" xmlns:p="http://schemas.openxmlformats.org/presentationml/2006/main">
   <p:cSld>
     <p:spTree>
@@ -15476,7 +18821,7 @@
           <p:cNvPr id="2" name="Title 1">
             <a:extLst>
               <a:ext uri="{FF2B5EF4-FFF2-40B4-BE49-F238E27FC236}">
-                <a16:creationId xmlns:a16="http://schemas.microsoft.com/office/drawing/2014/main" xmlns="" id="{219D6532-4700-4D5A-ADC6-5B3F1F6A7A4C}"/>
+                <a16:creationId xmlns:a16="http://schemas.microsoft.com/office/drawing/2014/main" id="{219D6532-4700-4D5A-ADC6-5B3F1F6A7A4C}"/>
               </a:ext>
             </a:extLst>
           </p:cNvPr>
@@ -15504,7 +18849,7 @@
           <p:cNvPr id="4" name="Shape 85">
             <a:extLst>
               <a:ext uri="{FF2B5EF4-FFF2-40B4-BE49-F238E27FC236}">
-                <a16:creationId xmlns:a16="http://schemas.microsoft.com/office/drawing/2014/main" xmlns="" id="{4DFC7BA3-814A-4F14-92F0-C33E6A09ADCF}"/>
+                <a16:creationId xmlns:a16="http://schemas.microsoft.com/office/drawing/2014/main" id="{4DFC7BA3-814A-4F14-92F0-C33E6A09ADCF}"/>
               </a:ext>
             </a:extLst>
           </p:cNvPr>
@@ -15512,14 +18857,14 @@
           <p:nvPr>
             <p:extLst>
               <p:ext uri="{D42A27DB-BD31-4B8C-83A1-F6EECF244321}">
-                <p14:modId xmlns:p14="http://schemas.microsoft.com/office/powerpoint/2010/main" xmlns="" val="3214828816"/>
+                <p14:modId xmlns:p14="http://schemas.microsoft.com/office/powerpoint/2010/main" val="1633714026"/>
               </p:ext>
             </p:extLst>
           </p:nvPr>
         </p:nvGraphicFramePr>
         <p:xfrm>
-          <a:off x="257850" y="2598204"/>
-          <a:ext cx="11676300" cy="4597430"/>
+          <a:off x="0" y="2279374"/>
+          <a:ext cx="11298045" cy="4720520"/>
         </p:xfrm>
         <a:graphic>
           <a:graphicData uri="http://schemas.openxmlformats.org/drawingml/2006/table">
@@ -15528,78 +18873,78 @@
                 <a:noFill/>
               </a:tblPr>
               <a:tblGrid>
-                <a:gridCol w="3034150">
+                <a:gridCol w="2935858">
                   <a:extLst>
                     <a:ext uri="{9D8B030D-6E8A-4147-A177-3AD203B41FA5}">
-                      <a16:colId xmlns:a16="http://schemas.microsoft.com/office/drawing/2014/main" xmlns="" val="20000"/>
+                      <a16:colId xmlns:a16="http://schemas.microsoft.com/office/drawing/2014/main" val="20000"/>
                     </a:ext>
                   </a:extLst>
                 </a:gridCol>
-                <a:gridCol w="1057875">
+                <a:gridCol w="1023605">
                   <a:extLst>
                     <a:ext uri="{9D8B030D-6E8A-4147-A177-3AD203B41FA5}">
-                      <a16:colId xmlns:a16="http://schemas.microsoft.com/office/drawing/2014/main" xmlns="" val="20001"/>
+                      <a16:colId xmlns:a16="http://schemas.microsoft.com/office/drawing/2014/main" val="20001"/>
                     </a:ext>
                   </a:extLst>
                 </a:gridCol>
-                <a:gridCol w="911200">
+                <a:gridCol w="881681">
                   <a:extLst>
                     <a:ext uri="{9D8B030D-6E8A-4147-A177-3AD203B41FA5}">
-                      <a16:colId xmlns:a16="http://schemas.microsoft.com/office/drawing/2014/main" xmlns="" val="20002"/>
+                      <a16:colId xmlns:a16="http://schemas.microsoft.com/office/drawing/2014/main" val="20002"/>
                     </a:ext>
                   </a:extLst>
                 </a:gridCol>
-                <a:gridCol w="945675">
+                <a:gridCol w="915040">
                   <a:extLst>
                     <a:ext uri="{9D8B030D-6E8A-4147-A177-3AD203B41FA5}">
-                      <a16:colId xmlns:a16="http://schemas.microsoft.com/office/drawing/2014/main" xmlns="" val="20003"/>
+                      <a16:colId xmlns:a16="http://schemas.microsoft.com/office/drawing/2014/main" val="20003"/>
                     </a:ext>
                   </a:extLst>
                 </a:gridCol>
-                <a:gridCol w="852475">
+                <a:gridCol w="824859">
                   <a:extLst>
                     <a:ext uri="{9D8B030D-6E8A-4147-A177-3AD203B41FA5}">
-                      <a16:colId xmlns:a16="http://schemas.microsoft.com/office/drawing/2014/main" xmlns="" val="20004"/>
+                      <a16:colId xmlns:a16="http://schemas.microsoft.com/office/drawing/2014/main" val="20004"/>
                     </a:ext>
                   </a:extLst>
                 </a:gridCol>
-                <a:gridCol w="1012250">
+                <a:gridCol w="979458">
                   <a:extLst>
                     <a:ext uri="{9D8B030D-6E8A-4147-A177-3AD203B41FA5}">
-                      <a16:colId xmlns:a16="http://schemas.microsoft.com/office/drawing/2014/main" xmlns="" val="20005"/>
+                      <a16:colId xmlns:a16="http://schemas.microsoft.com/office/drawing/2014/main" val="20005"/>
                     </a:ext>
                   </a:extLst>
                 </a:gridCol>
-                <a:gridCol w="745950">
+                <a:gridCol w="721785">
                   <a:extLst>
                     <a:ext uri="{9D8B030D-6E8A-4147-A177-3AD203B41FA5}">
-                      <a16:colId xmlns:a16="http://schemas.microsoft.com/office/drawing/2014/main" xmlns="" val="20006"/>
+                      <a16:colId xmlns:a16="http://schemas.microsoft.com/office/drawing/2014/main" val="20006"/>
                     </a:ext>
                   </a:extLst>
                 </a:gridCol>
-                <a:gridCol w="1038900">
+                <a:gridCol w="1005245">
                   <a:extLst>
                     <a:ext uri="{9D8B030D-6E8A-4147-A177-3AD203B41FA5}">
-                      <a16:colId xmlns:a16="http://schemas.microsoft.com/office/drawing/2014/main" xmlns="" val="20007"/>
+                      <a16:colId xmlns:a16="http://schemas.microsoft.com/office/drawing/2014/main" val="20007"/>
                     </a:ext>
                   </a:extLst>
                 </a:gridCol>
-                <a:gridCol w="740800">
+                <a:gridCol w="716802">
                   <a:extLst>
                     <a:ext uri="{9D8B030D-6E8A-4147-A177-3AD203B41FA5}">
-                      <a16:colId xmlns:a16="http://schemas.microsoft.com/office/drawing/2014/main" xmlns="" val="20008"/>
+                      <a16:colId xmlns:a16="http://schemas.microsoft.com/office/drawing/2014/main" val="20008"/>
                     </a:ext>
                   </a:extLst>
                 </a:gridCol>
-                <a:gridCol w="1337025">
+                <a:gridCol w="1293712">
                   <a:extLst>
                     <a:ext uri="{9D8B030D-6E8A-4147-A177-3AD203B41FA5}">
-                      <a16:colId xmlns:a16="http://schemas.microsoft.com/office/drawing/2014/main" xmlns="" val="20009"/>
+                      <a16:colId xmlns:a16="http://schemas.microsoft.com/office/drawing/2014/main" val="20009"/>
                     </a:ext>
                   </a:extLst>
                 </a:gridCol>
               </a:tblGrid>
-              <a:tr h="400575">
+              <a:tr h="689443">
                 <a:tc>
                   <a:txBody>
                     <a:bodyPr/>
@@ -15735,11 +19080,11 @@
                 </a:tc>
                 <a:extLst>
                   <a:ext uri="{0D108BD9-81ED-4DB2-BD59-A6C34878D82A}">
-                    <a16:rowId xmlns:a16="http://schemas.microsoft.com/office/drawing/2014/main" xmlns="" val="10000"/>
+                    <a16:rowId xmlns:a16="http://schemas.microsoft.com/office/drawing/2014/main" val="10000"/>
                   </a:ext>
                 </a:extLst>
               </a:tr>
-              <a:tr h="313700">
+              <a:tr h="430891">
                 <a:tc>
                   <a:txBody>
                     <a:bodyPr/>
@@ -15929,11 +19274,11 @@
                 </a:tc>
                 <a:extLst>
                   <a:ext uri="{0D108BD9-81ED-4DB2-BD59-A6C34878D82A}">
-                    <a16:rowId xmlns:a16="http://schemas.microsoft.com/office/drawing/2014/main" xmlns="" val="10001"/>
+                    <a16:rowId xmlns:a16="http://schemas.microsoft.com/office/drawing/2014/main" val="10001"/>
                   </a:ext>
                 </a:extLst>
               </a:tr>
-              <a:tr h="459700">
+              <a:tr h="433276">
                 <a:tc>
                   <a:txBody>
                     <a:bodyPr/>
@@ -16013,7 +19358,19 @@
                         </a:spcBef>
                         <a:buNone/>
                       </a:pPr>
-                      <a:endParaRPr dirty="0"/>
+                      <a:r>
+                        <a:rPr lang="id-ID" sz="1200" dirty="0">
+                          <a:solidFill>
+                            <a:schemeClr val="bg1"/>
+                          </a:solidFill>
+                        </a:rPr>
+                        <a:t>10-12 Williem</a:t>
+                      </a:r>
+                      <a:endParaRPr sz="1200" dirty="0">
+                        <a:solidFill>
+                          <a:schemeClr val="bg1"/>
+                        </a:solidFill>
+                      </a:endParaRPr>
                     </a:p>
                   </a:txBody>
                   <a:tcPr marL="91425" marR="91425" marT="91425" marB="91425">
@@ -16033,7 +19390,35 @@
                         </a:spcBef>
                         <a:buNone/>
                       </a:pPr>
-                      <a:endParaRPr dirty="0"/>
+                      <a:r>
+                        <a:rPr lang="id-ID" sz="1200" dirty="0">
+                          <a:solidFill>
+                            <a:schemeClr val="bg1"/>
+                          </a:solidFill>
+                        </a:rPr>
+                        <a:t>17-19</a:t>
+                      </a:r>
+                    </a:p>
+                    <a:p>
+                      <a:pPr lvl="0">
+                        <a:spcBef>
+                          <a:spcPts val="0"/>
+                        </a:spcBef>
+                        <a:buNone/>
+                      </a:pPr>
+                      <a:r>
+                        <a:rPr lang="id-ID" sz="1200" dirty="0">
+                          <a:solidFill>
+                            <a:schemeClr val="bg1"/>
+                          </a:solidFill>
+                        </a:rPr>
+                        <a:t>Williem</a:t>
+                      </a:r>
+                      <a:endParaRPr sz="1200" dirty="0">
+                        <a:solidFill>
+                          <a:schemeClr val="bg1"/>
+                        </a:solidFill>
+                      </a:endParaRPr>
                     </a:p>
                   </a:txBody>
                   <a:tcPr marL="91425" marR="91425" marT="91425" marB="91425">
@@ -16053,7 +19438,30 @@
                         </a:spcBef>
                         <a:buNone/>
                       </a:pPr>
-                      <a:endParaRPr dirty="0"/>
+                      <a:r>
+                        <a:rPr lang="id-ID" sz="1200" dirty="0">
+                          <a:solidFill>
+                            <a:schemeClr val="bg1"/>
+                          </a:solidFill>
+                        </a:rPr>
+                        <a:t>24-26</a:t>
+                      </a:r>
+                    </a:p>
+                    <a:p>
+                      <a:pPr lvl="0">
+                        <a:spcBef>
+                          <a:spcPts val="0"/>
+                        </a:spcBef>
+                        <a:buNone/>
+                      </a:pPr>
+                      <a:r>
+                        <a:rPr lang="id-ID" sz="1200" dirty="0">
+                          <a:solidFill>
+                            <a:schemeClr val="bg1"/>
+                          </a:solidFill>
+                        </a:rPr>
+                        <a:t>Williem</a:t>
+                      </a:r>
                     </a:p>
                   </a:txBody>
                   <a:tcPr marL="91425" marR="91425" marT="91425" marB="91425">
@@ -16136,11 +19544,11 @@
                 </a:tc>
                 <a:extLst>
                   <a:ext uri="{0D108BD9-81ED-4DB2-BD59-A6C34878D82A}">
-                    <a16:rowId xmlns:a16="http://schemas.microsoft.com/office/drawing/2014/main" xmlns="" val="10003"/>
+                    <a16:rowId xmlns:a16="http://schemas.microsoft.com/office/drawing/2014/main" val="10003"/>
                   </a:ext>
                 </a:extLst>
               </a:tr>
-              <a:tr h="476350">
+              <a:tr h="448969">
                 <a:tc>
                   <a:txBody>
                     <a:bodyPr/>
@@ -16260,7 +19668,35 @@
                         </a:spcBef>
                         <a:buNone/>
                       </a:pPr>
-                      <a:endParaRPr/>
+                      <a:r>
+                        <a:rPr lang="id-ID" sz="1200" dirty="0">
+                          <a:solidFill>
+                            <a:schemeClr val="bg1"/>
+                          </a:solidFill>
+                        </a:rPr>
+                        <a:t>24-26</a:t>
+                      </a:r>
+                    </a:p>
+                    <a:p>
+                      <a:pPr lvl="0">
+                        <a:spcBef>
+                          <a:spcPts val="0"/>
+                        </a:spcBef>
+                        <a:buNone/>
+                      </a:pPr>
+                      <a:r>
+                        <a:rPr lang="id-ID" sz="1200" dirty="0">
+                          <a:solidFill>
+                            <a:schemeClr val="bg1"/>
+                          </a:solidFill>
+                        </a:rPr>
+                        <a:t>Williem</a:t>
+                      </a:r>
+                      <a:endParaRPr sz="1200" dirty="0">
+                        <a:solidFill>
+                          <a:schemeClr val="bg1"/>
+                        </a:solidFill>
+                      </a:endParaRPr>
                     </a:p>
                   </a:txBody>
                   <a:tcPr marL="91425" marR="91425" marT="91425" marB="91425">
@@ -16280,7 +19716,35 @@
                         </a:spcBef>
                         <a:buNone/>
                       </a:pPr>
-                      <a:endParaRPr/>
+                      <a:r>
+                        <a:rPr lang="id-ID" sz="1200" dirty="0">
+                          <a:solidFill>
+                            <a:schemeClr val="bg1"/>
+                          </a:solidFill>
+                        </a:rPr>
+                        <a:t>31-4</a:t>
+                      </a:r>
+                    </a:p>
+                    <a:p>
+                      <a:pPr lvl="0">
+                        <a:spcBef>
+                          <a:spcPts val="0"/>
+                        </a:spcBef>
+                        <a:buNone/>
+                      </a:pPr>
+                      <a:r>
+                        <a:rPr lang="id-ID" sz="1200" dirty="0">
+                          <a:solidFill>
+                            <a:schemeClr val="bg1"/>
+                          </a:solidFill>
+                        </a:rPr>
+                        <a:t>Williem</a:t>
+                      </a:r>
+                      <a:endParaRPr sz="1200" dirty="0">
+                        <a:solidFill>
+                          <a:schemeClr val="bg1"/>
+                        </a:solidFill>
+                      </a:endParaRPr>
                     </a:p>
                   </a:txBody>
                   <a:tcPr marL="91425" marR="91425" marT="91425" marB="91425">
@@ -16343,11 +19807,11 @@
                 </a:tc>
                 <a:extLst>
                   <a:ext uri="{0D108BD9-81ED-4DB2-BD59-A6C34878D82A}">
-                    <a16:rowId xmlns:a16="http://schemas.microsoft.com/office/drawing/2014/main" xmlns="" val="10004"/>
+                    <a16:rowId xmlns:a16="http://schemas.microsoft.com/office/drawing/2014/main" val="10004"/>
                   </a:ext>
                 </a:extLst>
               </a:tr>
-              <a:tr h="416575">
+              <a:tr h="430891">
                 <a:tc>
                   <a:txBody>
                     <a:bodyPr/>
@@ -16372,7 +19836,7 @@
                         <a:solidFill>
                           <a:schemeClr val="hlink"/>
                         </a:solidFill>
-                        <a:hlinkClick r:id="rId4"/>
+                        <a:hlinkClick r:id="rId2"/>
                       </a:endParaRPr>
                     </a:p>
                   </a:txBody>
@@ -16479,7 +19943,7 @@
                         </a:spcBef>
                         <a:buNone/>
                       </a:pPr>
-                      <a:endParaRPr/>
+                      <a:endParaRPr dirty="0"/>
                     </a:p>
                   </a:txBody>
                   <a:tcPr marL="91425" marR="91425" marT="91425" marB="91425">
@@ -16550,11 +20014,11 @@
                 </a:tc>
                 <a:extLst>
                   <a:ext uri="{0D108BD9-81ED-4DB2-BD59-A6C34878D82A}">
-                    <a16:rowId xmlns:a16="http://schemas.microsoft.com/office/drawing/2014/main" xmlns="" val="10005"/>
+                    <a16:rowId xmlns:a16="http://schemas.microsoft.com/office/drawing/2014/main" val="10005"/>
                   </a:ext>
                 </a:extLst>
               </a:tr>
-              <a:tr h="499550">
+              <a:tr h="470835">
                 <a:tc>
                   <a:txBody>
                     <a:bodyPr/>
@@ -16579,7 +20043,7 @@
                         <a:solidFill>
                           <a:schemeClr val="hlink"/>
                         </a:solidFill>
-                        <a:hlinkClick r:id="rId5"/>
+                        <a:hlinkClick r:id="rId4"/>
                       </a:endParaRPr>
                     </a:p>
                   </a:txBody>
@@ -16634,7 +20098,19 @@
                         </a:spcBef>
                         <a:buNone/>
                       </a:pPr>
-                      <a:endParaRPr dirty="0"/>
+                      <a:r>
+                        <a:rPr lang="id-ID" sz="1200" dirty="0">
+                          <a:solidFill>
+                            <a:schemeClr val="bg1"/>
+                          </a:solidFill>
+                        </a:rPr>
+                        <a:t>10-12 Rickhen</a:t>
+                      </a:r>
+                      <a:endParaRPr sz="1200" dirty="0">
+                        <a:solidFill>
+                          <a:schemeClr val="bg1"/>
+                        </a:solidFill>
+                      </a:endParaRPr>
                     </a:p>
                   </a:txBody>
                   <a:tcPr marL="91425" marR="91425" marT="91425" marB="91425">
@@ -16654,7 +20130,11 @@
                         </a:spcBef>
                         <a:buNone/>
                       </a:pPr>
-                      <a:endParaRPr/>
+                      <a:endParaRPr sz="1200">
+                        <a:solidFill>
+                          <a:schemeClr val="bg1"/>
+                        </a:solidFill>
+                      </a:endParaRPr>
                     </a:p>
                   </a:txBody>
                   <a:tcPr marL="91425" marR="91425" marT="91425" marB="91425">
@@ -16674,7 +20154,11 @@
                         </a:spcBef>
                         <a:buNone/>
                       </a:pPr>
-                      <a:endParaRPr dirty="0"/>
+                      <a:endParaRPr sz="1200" dirty="0">
+                        <a:solidFill>
+                          <a:schemeClr val="bg1"/>
+                        </a:solidFill>
+                      </a:endParaRPr>
                     </a:p>
                   </a:txBody>
                   <a:tcPr marL="91425" marR="91425" marT="91425" marB="91425">
@@ -16694,7 +20178,11 @@
                         </a:spcBef>
                         <a:buNone/>
                       </a:pPr>
-                      <a:endParaRPr/>
+                      <a:endParaRPr sz="1200">
+                        <a:solidFill>
+                          <a:schemeClr val="bg1"/>
+                        </a:solidFill>
+                      </a:endParaRPr>
                     </a:p>
                   </a:txBody>
                   <a:tcPr marL="91425" marR="91425" marT="91425" marB="91425">
@@ -16714,7 +20202,35 @@
                         </a:spcBef>
                         <a:buNone/>
                       </a:pPr>
-                      <a:endParaRPr/>
+                      <a:r>
+                        <a:rPr lang="id-ID" sz="1200" dirty="0">
+                          <a:solidFill>
+                            <a:schemeClr val="bg1"/>
+                          </a:solidFill>
+                        </a:rPr>
+                        <a:t>7-9</a:t>
+                      </a:r>
+                    </a:p>
+                    <a:p>
+                      <a:pPr lvl="0">
+                        <a:spcBef>
+                          <a:spcPts val="0"/>
+                        </a:spcBef>
+                        <a:buNone/>
+                      </a:pPr>
+                      <a:r>
+                        <a:rPr lang="id-ID" sz="1200" dirty="0">
+                          <a:solidFill>
+                            <a:schemeClr val="bg1"/>
+                          </a:solidFill>
+                        </a:rPr>
+                        <a:t>Williem</a:t>
+                      </a:r>
+                      <a:endParaRPr sz="1200" dirty="0">
+                        <a:solidFill>
+                          <a:schemeClr val="bg1"/>
+                        </a:solidFill>
+                      </a:endParaRPr>
                     </a:p>
                   </a:txBody>
                   <a:tcPr marL="91425" marR="91425" marT="91425" marB="91425">
@@ -16761,11 +20277,11 @@
                 </a:tc>
                 <a:extLst>
                   <a:ext uri="{0D108BD9-81ED-4DB2-BD59-A6C34878D82A}">
-                    <a16:rowId xmlns:a16="http://schemas.microsoft.com/office/drawing/2014/main" xmlns="" val="10006"/>
+                    <a16:rowId xmlns:a16="http://schemas.microsoft.com/office/drawing/2014/main" val="10006"/>
                   </a:ext>
                 </a:extLst>
               </a:tr>
-              <a:tr h="758000">
+              <a:tr h="714430">
                 <a:tc>
                   <a:txBody>
                     <a:bodyPr/>
@@ -16789,7 +20305,7 @@
                           <a:ea typeface="Lato"/>
                           <a:cs typeface="Lato"/>
                           <a:sym typeface="Lato"/>
-                          <a:hlinkClick r:id="rId6"/>
+                          <a:hlinkClick r:id="rId5"/>
                         </a:rPr>
                         <a:t>Anova</a:t>
                       </a:r>
@@ -16802,7 +20318,7 @@
                           <a:ea typeface="Lato"/>
                           <a:cs typeface="Lato"/>
                           <a:sym typeface="Lato"/>
-                          <a:hlinkClick r:id="rId7"/>
+                          <a:hlinkClick r:id="rId5"/>
                         </a:rPr>
                         <a:t>, </a:t>
                       </a:r>
@@ -16815,7 +20331,7 @@
                           <a:ea typeface="Lato"/>
                           <a:cs typeface="Lato"/>
                           <a:sym typeface="Lato"/>
-                          <a:hlinkClick r:id="rId8"/>
+                          <a:hlinkClick r:id="rId5"/>
                         </a:rPr>
                         <a:t>Ttest</a:t>
                       </a:r>
@@ -16828,7 +20344,7 @@
                           <a:ea typeface="Lato"/>
                           <a:cs typeface="Lato"/>
                           <a:sym typeface="Lato"/>
-                          <a:hlinkClick r:id="rId9"/>
+                          <a:hlinkClick r:id="rId5"/>
                         </a:rPr>
                         <a:t>, Tukey Survey</a:t>
                       </a:r>
@@ -16840,7 +20356,7 @@
                         <a:ea typeface="Lato"/>
                         <a:cs typeface="Lato"/>
                         <a:sym typeface="Lato"/>
-                        <a:hlinkClick r:id="rId10"/>
+                        <a:hlinkClick r:id="rId5"/>
                       </a:endParaRPr>
                     </a:p>
                   </a:txBody>
@@ -17005,7 +20521,35 @@
                         </a:spcBef>
                         <a:buNone/>
                       </a:pPr>
-                      <a:endParaRPr dirty="0"/>
+                      <a:r>
+                        <a:rPr lang="id-ID" sz="1200" dirty="0">
+                          <a:solidFill>
+                            <a:schemeClr val="bg1"/>
+                          </a:solidFill>
+                        </a:rPr>
+                        <a:t>27-28</a:t>
+                      </a:r>
+                    </a:p>
+                    <a:p>
+                      <a:pPr lvl="0" rtl="0">
+                        <a:spcBef>
+                          <a:spcPts val="0"/>
+                        </a:spcBef>
+                        <a:buNone/>
+                      </a:pPr>
+                      <a:r>
+                        <a:rPr lang="id-ID" sz="1200" dirty="0">
+                          <a:solidFill>
+                            <a:schemeClr val="bg1"/>
+                          </a:solidFill>
+                        </a:rPr>
+                        <a:t>Rickhen</a:t>
+                      </a:r>
+                      <a:endParaRPr sz="1200" dirty="0">
+                        <a:solidFill>
+                          <a:schemeClr val="bg1"/>
+                        </a:solidFill>
+                      </a:endParaRPr>
                     </a:p>
                   </a:txBody>
                   <a:tcPr marL="91425" marR="91425" marT="91425" marB="91425">
@@ -17016,11 +20560,11 @@
                 </a:tc>
                 <a:extLst>
                   <a:ext uri="{0D108BD9-81ED-4DB2-BD59-A6C34878D82A}">
-                    <a16:rowId xmlns:a16="http://schemas.microsoft.com/office/drawing/2014/main" xmlns="" val="10009"/>
+                    <a16:rowId xmlns:a16="http://schemas.microsoft.com/office/drawing/2014/main" val="10009"/>
                   </a:ext>
                 </a:extLst>
               </a:tr>
-              <a:tr h="758000">
+              <a:tr h="714430">
                 <a:tc>
                   <a:txBody>
                     <a:bodyPr/>
@@ -17044,7 +20588,7 @@
                           <a:ea typeface="Lato"/>
                           <a:cs typeface="Lato"/>
                           <a:sym typeface="Lato"/>
-                          <a:hlinkClick r:id="rId11"/>
+                          <a:hlinkClick r:id="rId5"/>
                         </a:rPr>
                         <a:t>Documentation</a:t>
                       </a:r>
@@ -17211,7 +20755,35 @@
                         </a:spcBef>
                         <a:buNone/>
                       </a:pPr>
-                      <a:endParaRPr dirty="0"/>
+                      <a:r>
+                        <a:rPr lang="id-ID" sz="1200" dirty="0">
+                          <a:solidFill>
+                            <a:schemeClr val="bg1"/>
+                          </a:solidFill>
+                        </a:rPr>
+                        <a:t>28-30</a:t>
+                      </a:r>
+                    </a:p>
+                    <a:p>
+                      <a:pPr lvl="0" rtl="0">
+                        <a:spcBef>
+                          <a:spcPts val="0"/>
+                        </a:spcBef>
+                        <a:buNone/>
+                      </a:pPr>
+                      <a:r>
+                        <a:rPr lang="id-ID" sz="1200" dirty="0">
+                          <a:solidFill>
+                            <a:schemeClr val="bg1"/>
+                          </a:solidFill>
+                        </a:rPr>
+                        <a:t>Octa&amp;LEO</a:t>
+                      </a:r>
+                      <a:endParaRPr sz="1200" dirty="0">
+                        <a:solidFill>
+                          <a:schemeClr val="bg1"/>
+                        </a:solidFill>
+                      </a:endParaRPr>
                     </a:p>
                   </a:txBody>
                   <a:tcPr marL="91425" marR="91425" marT="91425" marB="91425">
@@ -17222,7 +20794,7 @@
                 </a:tc>
                 <a:extLst>
                   <a:ext uri="{0D108BD9-81ED-4DB2-BD59-A6C34878D82A}">
-                    <a16:rowId xmlns:a16="http://schemas.microsoft.com/office/drawing/2014/main" xmlns="" val="496273546"/>
+                    <a16:rowId xmlns:a16="http://schemas.microsoft.com/office/drawing/2014/main" val="496273546"/>
                   </a:ext>
                 </a:extLst>
               </a:tr>
@@ -17230,10 +20802,45 @@
           </a:graphicData>
         </a:graphic>
       </p:graphicFrame>
+      <p:sp>
+        <p:nvSpPr>
+          <p:cNvPr id="5" name="TextBox 4">
+            <a:extLst>
+              <a:ext uri="{FF2B5EF4-FFF2-40B4-BE49-F238E27FC236}">
+                <a16:creationId xmlns:a16="http://schemas.microsoft.com/office/drawing/2014/main" id="{3A1774C9-8403-477D-8578-09B9B2F3F290}"/>
+              </a:ext>
+            </a:extLst>
+          </p:cNvPr>
+          <p:cNvSpPr txBox="1"/>
+          <p:nvPr/>
+        </p:nvSpPr>
+        <p:spPr>
+          <a:xfrm>
+            <a:off x="11343861" y="6347791"/>
+            <a:ext cx="312906" cy="369332"/>
+          </a:xfrm>
+          <a:prstGeom prst="rect">
+            <a:avLst/>
+          </a:prstGeom>
+          <a:noFill/>
+        </p:spPr>
+        <p:txBody>
+          <a:bodyPr wrap="none" rtlCol="0">
+            <a:spAutoFit/>
+          </a:bodyPr>
+          <a:lstStyle/>
+          <a:p>
+            <a:r>
+              <a:rPr lang="id-ID" dirty="0"/>
+              <a:t>1</a:t>
+            </a:r>
+          </a:p>
+        </p:txBody>
+      </p:sp>
     </p:spTree>
     <p:extLst>
       <p:ext uri="{BB962C8B-B14F-4D97-AF65-F5344CB8AC3E}">
-        <p14:creationId xmlns:p14="http://schemas.microsoft.com/office/powerpoint/2010/main" xmlns="" val="1361421561"/>
+        <p14:creationId xmlns:p14="http://schemas.microsoft.com/office/powerpoint/2010/main" val="1361421561"/>
       </p:ext>
     </p:extLst>
   </p:cSld>
@@ -17243,7 +20850,7 @@
 </p:sld>
 </file>
 
-<file path=ppt/slides/slide20.xml><?xml version="1.0" encoding="utf-8"?>
+<file path=ppt/slides/slide30.xml><?xml version="1.0" encoding="utf-8"?>
 <p:sld xmlns:a="http://schemas.openxmlformats.org/drawingml/2006/main" xmlns:r="http://schemas.openxmlformats.org/officeDocument/2006/relationships" xmlns:p="http://schemas.openxmlformats.org/presentationml/2006/main">
   <p:cSld>
     <p:spTree>
@@ -17281,18 +20888,9 @@
           <a:lstStyle/>
           <a:p>
             <a:r>
-              <a:rPr lang="id-ID" dirty="0" smtClean="0"/>
-              <a:t>Anova &amp;Tukey After </a:t>
-            </a:r>
-            <a:r>
-              <a:rPr lang="id-ID" dirty="0" smtClean="0"/>
-              <a:t>The Program has been Created</a:t>
-            </a:r>
-            <a:r>
-              <a:rPr lang="id-ID" dirty="0" smtClean="0"/>
-              <a:t> </a:t>
-            </a:r>
-            <a:endParaRPr lang="id-ID" dirty="0"/>
+              <a:rPr lang="id-ID" dirty="0"/>
+              <a:t>Anova &amp;Tukey After The Program has been Created </a:t>
+            </a:r>
           </a:p>
         </p:txBody>
       </p:sp>
@@ -17326,6 +20924,41 @@
           </a:ln>
         </p:spPr>
       </p:pic>
+      <p:sp>
+        <p:nvSpPr>
+          <p:cNvPr id="4" name="TextBox 3">
+            <a:extLst>
+              <a:ext uri="{FF2B5EF4-FFF2-40B4-BE49-F238E27FC236}">
+                <a16:creationId xmlns:a16="http://schemas.microsoft.com/office/drawing/2014/main" id="{ECBACDCA-FE63-44FB-9613-AEE06EE908BF}"/>
+              </a:ext>
+            </a:extLst>
+          </p:cNvPr>
+          <p:cNvSpPr txBox="1"/>
+          <p:nvPr/>
+        </p:nvSpPr>
+        <p:spPr>
+          <a:xfrm>
+            <a:off x="11343861" y="6347791"/>
+            <a:ext cx="441146" cy="369332"/>
+          </a:xfrm>
+          <a:prstGeom prst="rect">
+            <a:avLst/>
+          </a:prstGeom>
+          <a:noFill/>
+        </p:spPr>
+        <p:txBody>
+          <a:bodyPr wrap="none" rtlCol="0">
+            <a:spAutoFit/>
+          </a:bodyPr>
+          <a:lstStyle/>
+          <a:p>
+            <a:r>
+              <a:rPr lang="id-ID" dirty="0"/>
+              <a:t>28</a:t>
+            </a:r>
+          </a:p>
+        </p:txBody>
+      </p:sp>
     </p:spTree>
   </p:cSld>
   <p:clrMapOvr>
@@ -17334,7 +20967,7 @@
 </p:sld>
 </file>
 
-<file path=ppt/slides/slide21.xml><?xml version="1.0" encoding="utf-8"?>
+<file path=ppt/slides/slide31.xml><?xml version="1.0" encoding="utf-8"?>
 <p:sld xmlns:a="http://schemas.openxmlformats.org/drawingml/2006/main" xmlns:r="http://schemas.openxmlformats.org/officeDocument/2006/relationships" xmlns:p="http://schemas.openxmlformats.org/presentationml/2006/main">
   <p:cSld>
     <p:spTree>
@@ -17372,18 +21005,9 @@
           <a:lstStyle/>
           <a:p>
             <a:r>
-              <a:rPr lang="id-ID" dirty="0" smtClean="0"/>
-              <a:t>Anova &amp;Tukey After </a:t>
-            </a:r>
-            <a:r>
-              <a:rPr lang="id-ID" dirty="0" smtClean="0"/>
-              <a:t>The Program has been Created</a:t>
-            </a:r>
-            <a:r>
-              <a:rPr lang="id-ID" dirty="0" smtClean="0"/>
-              <a:t> </a:t>
-            </a:r>
-            <a:endParaRPr lang="id-ID" dirty="0"/>
+              <a:rPr lang="id-ID" dirty="0"/>
+              <a:t>Anova &amp;Tukey After The Program has been Created </a:t>
+            </a:r>
           </a:p>
         </p:txBody>
       </p:sp>
@@ -17417,6 +21041,41 @@
           </a:ln>
         </p:spPr>
       </p:pic>
+      <p:sp>
+        <p:nvSpPr>
+          <p:cNvPr id="6" name="TextBox 5">
+            <a:extLst>
+              <a:ext uri="{FF2B5EF4-FFF2-40B4-BE49-F238E27FC236}">
+                <a16:creationId xmlns:a16="http://schemas.microsoft.com/office/drawing/2014/main" id="{8F2AEC4F-1F0B-47FC-822A-B8A8B5D8C235}"/>
+              </a:ext>
+            </a:extLst>
+          </p:cNvPr>
+          <p:cNvSpPr txBox="1"/>
+          <p:nvPr/>
+        </p:nvSpPr>
+        <p:spPr>
+          <a:xfrm>
+            <a:off x="11343861" y="6347791"/>
+            <a:ext cx="441146" cy="369332"/>
+          </a:xfrm>
+          <a:prstGeom prst="rect">
+            <a:avLst/>
+          </a:prstGeom>
+          <a:noFill/>
+        </p:spPr>
+        <p:txBody>
+          <a:bodyPr wrap="none" rtlCol="0">
+            <a:spAutoFit/>
+          </a:bodyPr>
+          <a:lstStyle/>
+          <a:p>
+            <a:r>
+              <a:rPr lang="id-ID" dirty="0"/>
+              <a:t>29</a:t>
+            </a:r>
+          </a:p>
+        </p:txBody>
+      </p:sp>
     </p:spTree>
   </p:cSld>
   <p:clrMapOvr>
@@ -17425,7 +21084,790 @@
 </p:sld>
 </file>
 
-<file path=ppt/slides/slide22.xml><?xml version="1.0" encoding="utf-8"?>
+<file path=ppt/slides/slide32.xml><?xml version="1.0" encoding="utf-8"?>
+<p:sld xmlns:a="http://schemas.openxmlformats.org/drawingml/2006/main" xmlns:r="http://schemas.openxmlformats.org/officeDocument/2006/relationships" xmlns:p="http://schemas.openxmlformats.org/presentationml/2006/main">
+  <p:cSld>
+    <p:spTree>
+      <p:nvGrpSpPr>
+        <p:cNvPr id="1" name=""/>
+        <p:cNvGrpSpPr/>
+        <p:nvPr/>
+      </p:nvGrpSpPr>
+      <p:grpSpPr>
+        <a:xfrm>
+          <a:off x="0" y="0"/>
+          <a:ext cx="0" cy="0"/>
+          <a:chOff x="0" y="0"/>
+          <a:chExt cx="0" cy="0"/>
+        </a:xfrm>
+      </p:grpSpPr>
+      <p:sp>
+        <p:nvSpPr>
+          <p:cNvPr id="2" name="Title 1">
+            <a:extLst>
+              <a:ext uri="{FF2B5EF4-FFF2-40B4-BE49-F238E27FC236}">
+                <a16:creationId xmlns:a16="http://schemas.microsoft.com/office/drawing/2014/main" id="{FBC5ADBD-C60E-4723-95FA-36811BB3F14B}"/>
+              </a:ext>
+            </a:extLst>
+          </p:cNvPr>
+          <p:cNvSpPr>
+            <a:spLocks noGrp="1"/>
+          </p:cNvSpPr>
+          <p:nvPr>
+            <p:ph type="title"/>
+          </p:nvPr>
+        </p:nvSpPr>
+        <p:spPr/>
+        <p:txBody>
+          <a:bodyPr/>
+          <a:lstStyle/>
+          <a:p>
+            <a:r>
+              <a:rPr lang="id-ID" dirty="0"/>
+              <a:t>Github</a:t>
+            </a:r>
+          </a:p>
+        </p:txBody>
+      </p:sp>
+      <p:sp>
+        <p:nvSpPr>
+          <p:cNvPr id="3" name="Content Placeholder 2">
+            <a:extLst>
+              <a:ext uri="{FF2B5EF4-FFF2-40B4-BE49-F238E27FC236}">
+                <a16:creationId xmlns:a16="http://schemas.microsoft.com/office/drawing/2014/main" id="{FA66AEFE-1863-41D0-9474-C4BB384F4A4E}"/>
+              </a:ext>
+            </a:extLst>
+          </p:cNvPr>
+          <p:cNvSpPr>
+            <a:spLocks noGrp="1"/>
+          </p:cNvSpPr>
+          <p:nvPr>
+            <p:ph idx="1"/>
+          </p:nvPr>
+        </p:nvSpPr>
+        <p:spPr/>
+        <p:txBody>
+          <a:bodyPr/>
+          <a:lstStyle/>
+          <a:p>
+            <a:r>
+              <a:rPr lang="id-ID" dirty="0"/>
+              <a:t>https://github.com/tyrand3/HCIs</a:t>
+            </a:r>
+          </a:p>
+        </p:txBody>
+      </p:sp>
+      <p:sp>
+        <p:nvSpPr>
+          <p:cNvPr id="4" name="TextBox 3">
+            <a:extLst>
+              <a:ext uri="{FF2B5EF4-FFF2-40B4-BE49-F238E27FC236}">
+                <a16:creationId xmlns:a16="http://schemas.microsoft.com/office/drawing/2014/main" id="{48D6FE66-3B3F-46EE-9612-4D768D04B1F6}"/>
+              </a:ext>
+            </a:extLst>
+          </p:cNvPr>
+          <p:cNvSpPr txBox="1"/>
+          <p:nvPr/>
+        </p:nvSpPr>
+        <p:spPr>
+          <a:xfrm>
+            <a:off x="11343861" y="6347791"/>
+            <a:ext cx="441146" cy="369332"/>
+          </a:xfrm>
+          <a:prstGeom prst="rect">
+            <a:avLst/>
+          </a:prstGeom>
+          <a:noFill/>
+        </p:spPr>
+        <p:txBody>
+          <a:bodyPr wrap="none" rtlCol="0">
+            <a:spAutoFit/>
+          </a:bodyPr>
+          <a:lstStyle/>
+          <a:p>
+            <a:r>
+              <a:rPr lang="id-ID" dirty="0"/>
+              <a:t>30</a:t>
+            </a:r>
+          </a:p>
+        </p:txBody>
+      </p:sp>
+    </p:spTree>
+    <p:extLst>
+      <p:ext uri="{BB962C8B-B14F-4D97-AF65-F5344CB8AC3E}">
+        <p14:creationId xmlns:p14="http://schemas.microsoft.com/office/powerpoint/2010/main" val="3172193025"/>
+      </p:ext>
+    </p:extLst>
+  </p:cSld>
+  <p:clrMapOvr>
+    <a:masterClrMapping/>
+  </p:clrMapOvr>
+</p:sld>
+</file>
+
+<file path=ppt/slides/slide33.xml><?xml version="1.0" encoding="utf-8"?>
+<p:sld xmlns:a="http://schemas.openxmlformats.org/drawingml/2006/main" xmlns:r="http://schemas.openxmlformats.org/officeDocument/2006/relationships" xmlns:p="http://schemas.openxmlformats.org/presentationml/2006/main">
+  <p:cSld>
+    <p:spTree>
+      <p:nvGrpSpPr>
+        <p:cNvPr id="1" name=""/>
+        <p:cNvGrpSpPr/>
+        <p:nvPr/>
+      </p:nvGrpSpPr>
+      <p:grpSpPr>
+        <a:xfrm>
+          <a:off x="0" y="0"/>
+          <a:ext cx="0" cy="0"/>
+          <a:chOff x="0" y="0"/>
+          <a:chExt cx="0" cy="0"/>
+        </a:xfrm>
+      </p:grpSpPr>
+      <p:sp>
+        <p:nvSpPr>
+          <p:cNvPr id="2" name="Title 1">
+            <a:extLst>
+              <a:ext uri="{FF2B5EF4-FFF2-40B4-BE49-F238E27FC236}">
+                <a16:creationId xmlns:a16="http://schemas.microsoft.com/office/drawing/2014/main" id="{2B863EF0-0633-4CD3-B20D-E7E4AFAB26BD}"/>
+              </a:ext>
+            </a:extLst>
+          </p:cNvPr>
+          <p:cNvSpPr>
+            <a:spLocks noGrp="1"/>
+          </p:cNvSpPr>
+          <p:nvPr>
+            <p:ph type="title"/>
+          </p:nvPr>
+        </p:nvSpPr>
+        <p:spPr/>
+        <p:txBody>
+          <a:bodyPr/>
+          <a:lstStyle/>
+          <a:p>
+            <a:r>
+              <a:rPr lang="id-ID" dirty="0"/>
+              <a:t>Referensi</a:t>
+            </a:r>
+          </a:p>
+        </p:txBody>
+      </p:sp>
+      <p:sp>
+        <p:nvSpPr>
+          <p:cNvPr id="3" name="Content Placeholder 2">
+            <a:extLst>
+              <a:ext uri="{FF2B5EF4-FFF2-40B4-BE49-F238E27FC236}">
+                <a16:creationId xmlns:a16="http://schemas.microsoft.com/office/drawing/2014/main" id="{C4A7346C-1AEA-44A5-AD50-2839812165FF}"/>
+              </a:ext>
+            </a:extLst>
+          </p:cNvPr>
+          <p:cNvSpPr>
+            <a:spLocks noGrp="1"/>
+          </p:cNvSpPr>
+          <p:nvPr>
+            <p:ph idx="1"/>
+          </p:nvPr>
+        </p:nvSpPr>
+        <p:spPr>
+          <a:xfrm>
+            <a:off x="1154954" y="2152357"/>
+            <a:ext cx="9494289" cy="4564766"/>
+          </a:xfrm>
+        </p:spPr>
+        <p:txBody>
+          <a:bodyPr>
+            <a:normAutofit fontScale="92500" lnSpcReduction="10000"/>
+          </a:bodyPr>
+          <a:lstStyle/>
+          <a:p>
+            <a:pPr>
+              <a:buFont typeface="+mj-lt"/>
+              <a:buAutoNum type="arabicPeriod"/>
+            </a:pPr>
+            <a:r>
+              <a:rPr lang="id-ID" sz="1900" dirty="0"/>
+              <a:t>https://developer.android.com/guide/topics/ui/declaring-layout.html?hl=id</a:t>
+            </a:r>
+          </a:p>
+          <a:p>
+            <a:pPr>
+              <a:buFont typeface="+mj-lt"/>
+              <a:buAutoNum type="arabicPeriod"/>
+            </a:pPr>
+            <a:r>
+              <a:rPr lang="id-ID" sz="1900" dirty="0"/>
+              <a:t>https://developer.android.com/guide/topics/ui/layout/linear.html?hl=id</a:t>
+            </a:r>
+          </a:p>
+          <a:p>
+            <a:pPr>
+              <a:buFont typeface="+mj-lt"/>
+              <a:buAutoNum type="arabicPeriod"/>
+            </a:pPr>
+            <a:r>
+              <a:rPr lang="id-ID" sz="1900" dirty="0"/>
+              <a:t>https://material.io/guidelines/style/color.html</a:t>
+            </a:r>
+          </a:p>
+          <a:p>
+            <a:pPr>
+              <a:buFont typeface="+mj-lt"/>
+              <a:buAutoNum type="arabicPeriod"/>
+            </a:pPr>
+            <a:r>
+              <a:rPr lang="id-ID" sz="1900" dirty="0"/>
+              <a:t>https://material.io/icons/</a:t>
+            </a:r>
+          </a:p>
+          <a:p>
+            <a:pPr>
+              <a:buFont typeface="+mj-lt"/>
+              <a:buAutoNum type="arabicPeriod"/>
+            </a:pPr>
+            <a:r>
+              <a:rPr lang="id-ID" sz="1900" dirty="0"/>
+              <a:t>https://material.io/guidelines/material-design/introduction.html</a:t>
+            </a:r>
+          </a:p>
+          <a:p>
+            <a:pPr>
+              <a:buFont typeface="+mj-lt"/>
+              <a:buAutoNum type="arabicPeriod"/>
+            </a:pPr>
+            <a:r>
+              <a:rPr lang="id-ID" sz="1900" dirty="0"/>
+              <a:t>https://material.io/guidelines/layout/structure.html#</a:t>
+            </a:r>
+          </a:p>
+          <a:p>
+            <a:pPr>
+              <a:buFont typeface="+mj-lt"/>
+              <a:buAutoNum type="arabicPeriod"/>
+            </a:pPr>
+            <a:r>
+              <a:rPr lang="id-ID" sz="1900" dirty="0"/>
+              <a:t>https://material.io/guidelines/usability/accessibility.html#</a:t>
+            </a:r>
+          </a:p>
+          <a:p>
+            <a:pPr>
+              <a:buFont typeface="+mj-lt"/>
+              <a:buAutoNum type="arabicPeriod"/>
+            </a:pPr>
+            <a:r>
+              <a:rPr lang="id-ID" sz="1900" dirty="0"/>
+              <a:t>“Android-er: Customize color for your app, for Material Theme, using Android Studio.” [Online]. Available: http://android-er.blogspot.co.id/2015/09/customize-color-for-your-app-for.html. [Accessed: 03-Dec-2017].</a:t>
+            </a:r>
+          </a:p>
+          <a:p>
+            <a:pPr>
+              <a:buFont typeface="+mj-lt"/>
+              <a:buAutoNum type="arabicPeriod"/>
+            </a:pPr>
+            <a:r>
+              <a:rPr lang="id-ID" sz="1900" dirty="0"/>
+              <a:t>“Android SQLite Database Tutorial using Android Studio | MobileSiri.” [Online]. Available: http://mobilesiri.com/android-sqlite-database-tutorial-using-android-studio/. [Accessed: 03-Dec-2017].</a:t>
+            </a:r>
+          </a:p>
+          <a:p>
+            <a:pPr>
+              <a:buFont typeface="+mj-lt"/>
+              <a:buAutoNum type="arabicPeriod"/>
+            </a:pPr>
+            <a:endParaRPr lang="id-ID" sz="1600" dirty="0"/>
+          </a:p>
+          <a:p>
+            <a:pPr marL="0" indent="0">
+              <a:buNone/>
+            </a:pPr>
+            <a:endParaRPr lang="id-ID" u="sng" dirty="0"/>
+          </a:p>
+          <a:p>
+            <a:pPr marL="0" indent="0">
+              <a:buNone/>
+            </a:pPr>
+            <a:endParaRPr lang="id-ID" u="sng" dirty="0"/>
+          </a:p>
+          <a:p>
+            <a:pPr marL="0" indent="0">
+              <a:buNone/>
+            </a:pPr>
+            <a:endParaRPr lang="id-ID" u="sng" dirty="0"/>
+          </a:p>
+          <a:p>
+            <a:endParaRPr lang="id-ID" dirty="0"/>
+          </a:p>
+          <a:p>
+            <a:endParaRPr lang="id-ID" dirty="0"/>
+          </a:p>
+        </p:txBody>
+      </p:sp>
+      <p:sp>
+        <p:nvSpPr>
+          <p:cNvPr id="5" name="TextBox 4">
+            <a:extLst>
+              <a:ext uri="{FF2B5EF4-FFF2-40B4-BE49-F238E27FC236}">
+                <a16:creationId xmlns:a16="http://schemas.microsoft.com/office/drawing/2014/main" id="{0ADAEA24-91DC-4A99-A992-CF524A0B81BF}"/>
+              </a:ext>
+            </a:extLst>
+          </p:cNvPr>
+          <p:cNvSpPr txBox="1"/>
+          <p:nvPr/>
+        </p:nvSpPr>
+        <p:spPr>
+          <a:xfrm>
+            <a:off x="11343861" y="6347791"/>
+            <a:ext cx="441146" cy="369332"/>
+          </a:xfrm>
+          <a:prstGeom prst="rect">
+            <a:avLst/>
+          </a:prstGeom>
+          <a:noFill/>
+        </p:spPr>
+        <p:txBody>
+          <a:bodyPr wrap="none" rtlCol="0">
+            <a:spAutoFit/>
+          </a:bodyPr>
+          <a:lstStyle/>
+          <a:p>
+            <a:r>
+              <a:rPr lang="id-ID" dirty="0"/>
+              <a:t>31</a:t>
+            </a:r>
+          </a:p>
+        </p:txBody>
+      </p:sp>
+    </p:spTree>
+    <p:extLst>
+      <p:ext uri="{BB962C8B-B14F-4D97-AF65-F5344CB8AC3E}">
+        <p14:creationId xmlns:p14="http://schemas.microsoft.com/office/powerpoint/2010/main" val="2916429662"/>
+      </p:ext>
+    </p:extLst>
+  </p:cSld>
+  <p:clrMapOvr>
+    <a:masterClrMapping/>
+  </p:clrMapOvr>
+</p:sld>
+</file>
+
+<file path=ppt/slides/slide34.xml><?xml version="1.0" encoding="utf-8"?>
+<p:sld xmlns:a="http://schemas.openxmlformats.org/drawingml/2006/main" xmlns:r="http://schemas.openxmlformats.org/officeDocument/2006/relationships" xmlns:p="http://schemas.openxmlformats.org/presentationml/2006/main">
+  <p:cSld>
+    <p:spTree>
+      <p:nvGrpSpPr>
+        <p:cNvPr id="1" name=""/>
+        <p:cNvGrpSpPr/>
+        <p:nvPr/>
+      </p:nvGrpSpPr>
+      <p:grpSpPr>
+        <a:xfrm>
+          <a:off x="0" y="0"/>
+          <a:ext cx="0" cy="0"/>
+          <a:chOff x="0" y="0"/>
+          <a:chExt cx="0" cy="0"/>
+        </a:xfrm>
+      </p:grpSpPr>
+      <p:sp>
+        <p:nvSpPr>
+          <p:cNvPr id="2" name="Title 1">
+            <a:extLst>
+              <a:ext uri="{FF2B5EF4-FFF2-40B4-BE49-F238E27FC236}">
+                <a16:creationId xmlns:a16="http://schemas.microsoft.com/office/drawing/2014/main" id="{AA79899C-AF17-4F03-A1A8-23549708BD54}"/>
+              </a:ext>
+            </a:extLst>
+          </p:cNvPr>
+          <p:cNvSpPr>
+            <a:spLocks noGrp="1"/>
+          </p:cNvSpPr>
+          <p:nvPr>
+            <p:ph type="title"/>
+          </p:nvPr>
+        </p:nvSpPr>
+        <p:spPr/>
+        <p:txBody>
+          <a:bodyPr/>
+          <a:lstStyle/>
+          <a:p>
+            <a:r>
+              <a:rPr lang="id-ID" dirty="0"/>
+              <a:t>Referensi</a:t>
+            </a:r>
+          </a:p>
+        </p:txBody>
+      </p:sp>
+      <p:sp>
+        <p:nvSpPr>
+          <p:cNvPr id="3" name="Content Placeholder 2">
+            <a:extLst>
+              <a:ext uri="{FF2B5EF4-FFF2-40B4-BE49-F238E27FC236}">
+                <a16:creationId xmlns:a16="http://schemas.microsoft.com/office/drawing/2014/main" id="{1BC9E678-9019-4E2C-BC25-A489AB7D1282}"/>
+              </a:ext>
+            </a:extLst>
+          </p:cNvPr>
+          <p:cNvSpPr>
+            <a:spLocks noGrp="1"/>
+          </p:cNvSpPr>
+          <p:nvPr>
+            <p:ph idx="1"/>
+          </p:nvPr>
+        </p:nvSpPr>
+        <p:spPr/>
+        <p:txBody>
+          <a:bodyPr>
+            <a:normAutofit fontScale="92500" lnSpcReduction="10000"/>
+          </a:bodyPr>
+          <a:lstStyle/>
+          <a:p>
+            <a:pPr marL="0" indent="0">
+              <a:buNone/>
+            </a:pPr>
+            <a:r>
+              <a:rPr lang="id-ID" sz="1300" dirty="0"/>
+              <a:t>10.    </a:t>
+            </a:r>
+            <a:r>
+              <a:rPr lang="id-ID" dirty="0"/>
+              <a:t>http://www.codebind.com/android-tutorials-and-examples/android-sqlite-tutorial-example/</a:t>
+            </a:r>
+          </a:p>
+          <a:p>
+            <a:pPr marL="0" indent="0">
+              <a:buNone/>
+            </a:pPr>
+            <a:r>
+              <a:rPr lang="id-ID" sz="1300" dirty="0"/>
+              <a:t>11.    </a:t>
+            </a:r>
+            <a:r>
+              <a:rPr lang="id-ID" dirty="0"/>
+              <a:t>https://www.youtube.com/watch?v=cp2rL3sAFmI&amp;t=572</a:t>
+            </a:r>
+          </a:p>
+          <a:p>
+            <a:pPr marL="0" indent="0">
+              <a:buNone/>
+            </a:pPr>
+            <a:r>
+              <a:rPr lang="id-ID" sz="1200" dirty="0"/>
+              <a:t>12.    </a:t>
+            </a:r>
+            <a:r>
+              <a:rPr lang="id-ID" dirty="0"/>
+              <a:t>https://www.youtube.com/watch?v=q7ipa6zt4CU&amp;t=1402</a:t>
+            </a:r>
+          </a:p>
+          <a:p>
+            <a:pPr marL="0" indent="0">
+              <a:buNone/>
+            </a:pPr>
+            <a:r>
+              <a:rPr lang="id-ID" sz="1300" dirty="0"/>
+              <a:t>13 </a:t>
+            </a:r>
+            <a:r>
+              <a:rPr lang="id-ID" dirty="0"/>
+              <a:t> http://www.android-graphview.org/</a:t>
+            </a:r>
+          </a:p>
+          <a:p>
+            <a:pPr marL="0" indent="0">
+              <a:buNone/>
+            </a:pPr>
+            <a:r>
+              <a:rPr lang="id-ID" sz="1200" dirty="0"/>
+              <a:t>14     </a:t>
+            </a:r>
+            <a:r>
+              <a:rPr lang="id-ID" dirty="0"/>
+              <a:t>https://docs.google.com/forms</a:t>
+            </a:r>
+          </a:p>
+          <a:p>
+            <a:pPr marL="0" indent="0">
+              <a:buNone/>
+            </a:pPr>
+            <a:r>
+              <a:rPr lang="id-ID" sz="1300" dirty="0"/>
+              <a:t>15</a:t>
+            </a:r>
+            <a:r>
+              <a:rPr lang="id-ID" dirty="0"/>
+              <a:t>   http://www.statisticshowto.com/tables/t-distribution-table/</a:t>
+            </a:r>
+          </a:p>
+          <a:p>
+            <a:pPr marL="0" indent="0">
+              <a:buNone/>
+            </a:pPr>
+            <a:r>
+              <a:rPr lang="id-ID" sz="1300" dirty="0"/>
+              <a:t>16    </a:t>
+            </a:r>
+            <a:r>
+              <a:rPr lang="id-ID" dirty="0"/>
+              <a:t>http://sphweb.bumc.bu.edu/otlt/MPH-Modules/BS/R/R4_One-TwoSampleTests-ANOVA/R4_One-TwoSampleTests-ANOVA_print.html</a:t>
+            </a:r>
+          </a:p>
+          <a:p>
+            <a:pPr marL="0" indent="0">
+              <a:buNone/>
+            </a:pPr>
+            <a:r>
+              <a:rPr lang="id-ID" sz="1300" dirty="0"/>
+              <a:t>17     </a:t>
+            </a:r>
+            <a:r>
+              <a:rPr lang="id-ID" dirty="0"/>
+              <a:t>www.stat.ncsu.edu/courses/st311/Documents/Tables.pdf</a:t>
+            </a:r>
+          </a:p>
+          <a:p>
+            <a:endParaRPr lang="id-ID" dirty="0"/>
+          </a:p>
+        </p:txBody>
+      </p:sp>
+      <p:sp>
+        <p:nvSpPr>
+          <p:cNvPr id="4" name="TextBox 3">
+            <a:extLst>
+              <a:ext uri="{FF2B5EF4-FFF2-40B4-BE49-F238E27FC236}">
+                <a16:creationId xmlns:a16="http://schemas.microsoft.com/office/drawing/2014/main" id="{04264D4C-54D7-4EE2-B262-EBB2C29D583F}"/>
+              </a:ext>
+            </a:extLst>
+          </p:cNvPr>
+          <p:cNvSpPr txBox="1"/>
+          <p:nvPr/>
+        </p:nvSpPr>
+        <p:spPr>
+          <a:xfrm>
+            <a:off x="11343861" y="6347791"/>
+            <a:ext cx="441146" cy="369332"/>
+          </a:xfrm>
+          <a:prstGeom prst="rect">
+            <a:avLst/>
+          </a:prstGeom>
+          <a:noFill/>
+        </p:spPr>
+        <p:txBody>
+          <a:bodyPr wrap="none" rtlCol="0">
+            <a:spAutoFit/>
+          </a:bodyPr>
+          <a:lstStyle/>
+          <a:p>
+            <a:r>
+              <a:rPr lang="id-ID" dirty="0"/>
+              <a:t>32</a:t>
+            </a:r>
+          </a:p>
+        </p:txBody>
+      </p:sp>
+    </p:spTree>
+    <p:extLst>
+      <p:ext uri="{BB962C8B-B14F-4D97-AF65-F5344CB8AC3E}">
+        <p14:creationId xmlns:p14="http://schemas.microsoft.com/office/powerpoint/2010/main" val="3393367686"/>
+      </p:ext>
+    </p:extLst>
+  </p:cSld>
+  <p:clrMapOvr>
+    <a:masterClrMapping/>
+  </p:clrMapOvr>
+</p:sld>
+</file>
+
+<file path=ppt/slides/slide35.xml><?xml version="1.0" encoding="utf-8"?>
+<p:sld xmlns:a="http://schemas.openxmlformats.org/drawingml/2006/main" xmlns:r="http://schemas.openxmlformats.org/officeDocument/2006/relationships" xmlns:p="http://schemas.openxmlformats.org/presentationml/2006/main">
+  <p:cSld>
+    <p:spTree>
+      <p:nvGrpSpPr>
+        <p:cNvPr id="1" name=""/>
+        <p:cNvGrpSpPr/>
+        <p:nvPr/>
+      </p:nvGrpSpPr>
+      <p:grpSpPr>
+        <a:xfrm>
+          <a:off x="0" y="0"/>
+          <a:ext cx="0" cy="0"/>
+          <a:chOff x="0" y="0"/>
+          <a:chExt cx="0" cy="0"/>
+        </a:xfrm>
+      </p:grpSpPr>
+      <p:sp>
+        <p:nvSpPr>
+          <p:cNvPr id="2" name="Title 1">
+            <a:extLst>
+              <a:ext uri="{FF2B5EF4-FFF2-40B4-BE49-F238E27FC236}">
+                <a16:creationId xmlns:a16="http://schemas.microsoft.com/office/drawing/2014/main" id="{15FF7351-D227-43D7-96C1-74140E60BA28}"/>
+              </a:ext>
+            </a:extLst>
+          </p:cNvPr>
+          <p:cNvSpPr>
+            <a:spLocks noGrp="1"/>
+          </p:cNvSpPr>
+          <p:nvPr>
+            <p:ph type="title"/>
+          </p:nvPr>
+        </p:nvSpPr>
+        <p:spPr/>
+        <p:txBody>
+          <a:bodyPr/>
+          <a:lstStyle/>
+          <a:p>
+            <a:r>
+              <a:rPr lang="id-ID" dirty="0"/>
+              <a:t>Referensi-ScoreBoard</a:t>
+            </a:r>
+          </a:p>
+        </p:txBody>
+      </p:sp>
+      <p:sp>
+        <p:nvSpPr>
+          <p:cNvPr id="5" name="TextBox 4">
+            <a:extLst>
+              <a:ext uri="{FF2B5EF4-FFF2-40B4-BE49-F238E27FC236}">
+                <a16:creationId xmlns:a16="http://schemas.microsoft.com/office/drawing/2014/main" id="{B282E7B9-CA4A-4745-8DF2-465B963D6E04}"/>
+              </a:ext>
+            </a:extLst>
+          </p:cNvPr>
+          <p:cNvSpPr txBox="1"/>
+          <p:nvPr/>
+        </p:nvSpPr>
+        <p:spPr>
+          <a:xfrm>
+            <a:off x="1154954" y="2761172"/>
+            <a:ext cx="9844350" cy="1200329"/>
+          </a:xfrm>
+          <a:prstGeom prst="rect">
+            <a:avLst/>
+          </a:prstGeom>
+          <a:noFill/>
+          <a:ln>
+            <a:noFill/>
+          </a:ln>
+        </p:spPr>
+        <p:style>
+          <a:lnRef idx="0">
+            <a:scrgbClr r="0" g="0" b="0"/>
+          </a:lnRef>
+          <a:fillRef idx="0">
+            <a:scrgbClr r="0" g="0" b="0"/>
+          </a:fillRef>
+          <a:effectRef idx="0">
+            <a:scrgbClr r="0" g="0" b="0"/>
+          </a:effectRef>
+          <a:fontRef idx="minor">
+            <a:schemeClr val="dk1"/>
+          </a:fontRef>
+        </p:style>
+        <p:txBody>
+          <a:bodyPr wrap="square" rtlCol="0">
+            <a:spAutoFit/>
+          </a:bodyPr>
+          <a:lstStyle/>
+          <a:p>
+            <a:pPr fontAlgn="b"/>
+            <a:r>
+              <a:rPr lang="id-ID" sz="1200" dirty="0"/>
+              <a:t>18.</a:t>
+            </a:r>
+            <a:r>
+              <a:rPr lang="id-ID" dirty="0"/>
+              <a:t> </a:t>
+            </a:r>
+            <a:r>
+              <a:rPr lang="id-ID" dirty="0">
+                <a:hlinkClick r:id="rId2"/>
+              </a:rPr>
+              <a:t>https://developer.android.com/guide/topics/ui/look-and-feel/themes.html</a:t>
+            </a:r>
+            <a:endParaRPr lang="id-ID" dirty="0"/>
+          </a:p>
+          <a:p>
+            <a:pPr fontAlgn="b"/>
+            <a:r>
+              <a:rPr lang="id-ID" sz="1200" dirty="0"/>
+              <a:t>19.</a:t>
+            </a:r>
+            <a:r>
+              <a:rPr lang="id-ID" dirty="0"/>
+              <a:t> </a:t>
+            </a:r>
+            <a:r>
+              <a:rPr lang="id-ID" dirty="0">
+                <a:hlinkClick r:id="rId3"/>
+              </a:rPr>
+              <a:t>https://developer.android.com/training/search/search.html</a:t>
+            </a:r>
+            <a:endParaRPr lang="id-ID" dirty="0"/>
+          </a:p>
+          <a:p>
+            <a:pPr fontAlgn="b"/>
+            <a:r>
+              <a:rPr lang="id-ID" sz="1200" dirty="0"/>
+              <a:t>20. </a:t>
+            </a:r>
+            <a:r>
+              <a:rPr lang="id-ID" dirty="0"/>
+              <a:t>https://developer.android.com/reference/android/widget/CalendarView.html</a:t>
+            </a:r>
+          </a:p>
+          <a:p>
+            <a:pPr fontAlgn="b"/>
+            <a:endParaRPr lang="id-ID" u="sng" dirty="0">
+              <a:solidFill>
+                <a:srgbClr val="0000FF"/>
+              </a:solidFill>
+              <a:latin typeface="Arial" panose="020B0604020202020204" pitchFamily="34" charset="0"/>
+            </a:endParaRPr>
+          </a:p>
+        </p:txBody>
+      </p:sp>
+      <p:sp>
+        <p:nvSpPr>
+          <p:cNvPr id="8" name="TextBox 7">
+            <a:extLst>
+              <a:ext uri="{FF2B5EF4-FFF2-40B4-BE49-F238E27FC236}">
+                <a16:creationId xmlns:a16="http://schemas.microsoft.com/office/drawing/2014/main" id="{5938CD2D-92CC-45EB-A401-B954E1CFAC71}"/>
+              </a:ext>
+            </a:extLst>
+          </p:cNvPr>
+          <p:cNvSpPr txBox="1"/>
+          <p:nvPr/>
+        </p:nvSpPr>
+        <p:spPr>
+          <a:xfrm>
+            <a:off x="11343861" y="6347791"/>
+            <a:ext cx="441146" cy="369332"/>
+          </a:xfrm>
+          <a:prstGeom prst="rect">
+            <a:avLst/>
+          </a:prstGeom>
+          <a:noFill/>
+        </p:spPr>
+        <p:txBody>
+          <a:bodyPr wrap="none" rtlCol="0">
+            <a:spAutoFit/>
+          </a:bodyPr>
+          <a:lstStyle/>
+          <a:p>
+            <a:r>
+              <a:rPr lang="id-ID" dirty="0"/>
+              <a:t>33</a:t>
+            </a:r>
+          </a:p>
+        </p:txBody>
+      </p:sp>
+    </p:spTree>
+    <p:extLst>
+      <p:ext uri="{BB962C8B-B14F-4D97-AF65-F5344CB8AC3E}">
+        <p14:creationId xmlns:p14="http://schemas.microsoft.com/office/powerpoint/2010/main" val="1454664823"/>
+      </p:ext>
+    </p:extLst>
+  </p:cSld>
+  <p:clrMapOvr>
+    <a:masterClrMapping/>
+  </p:clrMapOvr>
+</p:sld>
+</file>
+
+<file path=ppt/slides/slide36.xml><?xml version="1.0" encoding="utf-8"?>
 <p:sld xmlns:a="http://schemas.openxmlformats.org/drawingml/2006/main" xmlns:r="http://schemas.openxmlformats.org/officeDocument/2006/relationships" xmlns:p="http://schemas.openxmlformats.org/presentationml/2006/main">
   <p:cSld>
     <p:spTree>
@@ -17464,18 +21906,13 @@
           <a:p>
             <a:pPr algn="ctr"/>
             <a:r>
-              <a:rPr lang="id-ID" dirty="0" smtClean="0">
+              <a:rPr lang="id-ID" dirty="0">
                 <a:solidFill>
                   <a:schemeClr val="tx1"/>
                 </a:solidFill>
               </a:rPr>
               <a:t>Thank You!</a:t>
             </a:r>
-            <a:endParaRPr lang="id-ID" dirty="0">
-              <a:solidFill>
-                <a:schemeClr val="tx1"/>
-              </a:solidFill>
-            </a:endParaRPr>
           </a:p>
         </p:txBody>
       </p:sp>
@@ -17487,7 +21924,7 @@
 </p:sld>
 </file>
 
-<file path=ppt/slides/slide3.xml><?xml version="1.0" encoding="utf-8"?>
+<file path=ppt/slides/slide4.xml><?xml version="1.0" encoding="utf-8"?>
 <p:sld xmlns:a="http://schemas.openxmlformats.org/drawingml/2006/main" xmlns:r="http://schemas.openxmlformats.org/officeDocument/2006/relationships" xmlns:p="http://schemas.openxmlformats.org/presentationml/2006/main">
   <p:cSld>
     <p:spTree>
@@ -17509,7 +21946,7 @@
           <p:cNvPr id="2" name="Title 1">
             <a:extLst>
               <a:ext uri="{FF2B5EF4-FFF2-40B4-BE49-F238E27FC236}">
-                <a16:creationId xmlns:a16="http://schemas.microsoft.com/office/drawing/2014/main" xmlns="" id="{219D6532-4700-4D5A-ADC6-5B3F1F6A7A4C}"/>
+                <a16:creationId xmlns:a16="http://schemas.microsoft.com/office/drawing/2014/main" id="{219D6532-4700-4D5A-ADC6-5B3F1F6A7A4C}"/>
               </a:ext>
             </a:extLst>
           </p:cNvPr>
@@ -17537,7 +21974,7 @@
           <p:cNvPr id="3" name="Table 2">
             <a:extLst>
               <a:ext uri="{FF2B5EF4-FFF2-40B4-BE49-F238E27FC236}">
-                <a16:creationId xmlns:a16="http://schemas.microsoft.com/office/drawing/2014/main" xmlns="" id="{FF4A2F87-3948-4094-8395-B0E79B52F789}"/>
+                <a16:creationId xmlns:a16="http://schemas.microsoft.com/office/drawing/2014/main" id="{FF4A2F87-3948-4094-8395-B0E79B52F789}"/>
               </a:ext>
             </a:extLst>
           </p:cNvPr>
@@ -17547,7 +21984,7 @@
           <p:nvPr>
             <p:extLst>
               <p:ext uri="{D42A27DB-BD31-4B8C-83A1-F6EECF244321}">
-                <p14:modId xmlns:p14="http://schemas.microsoft.com/office/powerpoint/2010/main" xmlns="" val="2595851448"/>
+                <p14:modId xmlns:p14="http://schemas.microsoft.com/office/powerpoint/2010/main" val="2942995789"/>
               </p:ext>
             </p:extLst>
           </p:nvPr>
@@ -17566,21 +22003,21 @@
                 <a:gridCol w="1126545">
                   <a:extLst>
                     <a:ext uri="{9D8B030D-6E8A-4147-A177-3AD203B41FA5}">
-                      <a16:colId xmlns:a16="http://schemas.microsoft.com/office/drawing/2014/main" xmlns="" val="2364502279"/>
+                      <a16:colId xmlns:a16="http://schemas.microsoft.com/office/drawing/2014/main" val="2364502279"/>
                     </a:ext>
                   </a:extLst>
                 </a:gridCol>
                 <a:gridCol w="3617621">
                   <a:extLst>
                     <a:ext uri="{9D8B030D-6E8A-4147-A177-3AD203B41FA5}">
-                      <a16:colId xmlns:a16="http://schemas.microsoft.com/office/drawing/2014/main" xmlns="" val="3572054828"/>
+                      <a16:colId xmlns:a16="http://schemas.microsoft.com/office/drawing/2014/main" val="3572054828"/>
                     </a:ext>
                   </a:extLst>
                 </a:gridCol>
                 <a:gridCol w="2372083">
                   <a:extLst>
                     <a:ext uri="{9D8B030D-6E8A-4147-A177-3AD203B41FA5}">
-                      <a16:colId xmlns:a16="http://schemas.microsoft.com/office/drawing/2014/main" xmlns="" val="2453353115"/>
+                      <a16:colId xmlns:a16="http://schemas.microsoft.com/office/drawing/2014/main" val="2453353115"/>
                     </a:ext>
                   </a:extLst>
                 </a:gridCol>
@@ -17690,7 +22127,7 @@
                 </a:tc>
                 <a:extLst>
                   <a:ext uri="{0D108BD9-81ED-4DB2-BD59-A6C34878D82A}">
-                    <a16:rowId xmlns:a16="http://schemas.microsoft.com/office/drawing/2014/main" xmlns="" val="726232372"/>
+                    <a16:rowId xmlns:a16="http://schemas.microsoft.com/office/drawing/2014/main" val="726232372"/>
                   </a:ext>
                 </a:extLst>
               </a:tr>
@@ -17792,7 +22229,40 @@
                         <a:rPr lang="id-ID" sz="1000" dirty="0">
                           <a:effectLst/>
                         </a:rPr>
-                        <a:t>, Slide, Documentation, User Manual, Program Manual, Limitation</a:t>
+                        <a:t>, Slide, Documentation, </a:t>
+                      </a:r>
+                      <a:r>
+                        <a:rPr lang="id-ID" sz="1000" dirty="0">
+                          <a:effectLst/>
+                          <a:hlinkClick r:id="rId3" action="ppaction://hlinksldjump"/>
+                        </a:rPr>
+                        <a:t>User Manual</a:t>
+                      </a:r>
+                      <a:r>
+                        <a:rPr lang="id-ID" sz="1000" dirty="0">
+                          <a:effectLst/>
+                        </a:rPr>
+                        <a:t>, </a:t>
+                      </a:r>
+                      <a:r>
+                        <a:rPr lang="id-ID" sz="1000" dirty="0">
+                          <a:effectLst/>
+                          <a:hlinkClick r:id="rId4" action="ppaction://hlinksldjump"/>
+                        </a:rPr>
+                        <a:t>Program Manual</a:t>
+                      </a:r>
+                      <a:r>
+                        <a:rPr lang="id-ID" sz="1000" dirty="0">
+                          <a:effectLst/>
+                        </a:rPr>
+                        <a:t>, </a:t>
+                      </a:r>
+                      <a:r>
+                        <a:rPr lang="id-ID" sz="1000" dirty="0">
+                          <a:effectLst/>
+                          <a:hlinkClick r:id="rId5" action="ppaction://hlinksldjump"/>
+                        </a:rPr>
+                        <a:t>Limitation</a:t>
                       </a:r>
                       <a:r>
                         <a:rPr lang="en-US" sz="1000" dirty="0">
@@ -17830,7 +22300,7 @@
                 </a:tc>
                 <a:extLst>
                   <a:ext uri="{0D108BD9-81ED-4DB2-BD59-A6C34878D82A}">
-                    <a16:rowId xmlns:a16="http://schemas.microsoft.com/office/drawing/2014/main" xmlns="" val="2012280215"/>
+                    <a16:rowId xmlns:a16="http://schemas.microsoft.com/office/drawing/2014/main" val="2012280215"/>
                   </a:ext>
                 </a:extLst>
               </a:tr>
@@ -17916,12 +22386,32 @@
                         </a:spcAft>
                       </a:pPr>
                       <a:r>
-                        <a:rPr lang="id-ID" sz="1000">
+                        <a:rPr lang="id-ID" sz="1000" dirty="0">
                           <a:effectLst/>
                         </a:rPr>
-                        <a:t>Slide, Documentation, Design, Main Feature, Questionnaire &amp; Evaluation,T-test, Anova</a:t>
+                        <a:t>Slide, Documentation, Design, Main Feature, Questionnaire &amp; Evaluation,</a:t>
                       </a:r>
-                      <a:endParaRPr lang="en-US" sz="800">
+                      <a:r>
+                        <a:rPr lang="id-ID" sz="1000" dirty="0">
+                          <a:effectLst/>
+                          <a:hlinkClick r:id="rId6" action="ppaction://hlinksldjump"/>
+                        </a:rPr>
+                        <a:t>T-test</a:t>
+                      </a:r>
+                      <a:r>
+                        <a:rPr lang="id-ID" sz="1000" dirty="0">
+                          <a:effectLst/>
+                        </a:rPr>
+                        <a:t>, </a:t>
+                      </a:r>
+                      <a:r>
+                        <a:rPr lang="id-ID" sz="1000" dirty="0">
+                          <a:effectLst/>
+                          <a:hlinkClick r:id="rId7" action="ppaction://hlinksldjump"/>
+                        </a:rPr>
+                        <a:t>Anova</a:t>
+                      </a:r>
+                      <a:endParaRPr lang="en-US" sz="800" dirty="0">
                         <a:effectLst/>
                         <a:latin typeface="Calibri" panose="020F0502020204030204" pitchFamily="34" charset="0"/>
                         <a:ea typeface="Calibri" panose="020F0502020204030204" pitchFamily="34" charset="0"/>
@@ -17933,7 +22423,7 @@
                 </a:tc>
                 <a:extLst>
                   <a:ext uri="{0D108BD9-81ED-4DB2-BD59-A6C34878D82A}">
-                    <a16:rowId xmlns:a16="http://schemas.microsoft.com/office/drawing/2014/main" xmlns="" val="3847525903"/>
+                    <a16:rowId xmlns:a16="http://schemas.microsoft.com/office/drawing/2014/main" val="3847525903"/>
                   </a:ext>
                 </a:extLst>
               </a:tr>
@@ -18019,32 +22509,32 @@
                         </a:spcAft>
                       </a:pPr>
                       <a:r>
-                        <a:rPr lang="id-ID" sz="1000" u="none" strike="noStrike">
+                        <a:rPr lang="id-ID" sz="1000" u="none" strike="noStrike" dirty="0">
                           <a:effectLst/>
-                          <a:hlinkClick r:id="rId3"/>
+                          <a:hlinkClick r:id="rId8"/>
                         </a:rPr>
                         <a:t>Database Management</a:t>
                       </a:r>
                       <a:r>
-                        <a:rPr lang="id-ID" sz="1000">
+                        <a:rPr lang="id-ID" sz="1000" dirty="0">
                           <a:effectLst/>
                         </a:rPr>
                         <a:t>, Documentation, </a:t>
                       </a:r>
                       <a:r>
-                        <a:rPr lang="id-ID" sz="1000" u="none" strike="noStrike">
+                        <a:rPr lang="id-ID" sz="1000" u="none" strike="noStrike" dirty="0">
                           <a:effectLst/>
-                          <a:hlinkClick r:id="rId4"/>
+                          <a:hlinkClick r:id="rId9"/>
                         </a:rPr>
                         <a:t>Schedule and Resource</a:t>
                       </a:r>
                       <a:r>
-                        <a:rPr lang="id-ID" sz="1000">
+                        <a:rPr lang="id-ID" sz="1000" dirty="0">
                           <a:effectLst/>
                         </a:rPr>
                         <a:t>, Main Feature, Design, Slide</a:t>
                       </a:r>
-                      <a:endParaRPr lang="en-US" sz="800">
+                      <a:endParaRPr lang="en-US" sz="800" dirty="0">
                         <a:effectLst/>
                         <a:latin typeface="Calibri" panose="020F0502020204030204" pitchFamily="34" charset="0"/>
                         <a:ea typeface="Calibri" panose="020F0502020204030204" pitchFamily="34" charset="0"/>
@@ -18056,7 +22546,7 @@
                 </a:tc>
                 <a:extLst>
                   <a:ext uri="{0D108BD9-81ED-4DB2-BD59-A6C34878D82A}">
-                    <a16:rowId xmlns:a16="http://schemas.microsoft.com/office/drawing/2014/main" xmlns="" val="1761881527"/>
+                    <a16:rowId xmlns:a16="http://schemas.microsoft.com/office/drawing/2014/main" val="1761881527"/>
                   </a:ext>
                 </a:extLst>
               </a:tr>
@@ -18164,13 +22654,40 @@
                         <a:rPr lang="id-ID" sz="1000" dirty="0">
                           <a:effectLst/>
                         </a:rPr>
-                        <a:t>, Documentation, Slide, User Manual, Program Manual</a:t>
+                        <a:t>, Documentation, Slide, </a:t>
+                      </a:r>
+                      <a:r>
+                        <a:rPr lang="id-ID" sz="1000" dirty="0">
+                          <a:effectLst/>
+                          <a:hlinkClick r:id="rId3" action="ppaction://hlinksldjump"/>
+                        </a:rPr>
+                        <a:t>User Manual</a:t>
+                      </a:r>
+                      <a:r>
+                        <a:rPr lang="id-ID" sz="1000" dirty="0">
+                          <a:effectLst/>
+                        </a:rPr>
+                        <a:t>, </a:t>
+                      </a:r>
+                      <a:r>
+                        <a:rPr lang="id-ID" sz="1000" dirty="0">
+                          <a:effectLst/>
+                          <a:hlinkClick r:id="rId4" action="ppaction://hlinksldjump"/>
+                        </a:rPr>
+                        <a:t>Program Manual</a:t>
                       </a:r>
                       <a:r>
                         <a:rPr lang="en-US" sz="1000" dirty="0">
                           <a:effectLst/>
                         </a:rPr>
-                        <a:t>, Design Manual</a:t>
+                        <a:t>, </a:t>
+                      </a:r>
+                      <a:r>
+                        <a:rPr lang="en-US" sz="1000" dirty="0">
+                          <a:effectLst/>
+                          <a:hlinkClick r:id="rId10" action="ppaction://hlinksldjump"/>
+                        </a:rPr>
+                        <a:t>Design Manual</a:t>
                       </a:r>
                       <a:endParaRPr lang="en-US" sz="800" dirty="0">
                         <a:effectLst/>
@@ -18184,7 +22701,7 @@
                 </a:tc>
                 <a:extLst>
                   <a:ext uri="{0D108BD9-81ED-4DB2-BD59-A6C34878D82A}">
-                    <a16:rowId xmlns:a16="http://schemas.microsoft.com/office/drawing/2014/main" xmlns="" val="3646129101"/>
+                    <a16:rowId xmlns:a16="http://schemas.microsoft.com/office/drawing/2014/main" val="3646129101"/>
                   </a:ext>
                 </a:extLst>
               </a:tr>
@@ -18192,169 +22709,45 @@
           </a:graphicData>
         </a:graphic>
       </p:graphicFrame>
-    </p:spTree>
-    <p:extLst>
-      <p:ext uri="{BB962C8B-B14F-4D97-AF65-F5344CB8AC3E}">
-        <p14:creationId xmlns:p14="http://schemas.microsoft.com/office/powerpoint/2010/main" xmlns="" val="3782701233"/>
-      </p:ext>
-    </p:extLst>
-  </p:cSld>
-  <p:clrMapOvr>
-    <a:masterClrMapping/>
-  </p:clrMapOvr>
-</p:sld>
-</file>
-
-<file path=ppt/slides/slide4.xml><?xml version="1.0" encoding="utf-8"?>
-<p:sld xmlns:a="http://schemas.openxmlformats.org/drawingml/2006/main" xmlns:r="http://schemas.openxmlformats.org/officeDocument/2006/relationships" xmlns:p="http://schemas.openxmlformats.org/presentationml/2006/main">
-  <p:cSld>
-    <p:spTree>
-      <p:nvGrpSpPr>
-        <p:cNvPr id="1" name=""/>
-        <p:cNvGrpSpPr/>
-        <p:nvPr/>
-      </p:nvGrpSpPr>
-      <p:grpSpPr>
-        <a:xfrm>
-          <a:off x="0" y="0"/>
-          <a:ext cx="0" cy="0"/>
-          <a:chOff x="0" y="0"/>
-          <a:chExt cx="0" cy="0"/>
-        </a:xfrm>
-      </p:grpSpPr>
       <p:sp>
         <p:nvSpPr>
-          <p:cNvPr id="4" name="Rectangle 3">
+          <p:cNvPr id="4" name="TextBox 3">
             <a:extLst>
               <a:ext uri="{FF2B5EF4-FFF2-40B4-BE49-F238E27FC236}">
-                <a16:creationId xmlns:a16="http://schemas.microsoft.com/office/drawing/2014/main" xmlns="" id="{F050C2A6-AB5C-4D57-B384-B7A78274F019}"/>
+                <a16:creationId xmlns:a16="http://schemas.microsoft.com/office/drawing/2014/main" id="{C7D051BE-3C9D-4D1A-A030-1625B00864BB}"/>
               </a:ext>
             </a:extLst>
           </p:cNvPr>
-          <p:cNvSpPr/>
+          <p:cNvSpPr txBox="1"/>
           <p:nvPr/>
         </p:nvSpPr>
         <p:spPr>
           <a:xfrm>
-            <a:off x="4905194" y="3143865"/>
-            <a:ext cx="6096000" cy="2862322"/>
+            <a:off x="11343861" y="6347791"/>
+            <a:ext cx="312906" cy="369332"/>
           </a:xfrm>
           <a:prstGeom prst="rect">
             <a:avLst/>
           </a:prstGeom>
+          <a:noFill/>
         </p:spPr>
         <p:txBody>
-          <a:bodyPr>
+          <a:bodyPr wrap="none" rtlCol="0">
             <a:spAutoFit/>
           </a:bodyPr>
           <a:lstStyle/>
           <a:p>
             <a:r>
-              <a:rPr lang="en-GB" dirty="0"/>
-              <a:t>In a Brief, Budgeting Created to manage finance or budgeting that allows users to access and have a simple design that has new innovations such as having some features Today’s Transaction, Transaction Report, Transaction History.</a:t>
-            </a:r>
-          </a:p>
-          <a:p>
-            <a:endParaRPr lang="en-GB" dirty="0"/>
-          </a:p>
-          <a:p>
-            <a:r>
-              <a:rPr lang="en-GB" dirty="0"/>
-              <a:t>Minimum System Requirement for Budget to run:</a:t>
-            </a:r>
-          </a:p>
-          <a:p>
-            <a:endParaRPr lang="en-GB" dirty="0"/>
-          </a:p>
-          <a:p>
-            <a:r>
-              <a:rPr lang="en-GB" dirty="0"/>
-              <a:t>Android OS: LOLLIPOP(API 21)</a:t>
-            </a:r>
-          </a:p>
-          <a:p>
-            <a:endParaRPr lang="en-US" dirty="0"/>
+              <a:rPr lang="id-ID" dirty="0"/>
+              <a:t>2</a:t>
+            </a:r>
           </a:p>
         </p:txBody>
       </p:sp>
-      <p:sp>
-        <p:nvSpPr>
-          <p:cNvPr id="6" name="Rectangle 5">
-            <a:extLst>
-              <a:ext uri="{FF2B5EF4-FFF2-40B4-BE49-F238E27FC236}">
-                <a16:creationId xmlns:a16="http://schemas.microsoft.com/office/drawing/2014/main" xmlns="" id="{6CC1B9D9-003B-41D7-A0D4-14D6C74AF12F}"/>
-              </a:ext>
-            </a:extLst>
-          </p:cNvPr>
-          <p:cNvSpPr/>
-          <p:nvPr/>
-        </p:nvSpPr>
-        <p:spPr>
-          <a:xfrm>
-            <a:off x="733461" y="972276"/>
-            <a:ext cx="3871573" cy="584775"/>
-          </a:xfrm>
-          <a:prstGeom prst="rect">
-            <a:avLst/>
-          </a:prstGeom>
-        </p:spPr>
-        <p:txBody>
-          <a:bodyPr wrap="none">
-            <a:spAutoFit/>
-          </a:bodyPr>
-          <a:lstStyle/>
-          <a:p>
-            <a:r>
-              <a:rPr lang="en-US" sz="3200" dirty="0">
-                <a:solidFill>
-                  <a:schemeClr val="bg1"/>
-                </a:solidFill>
-              </a:rPr>
-              <a:t>BRIEF DESCRIPTION</a:t>
-            </a:r>
-          </a:p>
-        </p:txBody>
-      </p:sp>
-      <p:pic>
-        <p:nvPicPr>
-          <p:cNvPr id="8" name="Picture 7">
-            <a:extLst>
-              <a:ext uri="{FF2B5EF4-FFF2-40B4-BE49-F238E27FC236}">
-                <a16:creationId xmlns:a16="http://schemas.microsoft.com/office/drawing/2014/main" xmlns="" id="{C9DEDB05-D969-4ABD-8E3C-F60A1E48143E}"/>
-              </a:ext>
-            </a:extLst>
-          </p:cNvPr>
-          <p:cNvPicPr>
-            <a:picLocks noChangeAspect="1"/>
-          </p:cNvPicPr>
-          <p:nvPr/>
-        </p:nvPicPr>
-        <p:blipFill>
-          <a:blip r:embed="rId2" cstate="print">
-            <a:extLst>
-              <a:ext uri="{28A0092B-C50C-407E-A947-70E740481C1C}">
-                <a14:useLocalDpi xmlns:a14="http://schemas.microsoft.com/office/drawing/2010/main" xmlns="" val="0"/>
-              </a:ext>
-            </a:extLst>
-          </a:blip>
-          <a:stretch>
-            <a:fillRect/>
-          </a:stretch>
-        </p:blipFill>
-        <p:spPr>
-          <a:xfrm>
-            <a:off x="1190806" y="2909230"/>
-            <a:ext cx="2956885" cy="2391719"/>
-          </a:xfrm>
-          <a:prstGeom prst="rect">
-            <a:avLst/>
-          </a:prstGeom>
-        </p:spPr>
-      </p:pic>
     </p:spTree>
     <p:extLst>
       <p:ext uri="{BB962C8B-B14F-4D97-AF65-F5344CB8AC3E}">
-        <p14:creationId xmlns:p14="http://schemas.microsoft.com/office/powerpoint/2010/main" xmlns="" val="1788965598"/>
+        <p14:creationId xmlns:p14="http://schemas.microsoft.com/office/powerpoint/2010/main" val="3782701233"/>
       </p:ext>
     </p:extLst>
   </p:cSld>
@@ -18386,7 +22779,7 @@
           <p:cNvPr id="2" name="Title 1">
             <a:extLst>
               <a:ext uri="{FF2B5EF4-FFF2-40B4-BE49-F238E27FC236}">
-                <a16:creationId xmlns:a16="http://schemas.microsoft.com/office/drawing/2014/main" xmlns="" id="{A692CE3A-FCA7-431D-959A-A70E2213C0DD}"/>
+                <a16:creationId xmlns:a16="http://schemas.microsoft.com/office/drawing/2014/main" id="{A2A52073-4FB7-495E-A520-A936EEA7A4A7}"/>
               </a:ext>
             </a:extLst>
           </p:cNvPr>
@@ -18403,8 +22796,8 @@
           <a:lstStyle/>
           <a:p>
             <a:r>
-              <a:rPr lang="en-US" dirty="0"/>
-              <a:t>Layout</a:t>
+              <a:rPr lang="id-ID" dirty="0"/>
+              <a:t>Score Board</a:t>
             </a:r>
           </a:p>
         </p:txBody>
@@ -18414,7 +22807,7 @@
           <p:cNvPr id="3" name="Content Placeholder 2">
             <a:extLst>
               <a:ext uri="{FF2B5EF4-FFF2-40B4-BE49-F238E27FC236}">
-                <a16:creationId xmlns:a16="http://schemas.microsoft.com/office/drawing/2014/main" xmlns="" id="{AFC0B55B-9DFF-486A-8E0F-13933D89C651}"/>
+                <a16:creationId xmlns:a16="http://schemas.microsoft.com/office/drawing/2014/main" id="{19F4BD8F-1742-48D7-9F03-C83CDE3B2299}"/>
               </a:ext>
             </a:extLst>
           </p:cNvPr>
@@ -18425,169 +22818,164 @@
             <p:ph idx="1"/>
           </p:nvPr>
         </p:nvSpPr>
-        <p:spPr>
-          <a:xfrm>
-            <a:off x="4409430" y="2318365"/>
-            <a:ext cx="6042259" cy="3416300"/>
-          </a:xfrm>
-        </p:spPr>
+        <p:spPr/>
         <p:txBody>
           <a:bodyPr>
-            <a:normAutofit/>
+            <a:normAutofit fontScale="92500" lnSpcReduction="20000"/>
           </a:bodyPr>
           <a:lstStyle/>
           <a:p>
-            <a:pPr marL="0" indent="0">
-              <a:buNone/>
-            </a:pPr>
-            <a:r>
-              <a:rPr lang="id-ID" dirty="0"/>
-              <a:t>In general, the layout for main activity Budgeting is given below:</a:t>
-            </a:r>
-            <a:endParaRPr lang="en-US" dirty="0"/>
-          </a:p>
-          <a:p>
-            <a:pPr marL="0" indent="0">
-              <a:buNone/>
-            </a:pPr>
-            <a:r>
-              <a:rPr lang="id-ID" dirty="0"/>
-              <a:t>-Navigation drawer: when clicked, it will show Today’s Transaction</a:t>
-            </a:r>
             <a:r>
               <a:rPr lang="en-US" dirty="0"/>
-              <a:t>, </a:t>
-            </a:r>
-            <a:r>
-              <a:rPr lang="id-ID" dirty="0"/>
-              <a:t>Transaction Report</a:t>
+              <a:t>Back Ground </a:t>
+            </a:r>
+            <a:r>
+              <a:rPr lang="en-US" dirty="0" err="1"/>
+              <a:t>colour</a:t>
             </a:r>
             <a:r>
               <a:rPr lang="en-US" dirty="0"/>
-              <a:t>, </a:t>
-            </a:r>
-            <a:r>
-              <a:rPr lang="id-ID" dirty="0"/>
-              <a:t>Transaction History</a:t>
-            </a:r>
+              <a:t> other than default</a:t>
+            </a:r>
+            <a:endParaRPr lang="id-ID" dirty="0"/>
+          </a:p>
+          <a:p>
             <a:r>
               <a:rPr lang="en-US" dirty="0"/>
-              <a:t>.</a:t>
-            </a:r>
-          </a:p>
-          <a:p>
-            <a:pPr marL="0" indent="0">
-              <a:buNone/>
-            </a:pPr>
-            <a:r>
-              <a:rPr lang="id-ID" dirty="0"/>
-              <a:t>-Top Bar: shows the title of apps, contains navigation drawer and options menu.</a:t>
-            </a:r>
-            <a:endParaRPr lang="en-US" dirty="0"/>
-          </a:p>
-          <a:p>
-            <a:pPr marL="0" indent="0">
-              <a:buNone/>
-            </a:pPr>
-            <a:r>
-              <a:rPr lang="id-ID" dirty="0"/>
-              <a:t>-Options menu: when clicked, options will pop out help file,settings.</a:t>
-            </a:r>
-            <a:endParaRPr lang="en-US" dirty="0"/>
-          </a:p>
-          <a:p>
-            <a:pPr marL="0" indent="0">
-              <a:buNone/>
-            </a:pPr>
-            <a:r>
-              <a:rPr lang="id-ID" dirty="0"/>
-              <a:t>-Main Content: all the content for apps will be shown here.</a:t>
-            </a:r>
-            <a:endParaRPr lang="en-US" dirty="0"/>
-          </a:p>
-          <a:p>
-            <a:endParaRPr lang="en-US" dirty="0"/>
+              <a:t>Button min. 7</a:t>
+            </a:r>
+            <a:endParaRPr lang="id-ID" dirty="0"/>
+          </a:p>
+          <a:p>
+            <a:r>
+              <a:rPr lang="en-US" dirty="0"/>
+              <a:t>Button Design</a:t>
+            </a:r>
+            <a:endParaRPr lang="id-ID" dirty="0"/>
+          </a:p>
+          <a:p>
+            <a:r>
+              <a:rPr lang="en-US" dirty="0"/>
+              <a:t>Icon min. 4</a:t>
+            </a:r>
+            <a:endParaRPr lang="id-ID" dirty="0"/>
+          </a:p>
+          <a:p>
+            <a:r>
+              <a:rPr lang="en-US" dirty="0"/>
+              <a:t>Icon design</a:t>
+            </a:r>
+            <a:endParaRPr lang="id-ID" dirty="0"/>
+          </a:p>
+          <a:p>
+            <a:r>
+              <a:rPr lang="en-US" dirty="0"/>
+              <a:t>Menu </a:t>
+            </a:r>
+            <a:endParaRPr lang="id-ID" dirty="0"/>
+          </a:p>
+          <a:p>
+            <a:r>
+              <a:rPr lang="en-US" dirty="0"/>
+              <a:t>Help file</a:t>
+            </a:r>
+            <a:endParaRPr lang="id-ID" dirty="0"/>
+          </a:p>
+          <a:p>
+            <a:r>
+              <a:rPr lang="en-US" dirty="0"/>
+              <a:t>Form captioned</a:t>
+            </a:r>
+            <a:endParaRPr lang="id-ID" dirty="0"/>
+          </a:p>
+          <a:p>
+            <a:r>
+              <a:rPr lang="en-US" dirty="0"/>
+              <a:t>Form shapes variation</a:t>
+            </a:r>
+            <a:endParaRPr lang="id-ID" dirty="0"/>
+          </a:p>
+          <a:p>
+            <a:r>
+              <a:rPr lang="en-US" dirty="0"/>
+              <a:t>Tool tip text</a:t>
+            </a:r>
+            <a:endParaRPr lang="id-ID" dirty="0"/>
+          </a:p>
+          <a:p>
+            <a:endParaRPr lang="id-ID" dirty="0"/>
+          </a:p>
+          <a:p>
+            <a:endParaRPr lang="id-ID" dirty="0"/>
           </a:p>
         </p:txBody>
       </p:sp>
-      <p:pic>
-        <p:nvPicPr>
-          <p:cNvPr id="5" name="Picture 4">
+      <p:sp>
+        <p:nvSpPr>
+          <p:cNvPr id="4" name="TextBox 3">
             <a:extLst>
               <a:ext uri="{FF2B5EF4-FFF2-40B4-BE49-F238E27FC236}">
-                <a16:creationId xmlns:a16="http://schemas.microsoft.com/office/drawing/2014/main" xmlns="" id="{9FEB0B07-6E48-46D4-9932-74919CA5F8B0}"/>
+                <a16:creationId xmlns:a16="http://schemas.microsoft.com/office/drawing/2014/main" id="{4D8A7725-7E2A-43ED-B23E-4927517EC40B}"/>
               </a:ext>
             </a:extLst>
           </p:cNvPr>
-          <p:cNvPicPr>
-            <a:picLocks noChangeAspect="1"/>
-          </p:cNvPicPr>
+          <p:cNvSpPr txBox="1"/>
           <p:nvPr/>
-        </p:nvPicPr>
-        <p:blipFill>
-          <a:blip r:embed="rId2" cstate="print">
-            <a:extLst>
-              <a:ext uri="{28A0092B-C50C-407E-A947-70E740481C1C}">
-                <a14:useLocalDpi xmlns:a14="http://schemas.microsoft.com/office/drawing/2010/main" xmlns="" val="0"/>
-              </a:ext>
-            </a:extLst>
-          </a:blip>
-          <a:stretch>
-            <a:fillRect/>
-          </a:stretch>
-        </p:blipFill>
+        </p:nvSpPr>
         <p:spPr>
           <a:xfrm>
-            <a:off x="770632" y="2440975"/>
-            <a:ext cx="2881509" cy="4254500"/>
+            <a:off x="11343861" y="6347791"/>
+            <a:ext cx="312906" cy="369332"/>
           </a:xfrm>
           <a:prstGeom prst="rect">
             <a:avLst/>
           </a:prstGeom>
+          <a:noFill/>
         </p:spPr>
-      </p:pic>
+        <p:txBody>
+          <a:bodyPr wrap="none" rtlCol="0">
+            <a:spAutoFit/>
+          </a:bodyPr>
+          <a:lstStyle/>
+          <a:p>
+            <a:r>
+              <a:rPr lang="id-ID" dirty="0"/>
+              <a:t>3</a:t>
+            </a:r>
+          </a:p>
+        </p:txBody>
+      </p:sp>
       <p:sp>
         <p:nvSpPr>
-          <p:cNvPr id="6" name="Rectangle 5">
+          <p:cNvPr id="5" name="TextBox 4">
             <a:extLst>
               <a:ext uri="{FF2B5EF4-FFF2-40B4-BE49-F238E27FC236}">
-                <a16:creationId xmlns:a16="http://schemas.microsoft.com/office/drawing/2014/main" xmlns="" id="{610AA42D-D1C5-4CFE-91BC-553CF741DD1C}"/>
+                <a16:creationId xmlns:a16="http://schemas.microsoft.com/office/drawing/2014/main" id="{AD98B5C4-217D-437F-8411-CF7A626D22EF}"/>
               </a:ext>
             </a:extLst>
           </p:cNvPr>
-          <p:cNvSpPr/>
+          <p:cNvSpPr txBox="1"/>
           <p:nvPr/>
         </p:nvSpPr>
         <p:spPr>
           <a:xfrm>
-            <a:off x="4267200" y="5934670"/>
-            <a:ext cx="7620000" cy="923330"/>
+            <a:off x="1046922" y="2438400"/>
+            <a:ext cx="348172" cy="369332"/>
           </a:xfrm>
           <a:prstGeom prst="rect">
             <a:avLst/>
           </a:prstGeom>
+          <a:noFill/>
         </p:spPr>
         <p:txBody>
-          <a:bodyPr wrap="square">
+          <a:bodyPr wrap="none" rtlCol="0">
             <a:spAutoFit/>
           </a:bodyPr>
           <a:lstStyle/>
           <a:p>
             <a:r>
-              <a:rPr lang="en-US" dirty="0"/>
-              <a:t>References : </a:t>
-            </a:r>
-          </a:p>
-          <a:p>
-            <a:r>
-              <a:rPr lang="en-US" dirty="0"/>
-              <a:t>https://material.io/guidelines/material-design/introduction.html</a:t>
-            </a:r>
-          </a:p>
-          <a:p>
-            <a:r>
-              <a:rPr lang="en-US" dirty="0"/>
-              <a:t>https://material.io/guidelines/layout/structure.html#</a:t>
+              <a:rPr lang="id-ID" dirty="0"/>
+              <a:t>[]</a:t>
             </a:r>
           </a:p>
         </p:txBody>
@@ -18595,7 +22983,7 @@
     </p:spTree>
     <p:extLst>
       <p:ext uri="{BB962C8B-B14F-4D97-AF65-F5344CB8AC3E}">
-        <p14:creationId xmlns:p14="http://schemas.microsoft.com/office/powerpoint/2010/main" xmlns="" val="4256530823"/>
+        <p14:creationId xmlns:p14="http://schemas.microsoft.com/office/powerpoint/2010/main" val="1188321629"/>
       </p:ext>
     </p:extLst>
   </p:cSld>
@@ -18627,7 +23015,7 @@
           <p:cNvPr id="2" name="Title 1">
             <a:extLst>
               <a:ext uri="{FF2B5EF4-FFF2-40B4-BE49-F238E27FC236}">
-                <a16:creationId xmlns:a16="http://schemas.microsoft.com/office/drawing/2014/main" xmlns="" id="{D2764F75-7722-45CB-AC0F-CD80E860DB2E}"/>
+                <a16:creationId xmlns:a16="http://schemas.microsoft.com/office/drawing/2014/main" id="{A01BF0DF-BD3F-44A7-82BC-92C3E9BE3F55}"/>
               </a:ext>
             </a:extLst>
           </p:cNvPr>
@@ -18643,172 +23031,139 @@
           <a:bodyPr/>
           <a:lstStyle/>
           <a:p>
-            <a:r>
-              <a:rPr lang="en-US" dirty="0"/>
-              <a:t>Colors and Fonts</a:t>
-            </a:r>
+            <a:endParaRPr lang="id-ID"/>
           </a:p>
         </p:txBody>
       </p:sp>
-      <p:pic>
-        <p:nvPicPr>
-          <p:cNvPr id="4" name="Picture 3">
+      <p:sp>
+        <p:nvSpPr>
+          <p:cNvPr id="3" name="Content Placeholder 2">
             <a:extLst>
               <a:ext uri="{FF2B5EF4-FFF2-40B4-BE49-F238E27FC236}">
-                <a16:creationId xmlns:a16="http://schemas.microsoft.com/office/drawing/2014/main" xmlns="" id="{D7233DF0-B43C-4B19-B9E1-70EA236E1257}"/>
+                <a16:creationId xmlns:a16="http://schemas.microsoft.com/office/drawing/2014/main" id="{19EABEEB-6EBE-4343-B6ED-E0825B130BB5}"/>
               </a:ext>
             </a:extLst>
           </p:cNvPr>
-          <p:cNvPicPr>
-            <a:picLocks noChangeAspect="1"/>
-          </p:cNvPicPr>
+          <p:cNvSpPr>
+            <a:spLocks noGrp="1"/>
+          </p:cNvSpPr>
+          <p:nvPr>
+            <p:ph idx="1"/>
+          </p:nvPr>
+        </p:nvSpPr>
+        <p:spPr/>
+        <p:txBody>
+          <a:bodyPr>
+            <a:normAutofit/>
+          </a:bodyPr>
+          <a:lstStyle/>
+          <a:p>
+            <a:r>
+              <a:rPr lang="en-US" dirty="0"/>
+              <a:t>Splash</a:t>
+            </a:r>
+            <a:endParaRPr lang="id-ID" dirty="0"/>
+          </a:p>
+          <a:p>
+            <a:r>
+              <a:rPr lang="en-US" dirty="0"/>
+              <a:t>Search data</a:t>
+            </a:r>
+            <a:endParaRPr lang="id-ID" dirty="0"/>
+          </a:p>
+          <a:p>
+            <a:r>
+              <a:rPr lang="en-US" dirty="0"/>
+              <a:t>Animations</a:t>
+            </a:r>
+            <a:endParaRPr lang="id-ID" dirty="0"/>
+          </a:p>
+          <a:p>
+            <a:r>
+              <a:rPr lang="en-US" dirty="0"/>
+              <a:t>User manual</a:t>
+            </a:r>
+            <a:endParaRPr lang="id-ID" dirty="0"/>
+          </a:p>
+          <a:p>
+            <a:r>
+              <a:rPr lang="en-US" dirty="0"/>
+              <a:t>Program Manual</a:t>
+            </a:r>
+            <a:endParaRPr lang="id-ID" dirty="0"/>
+          </a:p>
+          <a:p>
+            <a:r>
+              <a:rPr lang="en-US" dirty="0"/>
+              <a:t>Questionnaire &amp; Evaluation</a:t>
+            </a:r>
+            <a:endParaRPr lang="id-ID" dirty="0"/>
+          </a:p>
+          <a:p>
+            <a:r>
+              <a:rPr lang="en-US" dirty="0"/>
+              <a:t>T-test</a:t>
+            </a:r>
+            <a:endParaRPr lang="id-ID" dirty="0"/>
+          </a:p>
+          <a:p>
+            <a:r>
+              <a:rPr lang="id-ID" dirty="0"/>
+              <a:t>A</a:t>
+            </a:r>
+            <a:r>
+              <a:rPr lang="en-US" dirty="0"/>
+              <a:t>nova **</a:t>
+            </a:r>
+            <a:endParaRPr lang="id-ID" dirty="0"/>
+          </a:p>
+          <a:p>
+            <a:endParaRPr lang="id-ID" dirty="0"/>
+          </a:p>
+          <a:p>
+            <a:endParaRPr lang="id-ID" dirty="0"/>
+          </a:p>
+        </p:txBody>
+      </p:sp>
+      <p:sp>
+        <p:nvSpPr>
+          <p:cNvPr id="4" name="TextBox 3">
+            <a:extLst>
+              <a:ext uri="{FF2B5EF4-FFF2-40B4-BE49-F238E27FC236}">
+                <a16:creationId xmlns:a16="http://schemas.microsoft.com/office/drawing/2014/main" id="{99490A0F-893C-4E24-B6B5-B4B1A90D32A0}"/>
+              </a:ext>
+            </a:extLst>
+          </p:cNvPr>
+          <p:cNvSpPr txBox="1"/>
           <p:nvPr/>
-        </p:nvPicPr>
-        <p:blipFill>
-          <a:blip r:embed="rId2" cstate="print"/>
-          <a:stretch>
-            <a:fillRect/>
-          </a:stretch>
-        </p:blipFill>
+        </p:nvSpPr>
         <p:spPr>
           <a:xfrm>
-            <a:off x="489023" y="1932005"/>
-            <a:ext cx="3206774" cy="4925995"/>
+            <a:off x="11343861" y="6347791"/>
+            <a:ext cx="312906" cy="369332"/>
           </a:xfrm>
           <a:prstGeom prst="rect">
             <a:avLst/>
           </a:prstGeom>
-        </p:spPr>
-      </p:pic>
-      <p:pic>
-        <p:nvPicPr>
-          <p:cNvPr id="5" name="Picture 4">
-            <a:extLst>
-              <a:ext uri="{FF2B5EF4-FFF2-40B4-BE49-F238E27FC236}">
-                <a16:creationId xmlns:a16="http://schemas.microsoft.com/office/drawing/2014/main" xmlns="" id="{8D4A626F-55D3-40CB-AAB0-5EF63909AC30}"/>
-              </a:ext>
-            </a:extLst>
-          </p:cNvPr>
-          <p:cNvPicPr>
-            <a:picLocks noChangeAspect="1"/>
-          </p:cNvPicPr>
-          <p:nvPr/>
-        </p:nvPicPr>
-        <p:blipFill>
-          <a:blip r:embed="rId3" cstate="print"/>
-          <a:stretch>
-            <a:fillRect/>
-          </a:stretch>
-        </p:blipFill>
-        <p:spPr>
-          <a:xfrm>
-            <a:off x="4276969" y="1932005"/>
-            <a:ext cx="5083749" cy="3577093"/>
-          </a:xfrm>
-          <a:prstGeom prst="rect">
-            <a:avLst/>
-          </a:prstGeom>
-        </p:spPr>
-      </p:pic>
-      <p:sp>
-        <p:nvSpPr>
-          <p:cNvPr id="6" name="Rectangle 5">
-            <a:extLst>
-              <a:ext uri="{FF2B5EF4-FFF2-40B4-BE49-F238E27FC236}">
-                <a16:creationId xmlns:a16="http://schemas.microsoft.com/office/drawing/2014/main" xmlns="" id="{55EC7A87-9FAA-4D5E-BF21-E3A3A73637CC}"/>
-              </a:ext>
-            </a:extLst>
-          </p:cNvPr>
-          <p:cNvSpPr/>
-          <p:nvPr/>
-        </p:nvSpPr>
-        <p:spPr>
-          <a:xfrm>
-            <a:off x="3695797" y="5509098"/>
-            <a:ext cx="9144000" cy="1338828"/>
-          </a:xfrm>
-          <a:prstGeom prst="rect">
-            <a:avLst/>
-          </a:prstGeom>
+          <a:noFill/>
         </p:spPr>
         <p:txBody>
-          <a:bodyPr wrap="square">
+          <a:bodyPr wrap="none" rtlCol="0">
             <a:spAutoFit/>
           </a:bodyPr>
           <a:lstStyle/>
           <a:p>
-            <a:pPr algn="just">
-              <a:lnSpc>
-                <a:spcPct val="150000"/>
-              </a:lnSpc>
-            </a:pPr>
-            <a:r>
-              <a:rPr lang="en-US" u="sng" dirty="0">
-                <a:solidFill>
-                  <a:srgbClr val="0000FF"/>
-                </a:solidFill>
-                <a:latin typeface="Times New Roman" panose="02020603050405020304" pitchFamily="18" charset="0"/>
-                <a:ea typeface="Times New Roman" panose="02020603050405020304" pitchFamily="18" charset="0"/>
-                <a:cs typeface="Times New Roman" panose="02020603050405020304" pitchFamily="18" charset="0"/>
-                <a:hlinkClick r:id="rId4"/>
-              </a:rPr>
-              <a:t>References :</a:t>
-            </a:r>
-          </a:p>
-          <a:p>
-            <a:pPr algn="just">
-              <a:lnSpc>
-                <a:spcPct val="150000"/>
-              </a:lnSpc>
-            </a:pPr>
-            <a:r>
-              <a:rPr lang="id-ID" u="sng" dirty="0">
-                <a:solidFill>
-                  <a:srgbClr val="0000FF"/>
-                </a:solidFill>
-                <a:latin typeface="Times New Roman" panose="02020603050405020304" pitchFamily="18" charset="0"/>
-                <a:ea typeface="Times New Roman" panose="02020603050405020304" pitchFamily="18" charset="0"/>
-                <a:cs typeface="Times New Roman" panose="02020603050405020304" pitchFamily="18" charset="0"/>
-                <a:hlinkClick r:id="rId4"/>
-              </a:rPr>
-              <a:t>https://developer.android.com/guide/topics/ui/layout/linear.html?hl=id</a:t>
-            </a:r>
-            <a:endParaRPr lang="en-US" dirty="0">
-              <a:latin typeface="Verdana" panose="020B0604030504040204" pitchFamily="34" charset="0"/>
-              <a:ea typeface="Times New Roman" panose="02020603050405020304" pitchFamily="18" charset="0"/>
-              <a:cs typeface="Times New Roman" panose="02020603050405020304" pitchFamily="18" charset="0"/>
-            </a:endParaRPr>
-          </a:p>
-          <a:p>
-            <a:pPr algn="just">
-              <a:lnSpc>
-                <a:spcPct val="150000"/>
-              </a:lnSpc>
-            </a:pPr>
-            <a:r>
-              <a:rPr lang="id-ID" u="sng" dirty="0">
-                <a:solidFill>
-                  <a:srgbClr val="0000FF"/>
-                </a:solidFill>
-                <a:latin typeface="Times New Roman" panose="02020603050405020304" pitchFamily="18" charset="0"/>
-                <a:ea typeface="Times New Roman" panose="02020603050405020304" pitchFamily="18" charset="0"/>
-                <a:cs typeface="Times New Roman" panose="02020603050405020304" pitchFamily="18" charset="0"/>
-                <a:hlinkClick r:id="rId5"/>
-              </a:rPr>
-              <a:t>https://material.io/guidelines/style/color.html</a:t>
-            </a:r>
-            <a:endParaRPr lang="en-US" dirty="0">
-              <a:latin typeface="Verdana" panose="020B0604030504040204" pitchFamily="34" charset="0"/>
-              <a:ea typeface="Times New Roman" panose="02020603050405020304" pitchFamily="18" charset="0"/>
-              <a:cs typeface="Times New Roman" panose="02020603050405020304" pitchFamily="18" charset="0"/>
-            </a:endParaRPr>
+            <a:r>
+              <a:rPr lang="id-ID" dirty="0"/>
+              <a:t>4</a:t>
+            </a:r>
           </a:p>
         </p:txBody>
       </p:sp>
     </p:spTree>
     <p:extLst>
       <p:ext uri="{BB962C8B-B14F-4D97-AF65-F5344CB8AC3E}">
-        <p14:creationId xmlns:p14="http://schemas.microsoft.com/office/powerpoint/2010/main" xmlns="" val="2428467678"/>
+        <p14:creationId xmlns:p14="http://schemas.microsoft.com/office/powerpoint/2010/main" val="2614821778"/>
       </p:ext>
     </p:extLst>
   </p:cSld>
@@ -18835,42 +23190,136 @@
           <a:chExt cx="0" cy="0"/>
         </a:xfrm>
       </p:grpSpPr>
-      <p:pic>
-        <p:nvPicPr>
-          <p:cNvPr id="4" name="Picture 3">
+      <p:sp>
+        <p:nvSpPr>
+          <p:cNvPr id="2" name="Title 1">
             <a:extLst>
               <a:ext uri="{FF2B5EF4-FFF2-40B4-BE49-F238E27FC236}">
-                <a16:creationId xmlns:a16="http://schemas.microsoft.com/office/drawing/2014/main" xmlns="" id="{6A669A25-B100-4647-85EA-2BFC41280CF7}"/>
+                <a16:creationId xmlns:a16="http://schemas.microsoft.com/office/drawing/2014/main" id="{8FE69DB0-830E-4227-AE25-0D9A583AA19C}"/>
               </a:ext>
             </a:extLst>
           </p:cNvPr>
-          <p:cNvPicPr>
-            <a:picLocks noChangeAspect="1"/>
-          </p:cNvPicPr>
-          <p:nvPr/>
-        </p:nvPicPr>
-        <p:blipFill>
-          <a:blip r:embed="rId2" cstate="print"/>
-          <a:stretch>
-            <a:fillRect/>
-          </a:stretch>
-        </p:blipFill>
-        <p:spPr>
-          <a:xfrm>
-            <a:off x="3492794" y="2471351"/>
-            <a:ext cx="4143682" cy="4386649"/>
-          </a:xfrm>
-          <a:prstGeom prst="rect">
-            <a:avLst/>
-          </a:prstGeom>
-        </p:spPr>
-      </p:pic>
+          <p:cNvSpPr>
+            <a:spLocks noGrp="1"/>
+          </p:cNvSpPr>
+          <p:nvPr>
+            <p:ph type="title"/>
+          </p:nvPr>
+        </p:nvSpPr>
+        <p:spPr/>
+        <p:txBody>
+          <a:bodyPr/>
+          <a:lstStyle/>
+          <a:p>
+            <a:endParaRPr lang="id-ID"/>
+          </a:p>
+        </p:txBody>
+      </p:sp>
       <p:sp>
         <p:nvSpPr>
-          <p:cNvPr id="5" name="TextBox 4">
+          <p:cNvPr id="3" name="Content Placeholder 2">
             <a:extLst>
               <a:ext uri="{FF2B5EF4-FFF2-40B4-BE49-F238E27FC236}">
-                <a16:creationId xmlns:a16="http://schemas.microsoft.com/office/drawing/2014/main" xmlns="" id="{8E7F5B92-DCBE-4878-882F-BD1E5976ACDB}"/>
+                <a16:creationId xmlns:a16="http://schemas.microsoft.com/office/drawing/2014/main" id="{281F0FEB-9DA4-4B5D-8D0D-0695C09B6B6F}"/>
+              </a:ext>
+            </a:extLst>
+          </p:cNvPr>
+          <p:cNvSpPr>
+            <a:spLocks noGrp="1"/>
+          </p:cNvSpPr>
+          <p:nvPr>
+            <p:ph idx="1"/>
+          </p:nvPr>
+        </p:nvSpPr>
+        <p:spPr/>
+        <p:txBody>
+          <a:bodyPr>
+            <a:normAutofit fontScale="92500" lnSpcReduction="10000"/>
+          </a:bodyPr>
+          <a:lstStyle/>
+          <a:p>
+            <a:r>
+              <a:rPr lang="en-US" dirty="0"/>
+              <a:t>Other working program/excellence, complexity of coding</a:t>
+            </a:r>
+            <a:endParaRPr lang="id-ID" dirty="0"/>
+          </a:p>
+          <a:p>
+            <a:r>
+              <a:rPr lang="en-US" dirty="0"/>
+              <a:t>SQL Connection</a:t>
+            </a:r>
+            <a:endParaRPr lang="id-ID" dirty="0"/>
+          </a:p>
+          <a:p>
+            <a:r>
+              <a:rPr lang="id-ID" dirty="0"/>
+              <a:t>P</a:t>
+            </a:r>
+            <a:r>
+              <a:rPr lang="en-US" dirty="0" err="1"/>
+              <a:t>assworded</a:t>
+            </a:r>
+            <a:r>
+              <a:rPr lang="en-US" dirty="0"/>
+              <a:t> data base and/or user name + </a:t>
+            </a:r>
+            <a:r>
+              <a:rPr lang="en-US" dirty="0" err="1"/>
+              <a:t>pwd</a:t>
+            </a:r>
+            <a:endParaRPr lang="id-ID" dirty="0"/>
+          </a:p>
+          <a:p>
+            <a:r>
+              <a:rPr lang="en-US" dirty="0"/>
+              <a:t>Limitation Considerations</a:t>
+            </a:r>
+            <a:endParaRPr lang="id-ID" dirty="0"/>
+          </a:p>
+          <a:p>
+            <a:r>
+              <a:rPr lang="en-US" dirty="0"/>
+              <a:t>team work + Presentation</a:t>
+            </a:r>
+            <a:endParaRPr lang="id-ID" dirty="0"/>
+          </a:p>
+          <a:p>
+            <a:r>
+              <a:rPr lang="en-US" dirty="0"/>
+              <a:t>Redesign</a:t>
+            </a:r>
+            <a:endParaRPr lang="id-ID" dirty="0"/>
+          </a:p>
+          <a:p>
+            <a:r>
+              <a:rPr lang="en-US" dirty="0"/>
+              <a:t>Creativity/Innovation</a:t>
+            </a:r>
+            <a:endParaRPr lang="id-ID" dirty="0"/>
+          </a:p>
+          <a:p>
+            <a:r>
+              <a:rPr lang="en-US" dirty="0"/>
+              <a:t>Report quality (completeness)</a:t>
+            </a:r>
+            <a:endParaRPr lang="id-ID" dirty="0"/>
+          </a:p>
+          <a:p>
+            <a:r>
+              <a:rPr lang="en-US" dirty="0"/>
+              <a:t>Quality work/honesty/integrity</a:t>
+            </a:r>
+            <a:endParaRPr lang="id-ID" dirty="0"/>
+          </a:p>
+        </p:txBody>
+      </p:sp>
+      <p:sp>
+        <p:nvSpPr>
+          <p:cNvPr id="4" name="TextBox 3">
+            <a:extLst>
+              <a:ext uri="{FF2B5EF4-FFF2-40B4-BE49-F238E27FC236}">
+                <a16:creationId xmlns:a16="http://schemas.microsoft.com/office/drawing/2014/main" id="{2851D6A9-AE3F-43EC-9A3B-C7B693757584}"/>
               </a:ext>
             </a:extLst>
           </p:cNvPr>
@@ -18879,8 +23328,8 @@
         </p:nvSpPr>
         <p:spPr>
           <a:xfrm>
-            <a:off x="954260" y="951603"/>
-            <a:ext cx="1221809" cy="584775"/>
+            <a:off x="11343861" y="6347791"/>
+            <a:ext cx="312906" cy="369332"/>
           </a:xfrm>
           <a:prstGeom prst="rect">
             <a:avLst/>
@@ -18894,12 +23343,8 @@
           <a:lstStyle/>
           <a:p>
             <a:r>
-              <a:rPr lang="en-US" sz="3200" dirty="0">
-                <a:solidFill>
-                  <a:schemeClr val="bg1"/>
-                </a:solidFill>
-              </a:rPr>
-              <a:t>Icons</a:t>
+              <a:rPr lang="id-ID" dirty="0"/>
+              <a:t>5</a:t>
             </a:r>
           </a:p>
         </p:txBody>
@@ -18907,7 +23352,7 @@
     </p:spTree>
     <p:extLst>
       <p:ext uri="{BB962C8B-B14F-4D97-AF65-F5344CB8AC3E}">
-        <p14:creationId xmlns:p14="http://schemas.microsoft.com/office/powerpoint/2010/main" xmlns="" val="1118632253"/>
+        <p14:creationId xmlns:p14="http://schemas.microsoft.com/office/powerpoint/2010/main" val="1707401384"/>
       </p:ext>
     </p:extLst>
   </p:cSld>
@@ -18939,7 +23384,7 @@
           <p:cNvPr id="2" name="Title 1">
             <a:extLst>
               <a:ext uri="{FF2B5EF4-FFF2-40B4-BE49-F238E27FC236}">
-                <a16:creationId xmlns:a16="http://schemas.microsoft.com/office/drawing/2014/main" xmlns="" id="{4120E70B-2134-4218-8EC5-6CF28864800D}"/>
+                <a16:creationId xmlns:a16="http://schemas.microsoft.com/office/drawing/2014/main" id="{8C00A2F2-E286-4939-89D6-BC1281251AAA}"/>
               </a:ext>
             </a:extLst>
           </p:cNvPr>
@@ -18956,8 +23401,8 @@
           <a:lstStyle/>
           <a:p>
             <a:r>
-              <a:rPr lang="en-US" dirty="0"/>
-              <a:t>Functionalities 1: ADD NEW</a:t>
+              <a:rPr lang="id-ID" dirty="0"/>
+              <a:t>Literature Survey</a:t>
             </a:r>
           </a:p>
         </p:txBody>
@@ -18967,7 +23412,7 @@
           <p:cNvPr id="3" name="Content Placeholder 2">
             <a:extLst>
               <a:ext uri="{FF2B5EF4-FFF2-40B4-BE49-F238E27FC236}">
-                <a16:creationId xmlns:a16="http://schemas.microsoft.com/office/drawing/2014/main" xmlns="" id="{AE42198F-7F31-4764-AFCD-E6E7A3296716}"/>
+                <a16:creationId xmlns:a16="http://schemas.microsoft.com/office/drawing/2014/main" id="{7D4F9E7C-D161-4E8F-8177-19AACEC20DDC}"/>
               </a:ext>
             </a:extLst>
           </p:cNvPr>
@@ -18980,105 +23425,126 @@
         </p:nvSpPr>
         <p:spPr>
           <a:xfrm>
-            <a:off x="6460122" y="3147198"/>
-            <a:ext cx="3456245" cy="3416300"/>
+            <a:off x="1154954" y="2796004"/>
+            <a:ext cx="8825659" cy="3416300"/>
           </a:xfrm>
         </p:spPr>
         <p:txBody>
           <a:bodyPr/>
           <a:lstStyle/>
           <a:p>
-            <a:pPr marL="0" indent="0">
-              <a:buNone/>
-            </a:pPr>
-            <a:r>
-              <a:rPr lang="en-GB" dirty="0"/>
-              <a:t>will contain :</a:t>
-            </a:r>
-            <a:endParaRPr lang="en-US" dirty="0"/>
-          </a:p>
-          <a:p>
-            <a:pPr lvl="0"/>
-            <a:r>
-              <a:rPr lang="en-GB" dirty="0"/>
-              <a:t>Tittle</a:t>
-            </a:r>
-            <a:endParaRPr lang="en-US" dirty="0"/>
-          </a:p>
-          <a:p>
-            <a:pPr lvl="0"/>
-            <a:r>
-              <a:rPr lang="en-GB" dirty="0"/>
-              <a:t>Amount</a:t>
-            </a:r>
-            <a:endParaRPr lang="en-US" dirty="0"/>
-          </a:p>
-          <a:p>
-            <a:pPr lvl="0"/>
-            <a:r>
-              <a:rPr lang="en-GB" dirty="0"/>
-              <a:t>Type</a:t>
-            </a:r>
-            <a:endParaRPr lang="en-US" dirty="0"/>
-          </a:p>
-          <a:p>
-            <a:pPr lvl="0"/>
-            <a:r>
-              <a:rPr lang="en-GB" dirty="0"/>
-              <a:t>Date</a:t>
-            </a:r>
-            <a:endParaRPr lang="en-US" dirty="0"/>
-          </a:p>
-          <a:p>
-            <a:pPr lvl="0"/>
-            <a:r>
-              <a:rPr lang="en-GB" dirty="0"/>
-              <a:t>Notes</a:t>
-            </a:r>
-            <a:endParaRPr lang="en-US" dirty="0"/>
-          </a:p>
-          <a:p>
-            <a:pPr marL="0" indent="0">
-              <a:buNone/>
-            </a:pPr>
-            <a:endParaRPr lang="en-US" dirty="0"/>
+            <a:r>
+              <a:rPr lang="id-ID" b="1" dirty="0">
+                <a:hlinkClick r:id="rId2" action="ppaction://hlinkfile"/>
+              </a:rPr>
+              <a:t>Mengenal Human Computer Interaction</a:t>
+            </a:r>
+          </a:p>
+          <a:p>
+            <a:r>
+              <a:rPr lang="id-ID" b="1" dirty="0">
+                <a:hlinkClick r:id="rId2" action="ppaction://hlinkfile"/>
+              </a:rPr>
+              <a:t>Pengembangan Aplikasi Mobile untuk Budgeting</a:t>
+            </a:r>
+            <a:endParaRPr lang="id-ID" dirty="0">
+              <a:hlinkClick r:id="rId2" action="ppaction://hlinkfile"/>
+            </a:endParaRPr>
+          </a:p>
+          <a:p>
+            <a:r>
+              <a:rPr lang="id-ID" dirty="0">
+                <a:hlinkClick r:id="rId2" action="ppaction://hlinkfile"/>
+              </a:rPr>
+              <a:t>Mengenal Database</a:t>
+            </a:r>
+          </a:p>
+          <a:p>
+            <a:r>
+              <a:rPr lang="id-ID" dirty="0">
+                <a:hlinkClick r:id="rId2" action="ppaction://hlinkfile"/>
+              </a:rPr>
+              <a:t>Human Centered Computing</a:t>
+            </a:r>
+          </a:p>
+          <a:p>
+            <a:r>
+              <a:rPr lang="id-ID" dirty="0">
+                <a:hlinkClick r:id="rId2" action="ppaction://hlinkfile"/>
+              </a:rPr>
+              <a:t>Mengenai Human-Centered Computing pada multimedia</a:t>
+            </a:r>
+          </a:p>
+          <a:p>
+            <a:r>
+              <a:rPr lang="id-ID" dirty="0">
+                <a:hlinkClick r:id="rId2" action="ppaction://hlinkfile"/>
+              </a:rPr>
+              <a:t>Mengenal </a:t>
+            </a:r>
+            <a:r>
+              <a:rPr lang="id-ID" i="1" dirty="0">
+                <a:hlinkClick r:id="rId2" action="ppaction://hlinkfile"/>
+              </a:rPr>
+              <a:t>Mobile Apps Design</a:t>
+            </a:r>
+            <a:endParaRPr lang="id-ID" dirty="0">
+              <a:hlinkClick r:id="rId2" action="ppaction://hlinkfile"/>
+            </a:endParaRPr>
+          </a:p>
+          <a:p>
+            <a:r>
+              <a:rPr lang="id-ID" dirty="0">
+                <a:hlinkClick r:id="rId2" action="ppaction://hlinkfile"/>
+              </a:rPr>
+              <a:t>Mengenal Tabungan Digital</a:t>
+            </a:r>
+            <a:endParaRPr lang="id-ID" dirty="0"/>
+          </a:p>
+          <a:p>
+            <a:endParaRPr lang="id-ID" dirty="0"/>
           </a:p>
         </p:txBody>
       </p:sp>
-      <p:pic>
-        <p:nvPicPr>
-          <p:cNvPr id="4" name="Picture 3">
+      <p:sp>
+        <p:nvSpPr>
+          <p:cNvPr id="4" name="TextBox 3">
             <a:extLst>
               <a:ext uri="{FF2B5EF4-FFF2-40B4-BE49-F238E27FC236}">
-                <a16:creationId xmlns:a16="http://schemas.microsoft.com/office/drawing/2014/main" xmlns="" id="{2F42C3BC-DC4E-4B0B-AA96-E72624DC7128}"/>
+                <a16:creationId xmlns:a16="http://schemas.microsoft.com/office/drawing/2014/main" id="{565921E9-A973-4676-A9BA-77CEA4557B4A}"/>
               </a:ext>
             </a:extLst>
           </p:cNvPr>
-          <p:cNvPicPr>
-            <a:picLocks noChangeAspect="1"/>
-          </p:cNvPicPr>
+          <p:cNvSpPr txBox="1"/>
           <p:nvPr/>
-        </p:nvPicPr>
-        <p:blipFill>
-          <a:blip r:embed="rId2" cstate="print"/>
-          <a:stretch>
-            <a:fillRect/>
-          </a:stretch>
-        </p:blipFill>
+        </p:nvSpPr>
         <p:spPr>
           <a:xfrm>
-            <a:off x="2211387" y="2552926"/>
-            <a:ext cx="2722774" cy="4214877"/>
+            <a:off x="11343861" y="6347791"/>
+            <a:ext cx="312906" cy="369332"/>
           </a:xfrm>
           <a:prstGeom prst="rect">
             <a:avLst/>
           </a:prstGeom>
+          <a:noFill/>
         </p:spPr>
-      </p:pic>
+        <p:txBody>
+          <a:bodyPr wrap="none" rtlCol="0">
+            <a:spAutoFit/>
+          </a:bodyPr>
+          <a:lstStyle/>
+          <a:p>
+            <a:r>
+              <a:rPr lang="id-ID" dirty="0"/>
+              <a:t>6</a:t>
+            </a:r>
+          </a:p>
+        </p:txBody>
+      </p:sp>
     </p:spTree>
     <p:extLst>
       <p:ext uri="{BB962C8B-B14F-4D97-AF65-F5344CB8AC3E}">
-        <p14:creationId xmlns:p14="http://schemas.microsoft.com/office/powerpoint/2010/main" xmlns="" val="3334893025"/>
+        <p14:creationId xmlns:p14="http://schemas.microsoft.com/office/powerpoint/2010/main" val="1181603945"/>
       </p:ext>
     </p:extLst>
   </p:cSld>
@@ -19107,98 +23573,10 @@
       </p:grpSpPr>
       <p:sp>
         <p:nvSpPr>
-          <p:cNvPr id="2" name="Title 1">
+          <p:cNvPr id="4" name="Rectangle 3">
             <a:extLst>
               <a:ext uri="{FF2B5EF4-FFF2-40B4-BE49-F238E27FC236}">
-                <a16:creationId xmlns:a16="http://schemas.microsoft.com/office/drawing/2014/main" xmlns="" id="{562B62D8-5FF2-4BA1-BF3A-C77602A4DDDD}"/>
-              </a:ext>
-            </a:extLst>
-          </p:cNvPr>
-          <p:cNvSpPr>
-            <a:spLocks noGrp="1"/>
-          </p:cNvSpPr>
-          <p:nvPr>
-            <p:ph type="title"/>
-          </p:nvPr>
-        </p:nvSpPr>
-        <p:spPr/>
-        <p:txBody>
-          <a:bodyPr/>
-          <a:lstStyle/>
-          <a:p>
-            <a:r>
-              <a:rPr lang="en-US" dirty="0"/>
-              <a:t>Functionalities 2: Today’s Transaction</a:t>
-            </a:r>
-          </a:p>
-        </p:txBody>
-      </p:sp>
-      <p:pic>
-        <p:nvPicPr>
-          <p:cNvPr id="4" name="Picture 3">
-            <a:extLst>
-              <a:ext uri="{FF2B5EF4-FFF2-40B4-BE49-F238E27FC236}">
-                <a16:creationId xmlns:a16="http://schemas.microsoft.com/office/drawing/2014/main" xmlns="" id="{A5DDDA2C-9661-4583-90CE-C0328AD18611}"/>
-              </a:ext>
-            </a:extLst>
-          </p:cNvPr>
-          <p:cNvPicPr>
-            <a:picLocks noChangeAspect="1"/>
-          </p:cNvPicPr>
-          <p:nvPr/>
-        </p:nvPicPr>
-        <p:blipFill>
-          <a:blip r:embed="rId2" cstate="print"/>
-          <a:stretch>
-            <a:fillRect/>
-          </a:stretch>
-        </p:blipFill>
-        <p:spPr>
-          <a:xfrm>
-            <a:off x="650261" y="2400921"/>
-            <a:ext cx="2274005" cy="3706689"/>
-          </a:xfrm>
-          <a:prstGeom prst="rect">
-            <a:avLst/>
-          </a:prstGeom>
-        </p:spPr>
-      </p:pic>
-      <p:pic>
-        <p:nvPicPr>
-          <p:cNvPr id="5" name="Picture 4">
-            <a:extLst>
-              <a:ext uri="{FF2B5EF4-FFF2-40B4-BE49-F238E27FC236}">
-                <a16:creationId xmlns:a16="http://schemas.microsoft.com/office/drawing/2014/main" xmlns="" id="{49707FF8-FFC7-42F5-81F1-5753F7EA4CF4}"/>
-              </a:ext>
-            </a:extLst>
-          </p:cNvPr>
-          <p:cNvPicPr>
-            <a:picLocks noChangeAspect="1"/>
-          </p:cNvPicPr>
-          <p:nvPr/>
-        </p:nvPicPr>
-        <p:blipFill>
-          <a:blip r:embed="rId3" cstate="print"/>
-          <a:stretch>
-            <a:fillRect/>
-          </a:stretch>
-        </p:blipFill>
-        <p:spPr>
-          <a:xfrm>
-            <a:off x="9316506" y="2400921"/>
-            <a:ext cx="2225233" cy="3694496"/>
-          </a:xfrm>
-          <a:prstGeom prst="rect">
-            <a:avLst/>
-          </a:prstGeom>
-        </p:spPr>
-      </p:pic>
-      <p:sp>
-        <p:nvSpPr>
-          <p:cNvPr id="6" name="Rectangle 5">
-            <a:extLst>
-              <a:ext uri="{FF2B5EF4-FFF2-40B4-BE49-F238E27FC236}">
-                <a16:creationId xmlns:a16="http://schemas.microsoft.com/office/drawing/2014/main" xmlns="" id="{8FA5F986-A408-4FF4-8B6B-577D6E51CF9A}"/>
+                <a16:creationId xmlns:a16="http://schemas.microsoft.com/office/drawing/2014/main" id="{F050C2A6-AB5C-4D57-B384-B7A78274F019}"/>
               </a:ext>
             </a:extLst>
           </p:cNvPr>
@@ -19207,8 +23585,8 @@
         </p:nvSpPr>
         <p:spPr>
           <a:xfrm>
-            <a:off x="3072386" y="2867962"/>
-            <a:ext cx="6096000" cy="2308324"/>
+            <a:off x="4905194" y="3143865"/>
+            <a:ext cx="6096000" cy="2862322"/>
           </a:xfrm>
           <a:prstGeom prst="rect">
             <a:avLst/>
@@ -19222,37 +23600,137 @@
           <a:p>
             <a:r>
               <a:rPr lang="en-GB" dirty="0"/>
-              <a:t>This function enables user to view Today’s Transaction and add transaction. The information will contain :</a:t>
-            </a:r>
+              <a:t>In a Brief, Budgeting Created to manage finance or budgeting that allows users to access and have a simple design that has new innovations such as having some features Today’s Transaction, Transaction Report, Transaction History.</a:t>
+            </a:r>
+          </a:p>
+          <a:p>
+            <a:endParaRPr lang="en-GB" dirty="0"/>
           </a:p>
           <a:p>
             <a:r>
               <a:rPr lang="en-GB" dirty="0"/>
-              <a:t>1.	Type </a:t>
-            </a:r>
+              <a:t>Minimum System Requirement for Budget to run:</a:t>
+            </a:r>
+          </a:p>
+          <a:p>
+            <a:endParaRPr lang="en-GB" dirty="0"/>
           </a:p>
           <a:p>
             <a:r>
               <a:rPr lang="en-GB" dirty="0"/>
-              <a:t>2.	Amount </a:t>
-            </a:r>
-          </a:p>
-          <a:p>
-            <a:r>
-              <a:rPr lang="en-GB" dirty="0"/>
-              <a:t>3.	Note</a:t>
-            </a:r>
-          </a:p>
-          <a:p>
-            <a:r>
-              <a:rPr lang="en-GB" dirty="0"/>
-              <a:t>4.	Date</a:t>
-            </a:r>
-          </a:p>
-          <a:p>
-            <a:r>
-              <a:rPr lang="en-GB" dirty="0"/>
-              <a:t>5.	Income/expenditure</a:t>
+              <a:t>Android OS: LOLLIPOP(API 21)</a:t>
+            </a:r>
+          </a:p>
+          <a:p>
+            <a:endParaRPr lang="en-US" dirty="0"/>
+          </a:p>
+        </p:txBody>
+      </p:sp>
+      <p:sp>
+        <p:nvSpPr>
+          <p:cNvPr id="6" name="Rectangle 5">
+            <a:extLst>
+              <a:ext uri="{FF2B5EF4-FFF2-40B4-BE49-F238E27FC236}">
+                <a16:creationId xmlns:a16="http://schemas.microsoft.com/office/drawing/2014/main" id="{6CC1B9D9-003B-41D7-A0D4-14D6C74AF12F}"/>
+              </a:ext>
+            </a:extLst>
+          </p:cNvPr>
+          <p:cNvSpPr/>
+          <p:nvPr/>
+        </p:nvSpPr>
+        <p:spPr>
+          <a:xfrm>
+            <a:off x="733461" y="972276"/>
+            <a:ext cx="3871573" cy="584775"/>
+          </a:xfrm>
+          <a:prstGeom prst="rect">
+            <a:avLst/>
+          </a:prstGeom>
+        </p:spPr>
+        <p:txBody>
+          <a:bodyPr wrap="none">
+            <a:spAutoFit/>
+          </a:bodyPr>
+          <a:lstStyle/>
+          <a:p>
+            <a:r>
+              <a:rPr lang="en-US" sz="3200" dirty="0">
+                <a:solidFill>
+                  <a:schemeClr val="bg1"/>
+                </a:solidFill>
+              </a:rPr>
+              <a:t>BRIEF DESCRIPTION</a:t>
+            </a:r>
+          </a:p>
+        </p:txBody>
+      </p:sp>
+      <p:pic>
+        <p:nvPicPr>
+          <p:cNvPr id="8" name="Picture 7">
+            <a:extLst>
+              <a:ext uri="{FF2B5EF4-FFF2-40B4-BE49-F238E27FC236}">
+                <a16:creationId xmlns:a16="http://schemas.microsoft.com/office/drawing/2014/main" id="{C9DEDB05-D969-4ABD-8E3C-F60A1E48143E}"/>
+              </a:ext>
+            </a:extLst>
+          </p:cNvPr>
+          <p:cNvPicPr>
+            <a:picLocks noChangeAspect="1"/>
+          </p:cNvPicPr>
+          <p:nvPr/>
+        </p:nvPicPr>
+        <p:blipFill>
+          <a:blip r:embed="rId2" cstate="print">
+            <a:extLst>
+              <a:ext uri="{28A0092B-C50C-407E-A947-70E740481C1C}">
+                <a14:useLocalDpi xmlns:a14="http://schemas.microsoft.com/office/drawing/2010/main" val="0"/>
+              </a:ext>
+            </a:extLst>
+          </a:blip>
+          <a:stretch>
+            <a:fillRect/>
+          </a:stretch>
+        </p:blipFill>
+        <p:spPr>
+          <a:xfrm>
+            <a:off x="1190806" y="2909230"/>
+            <a:ext cx="2956885" cy="2391719"/>
+          </a:xfrm>
+          <a:prstGeom prst="rect">
+            <a:avLst/>
+          </a:prstGeom>
+        </p:spPr>
+      </p:pic>
+      <p:sp>
+        <p:nvSpPr>
+          <p:cNvPr id="5" name="TextBox 4">
+            <a:extLst>
+              <a:ext uri="{FF2B5EF4-FFF2-40B4-BE49-F238E27FC236}">
+                <a16:creationId xmlns:a16="http://schemas.microsoft.com/office/drawing/2014/main" id="{364C0938-56E2-40A3-9747-276A1709F1F6}"/>
+              </a:ext>
+            </a:extLst>
+          </p:cNvPr>
+          <p:cNvSpPr txBox="1"/>
+          <p:nvPr/>
+        </p:nvSpPr>
+        <p:spPr>
+          <a:xfrm>
+            <a:off x="11343861" y="6347791"/>
+            <a:ext cx="312906" cy="369332"/>
+          </a:xfrm>
+          <a:prstGeom prst="rect">
+            <a:avLst/>
+          </a:prstGeom>
+          <a:noFill/>
+        </p:spPr>
+        <p:txBody>
+          <a:bodyPr wrap="none" rtlCol="0">
+            <a:spAutoFit/>
+          </a:bodyPr>
+          <a:lstStyle/>
+          <a:p>
+            <a:r>
+              <a:rPr lang="id-ID" dirty="0"/>
+              <a:t>7</a:t>
             </a:r>
           </a:p>
         </p:txBody>
@@ -19260,7 +23738,7 @@
     </p:spTree>
     <p:extLst>
       <p:ext uri="{BB962C8B-B14F-4D97-AF65-F5344CB8AC3E}">
-        <p14:creationId xmlns:p14="http://schemas.microsoft.com/office/powerpoint/2010/main" xmlns="" val="3206378443"/>
+        <p14:creationId xmlns:p14="http://schemas.microsoft.com/office/powerpoint/2010/main" val="1788965598"/>
       </p:ext>
     </p:extLst>
   </p:cSld>
@@ -19528,7 +24006,7 @@
   <a:extraClrSchemeLst/>
   <a:extLst>
     <a:ext uri="{05A4C25C-085E-4340-85A3-A5531E510DB2}">
-      <thm15:themeFamily xmlns:thm15="http://schemas.microsoft.com/office/thememl/2012/main" xmlns="" name="Ion Boardroom" id="{FC33163D-4339-46B1-8EED-24C834239D99}" vid="{B8502691-933B-45FE-8764-BA278511EF27}"/>
+      <thm15:themeFamily xmlns:thm15="http://schemas.microsoft.com/office/thememl/2012/main" name="Ion Boardroom" id="{FC33163D-4339-46B1-8EED-24C834239D99}" vid="{B8502691-933B-45FE-8764-BA278511EF27}"/>
     </a:ext>
   </a:extLst>
 </a:theme>
@@ -19823,7 +24301,7 @@
   <a:extraClrSchemeLst/>
   <a:extLst>
     <a:ext uri="{05A4C25C-085E-4340-85A3-A5531E510DB2}">
-      <thm15:themeFamily xmlns:thm15="http://schemas.microsoft.com/office/thememl/2012/main" xmlns="" name="Office Theme" id="{62F939B6-93AF-4DB8-9C6B-D6C7DFDC589F}" vid="{4A3C46E8-61CC-4603-A589-7422A47A8E4A}"/>
+      <thm15:themeFamily xmlns:thm15="http://schemas.microsoft.com/office/thememl/2012/main" name="Office Theme" id="{62F939B6-93AF-4DB8-9C6B-D6C7DFDC589F}" vid="{4A3C46E8-61CC-4603-A589-7422A47A8E4A}"/>
     </a:ext>
   </a:extLst>
 </a:theme>
